--- a/Day 3/lets talk about real programming.pptx
+++ b/Day 3/lets talk about real programming.pptx
@@ -4,6 +4,9 @@
   <p:sldMasterIdLst>
     <p:sldMasterId id="2147483763" r:id="rId1"/>
   </p:sldMasterIdLst>
+  <p:notesMasterIdLst>
+    <p:notesMasterId r:id="rId16"/>
+  </p:notesMasterIdLst>
   <p:sldIdLst>
     <p:sldId id="256" r:id="rId2"/>
     <p:sldId id="284" r:id="rId3"/>
@@ -11,9 +14,14 @@
     <p:sldId id="280" r:id="rId5"/>
     <p:sldId id="279" r:id="rId6"/>
     <p:sldId id="257" r:id="rId7"/>
-    <p:sldId id="289" r:id="rId8"/>
-    <p:sldId id="291" r:id="rId9"/>
-    <p:sldId id="269" r:id="rId10"/>
+    <p:sldId id="292" r:id="rId8"/>
+    <p:sldId id="293" r:id="rId9"/>
+    <p:sldId id="294" r:id="rId10"/>
+    <p:sldId id="289" r:id="rId11"/>
+    <p:sldId id="295" r:id="rId12"/>
+    <p:sldId id="296" r:id="rId13"/>
+    <p:sldId id="291" r:id="rId14"/>
+    <p:sldId id="269" r:id="rId15"/>
   </p:sldIdLst>
   <p:sldSz cx="12192000" cy="6858000"/>
   <p:notesSz cx="6858000" cy="9144000"/>
@@ -114,10 +122,990 @@
   </p:defaultTextStyle>
   <p:extLst>
     <p:ext uri="{EFAFB233-063F-42B5-8137-9DF3F51BA10A}">
-      <p15:sldGuideLst xmlns:p15="http://schemas.microsoft.com/office/powerpoint/2012/main"/>
+      <p15:sldGuideLst xmlns:p15="http://schemas.microsoft.com/office/powerpoint/2012/main" xmlns=""/>
     </p:ext>
   </p:extLst>
 </p:presentation>
+</file>
+
+<file path=ppt/notesMasters/notesMaster1.xml><?xml version="1.0" encoding="utf-8"?>
+<p:notesMaster xmlns:a="http://schemas.openxmlformats.org/drawingml/2006/main" xmlns:r="http://schemas.openxmlformats.org/officeDocument/2006/relationships" xmlns:p="http://schemas.openxmlformats.org/presentationml/2006/main">
+  <p:cSld>
+    <p:bg>
+      <p:bgRef idx="1001">
+        <a:schemeClr val="bg1"/>
+      </p:bgRef>
+    </p:bg>
+    <p:spTree>
+      <p:nvGrpSpPr>
+        <p:cNvPr id="1" name=""/>
+        <p:cNvGrpSpPr/>
+        <p:nvPr/>
+      </p:nvGrpSpPr>
+      <p:grpSpPr>
+        <a:xfrm>
+          <a:off x="0" y="0"/>
+          <a:ext cx="0" cy="0"/>
+          <a:chOff x="0" y="0"/>
+          <a:chExt cx="0" cy="0"/>
+        </a:xfrm>
+      </p:grpSpPr>
+      <p:sp>
+        <p:nvSpPr>
+          <p:cNvPr id="2" name="Header Placeholder 1"/>
+          <p:cNvSpPr>
+            <a:spLocks noGrp="1"/>
+          </p:cNvSpPr>
+          <p:nvPr>
+            <p:ph type="hdr" sz="quarter"/>
+          </p:nvPr>
+        </p:nvSpPr>
+        <p:spPr>
+          <a:xfrm>
+            <a:off x="0" y="0"/>
+            <a:ext cx="2971800" cy="457200"/>
+          </a:xfrm>
+          <a:prstGeom prst="rect">
+            <a:avLst/>
+          </a:prstGeom>
+        </p:spPr>
+        <p:txBody>
+          <a:bodyPr vert="horz" lIns="91440" tIns="45720" rIns="91440" bIns="45720" rtlCol="0"/>
+          <a:lstStyle>
+            <a:lvl1pPr algn="l">
+              <a:defRPr sz="1200"/>
+            </a:lvl1pPr>
+          </a:lstStyle>
+          <a:p>
+            <a:endParaRPr lang="en-GB"/>
+          </a:p>
+        </p:txBody>
+      </p:sp>
+      <p:sp>
+        <p:nvSpPr>
+          <p:cNvPr id="3" name="Date Placeholder 2"/>
+          <p:cNvSpPr>
+            <a:spLocks noGrp="1"/>
+          </p:cNvSpPr>
+          <p:nvPr>
+            <p:ph type="dt" idx="1"/>
+          </p:nvPr>
+        </p:nvSpPr>
+        <p:spPr>
+          <a:xfrm>
+            <a:off x="3884613" y="0"/>
+            <a:ext cx="2971800" cy="457200"/>
+          </a:xfrm>
+          <a:prstGeom prst="rect">
+            <a:avLst/>
+          </a:prstGeom>
+        </p:spPr>
+        <p:txBody>
+          <a:bodyPr vert="horz" lIns="91440" tIns="45720" rIns="91440" bIns="45720" rtlCol="0"/>
+          <a:lstStyle>
+            <a:lvl1pPr algn="r">
+              <a:defRPr sz="1200"/>
+            </a:lvl1pPr>
+          </a:lstStyle>
+          <a:p>
+            <a:fld id="{872C7464-236F-42D6-B70B-BB694FD5EC4D}" type="datetimeFigureOut">
+              <a:rPr lang="en-GB" smtClean="0"/>
+              <a:t>28/10/2023</a:t>
+            </a:fld>
+            <a:endParaRPr lang="en-GB"/>
+          </a:p>
+        </p:txBody>
+      </p:sp>
+      <p:sp>
+        <p:nvSpPr>
+          <p:cNvPr id="4" name="Slide Image Placeholder 3"/>
+          <p:cNvSpPr>
+            <a:spLocks noGrp="1" noRot="1" noChangeAspect="1"/>
+          </p:cNvSpPr>
+          <p:nvPr>
+            <p:ph type="sldImg" idx="2"/>
+          </p:nvPr>
+        </p:nvSpPr>
+        <p:spPr>
+          <a:xfrm>
+            <a:off x="381000" y="685800"/>
+            <a:ext cx="6096000" cy="3429000"/>
+          </a:xfrm>
+          <a:prstGeom prst="rect">
+            <a:avLst/>
+          </a:prstGeom>
+          <a:noFill/>
+          <a:ln w="12700">
+            <a:solidFill>
+              <a:prstClr val="black"/>
+            </a:solidFill>
+          </a:ln>
+        </p:spPr>
+        <p:txBody>
+          <a:bodyPr vert="horz" lIns="91440" tIns="45720" rIns="91440" bIns="45720" rtlCol="0" anchor="ctr"/>
+          <a:lstStyle/>
+          <a:p>
+            <a:endParaRPr lang="en-GB"/>
+          </a:p>
+        </p:txBody>
+      </p:sp>
+      <p:sp>
+        <p:nvSpPr>
+          <p:cNvPr id="5" name="Notes Placeholder 4"/>
+          <p:cNvSpPr>
+            <a:spLocks noGrp="1"/>
+          </p:cNvSpPr>
+          <p:nvPr>
+            <p:ph type="body" sz="quarter" idx="3"/>
+          </p:nvPr>
+        </p:nvSpPr>
+        <p:spPr>
+          <a:xfrm>
+            <a:off x="685800" y="4343400"/>
+            <a:ext cx="5486400" cy="4114800"/>
+          </a:xfrm>
+          <a:prstGeom prst="rect">
+            <a:avLst/>
+          </a:prstGeom>
+        </p:spPr>
+        <p:txBody>
+          <a:bodyPr vert="horz" lIns="91440" tIns="45720" rIns="91440" bIns="45720" rtlCol="0"/>
+          <a:lstStyle/>
+          <a:p>
+            <a:pPr lvl="0"/>
+            <a:r>
+              <a:rPr lang="en-US" smtClean="0"/>
+              <a:t>Click to edit Master text styles</a:t>
+            </a:r>
+          </a:p>
+          <a:p>
+            <a:pPr lvl="1"/>
+            <a:r>
+              <a:rPr lang="en-US" smtClean="0"/>
+              <a:t>Second level</a:t>
+            </a:r>
+          </a:p>
+          <a:p>
+            <a:pPr lvl="2"/>
+            <a:r>
+              <a:rPr lang="en-US" smtClean="0"/>
+              <a:t>Third level</a:t>
+            </a:r>
+          </a:p>
+          <a:p>
+            <a:pPr lvl="3"/>
+            <a:r>
+              <a:rPr lang="en-US" smtClean="0"/>
+              <a:t>Fourth level</a:t>
+            </a:r>
+          </a:p>
+          <a:p>
+            <a:pPr lvl="4"/>
+            <a:r>
+              <a:rPr lang="en-US" smtClean="0"/>
+              <a:t>Fifth level</a:t>
+            </a:r>
+            <a:endParaRPr lang="en-GB"/>
+          </a:p>
+        </p:txBody>
+      </p:sp>
+      <p:sp>
+        <p:nvSpPr>
+          <p:cNvPr id="6" name="Footer Placeholder 5"/>
+          <p:cNvSpPr>
+            <a:spLocks noGrp="1"/>
+          </p:cNvSpPr>
+          <p:nvPr>
+            <p:ph type="ftr" sz="quarter" idx="4"/>
+          </p:nvPr>
+        </p:nvSpPr>
+        <p:spPr>
+          <a:xfrm>
+            <a:off x="0" y="8685213"/>
+            <a:ext cx="2971800" cy="457200"/>
+          </a:xfrm>
+          <a:prstGeom prst="rect">
+            <a:avLst/>
+          </a:prstGeom>
+        </p:spPr>
+        <p:txBody>
+          <a:bodyPr vert="horz" lIns="91440" tIns="45720" rIns="91440" bIns="45720" rtlCol="0" anchor="b"/>
+          <a:lstStyle>
+            <a:lvl1pPr algn="l">
+              <a:defRPr sz="1200"/>
+            </a:lvl1pPr>
+          </a:lstStyle>
+          <a:p>
+            <a:endParaRPr lang="en-GB"/>
+          </a:p>
+        </p:txBody>
+      </p:sp>
+      <p:sp>
+        <p:nvSpPr>
+          <p:cNvPr id="7" name="Slide Number Placeholder 6"/>
+          <p:cNvSpPr>
+            <a:spLocks noGrp="1"/>
+          </p:cNvSpPr>
+          <p:nvPr>
+            <p:ph type="sldNum" sz="quarter" idx="5"/>
+          </p:nvPr>
+        </p:nvSpPr>
+        <p:spPr>
+          <a:xfrm>
+            <a:off x="3884613" y="8685213"/>
+            <a:ext cx="2971800" cy="457200"/>
+          </a:xfrm>
+          <a:prstGeom prst="rect">
+            <a:avLst/>
+          </a:prstGeom>
+        </p:spPr>
+        <p:txBody>
+          <a:bodyPr vert="horz" lIns="91440" tIns="45720" rIns="91440" bIns="45720" rtlCol="0" anchor="b"/>
+          <a:lstStyle>
+            <a:lvl1pPr algn="r">
+              <a:defRPr sz="1200"/>
+            </a:lvl1pPr>
+          </a:lstStyle>
+          <a:p>
+            <a:fld id="{EFD93BA9-CB8A-46BE-95BE-197871EBDE63}" type="slidenum">
+              <a:rPr lang="en-GB" smtClean="0"/>
+              <a:t>‹#›</a:t>
+            </a:fld>
+            <a:endParaRPr lang="en-GB"/>
+          </a:p>
+        </p:txBody>
+      </p:sp>
+    </p:spTree>
+    <p:extLst>
+      <p:ext uri="{BB962C8B-B14F-4D97-AF65-F5344CB8AC3E}">
+        <p14:creationId xmlns:p14="http://schemas.microsoft.com/office/powerpoint/2010/main" val="2791164510"/>
+      </p:ext>
+    </p:extLst>
+  </p:cSld>
+  <p:clrMap bg1="lt1" tx1="dk1" bg2="lt2" tx2="dk2" accent1="accent1" accent2="accent2" accent3="accent3" accent4="accent4" accent5="accent5" accent6="accent6" hlink="hlink" folHlink="folHlink"/>
+  <p:notesStyle>
+    <a:lvl1pPr marL="0" algn="l" defTabSz="914400" rtl="0" eaLnBrk="1" latinLnBrk="0" hangingPunct="1">
+      <a:defRPr sz="1200" kern="1200">
+        <a:solidFill>
+          <a:schemeClr val="tx1"/>
+        </a:solidFill>
+        <a:latin typeface="+mn-lt"/>
+        <a:ea typeface="+mn-ea"/>
+        <a:cs typeface="+mn-cs"/>
+      </a:defRPr>
+    </a:lvl1pPr>
+    <a:lvl2pPr marL="457200" algn="l" defTabSz="914400" rtl="0" eaLnBrk="1" latinLnBrk="0" hangingPunct="1">
+      <a:defRPr sz="1200" kern="1200">
+        <a:solidFill>
+          <a:schemeClr val="tx1"/>
+        </a:solidFill>
+        <a:latin typeface="+mn-lt"/>
+        <a:ea typeface="+mn-ea"/>
+        <a:cs typeface="+mn-cs"/>
+      </a:defRPr>
+    </a:lvl2pPr>
+    <a:lvl3pPr marL="914400" algn="l" defTabSz="914400" rtl="0" eaLnBrk="1" latinLnBrk="0" hangingPunct="1">
+      <a:defRPr sz="1200" kern="1200">
+        <a:solidFill>
+          <a:schemeClr val="tx1"/>
+        </a:solidFill>
+        <a:latin typeface="+mn-lt"/>
+        <a:ea typeface="+mn-ea"/>
+        <a:cs typeface="+mn-cs"/>
+      </a:defRPr>
+    </a:lvl3pPr>
+    <a:lvl4pPr marL="1371600" algn="l" defTabSz="914400" rtl="0" eaLnBrk="1" latinLnBrk="0" hangingPunct="1">
+      <a:defRPr sz="1200" kern="1200">
+        <a:solidFill>
+          <a:schemeClr val="tx1"/>
+        </a:solidFill>
+        <a:latin typeface="+mn-lt"/>
+        <a:ea typeface="+mn-ea"/>
+        <a:cs typeface="+mn-cs"/>
+      </a:defRPr>
+    </a:lvl4pPr>
+    <a:lvl5pPr marL="1828800" algn="l" defTabSz="914400" rtl="0" eaLnBrk="1" latinLnBrk="0" hangingPunct="1">
+      <a:defRPr sz="1200" kern="1200">
+        <a:solidFill>
+          <a:schemeClr val="tx1"/>
+        </a:solidFill>
+        <a:latin typeface="+mn-lt"/>
+        <a:ea typeface="+mn-ea"/>
+        <a:cs typeface="+mn-cs"/>
+      </a:defRPr>
+    </a:lvl5pPr>
+    <a:lvl6pPr marL="2286000" algn="l" defTabSz="914400" rtl="0" eaLnBrk="1" latinLnBrk="0" hangingPunct="1">
+      <a:defRPr sz="1200" kern="1200">
+        <a:solidFill>
+          <a:schemeClr val="tx1"/>
+        </a:solidFill>
+        <a:latin typeface="+mn-lt"/>
+        <a:ea typeface="+mn-ea"/>
+        <a:cs typeface="+mn-cs"/>
+      </a:defRPr>
+    </a:lvl6pPr>
+    <a:lvl7pPr marL="2743200" algn="l" defTabSz="914400" rtl="0" eaLnBrk="1" latinLnBrk="0" hangingPunct="1">
+      <a:defRPr sz="1200" kern="1200">
+        <a:solidFill>
+          <a:schemeClr val="tx1"/>
+        </a:solidFill>
+        <a:latin typeface="+mn-lt"/>
+        <a:ea typeface="+mn-ea"/>
+        <a:cs typeface="+mn-cs"/>
+      </a:defRPr>
+    </a:lvl7pPr>
+    <a:lvl8pPr marL="3200400" algn="l" defTabSz="914400" rtl="0" eaLnBrk="1" latinLnBrk="0" hangingPunct="1">
+      <a:defRPr sz="1200" kern="1200">
+        <a:solidFill>
+          <a:schemeClr val="tx1"/>
+        </a:solidFill>
+        <a:latin typeface="+mn-lt"/>
+        <a:ea typeface="+mn-ea"/>
+        <a:cs typeface="+mn-cs"/>
+      </a:defRPr>
+    </a:lvl8pPr>
+    <a:lvl9pPr marL="3657600" algn="l" defTabSz="914400" rtl="0" eaLnBrk="1" latinLnBrk="0" hangingPunct="1">
+      <a:defRPr sz="1200" kern="1200">
+        <a:solidFill>
+          <a:schemeClr val="tx1"/>
+        </a:solidFill>
+        <a:latin typeface="+mn-lt"/>
+        <a:ea typeface="+mn-ea"/>
+        <a:cs typeface="+mn-cs"/>
+      </a:defRPr>
+    </a:lvl9pPr>
+  </p:notesStyle>
+</p:notesMaster>
+</file>
+
+<file path=ppt/notesSlides/notesSlide1.xml><?xml version="1.0" encoding="utf-8"?>
+<p:notes xmlns:a="http://schemas.openxmlformats.org/drawingml/2006/main" xmlns:r="http://schemas.openxmlformats.org/officeDocument/2006/relationships" xmlns:p="http://schemas.openxmlformats.org/presentationml/2006/main">
+  <p:cSld>
+    <p:bg>
+      <p:bgPr>
+        <a:solidFill>
+          <a:srgbClr val="FFFFFF"/>
+        </a:solidFill>
+        <a:effectLst/>
+      </p:bgPr>
+    </p:bg>
+    <p:spTree>
+      <p:nvGrpSpPr>
+        <p:cNvPr id="1" name=""/>
+        <p:cNvGrpSpPr/>
+        <p:nvPr/>
+      </p:nvGrpSpPr>
+      <p:grpSpPr>
+        <a:xfrm>
+          <a:off x="0" y="0"/>
+          <a:ext cx="0" cy="0"/>
+          <a:chOff x="0" y="0"/>
+          <a:chExt cx="0" cy="0"/>
+        </a:xfrm>
+      </p:grpSpPr>
+      <p:sp>
+        <p:nvSpPr>
+          <p:cNvPr id="30721" name="Rectangle 1"/>
+          <p:cNvSpPr>
+            <a:spLocks noGrp="1" noRot="1" noChangeAspect="1" noChangeArrowheads="1" noTextEdit="1"/>
+          </p:cNvSpPr>
+          <p:nvPr>
+            <p:ph type="sldImg"/>
+          </p:nvPr>
+        </p:nvSpPr>
+        <p:spPr bwMode="auto">
+          <a:xfrm>
+            <a:off x="615950" y="877888"/>
+            <a:ext cx="5626100" cy="3165475"/>
+          </a:xfrm>
+          <a:prstGeom prst="rect">
+            <a:avLst/>
+          </a:prstGeom>
+          <a:solidFill>
+            <a:srgbClr val="FFFFFF"/>
+          </a:solidFill>
+          <a:ln>
+            <a:solidFill>
+              <a:srgbClr val="000000"/>
+            </a:solidFill>
+            <a:miter lim="800000"/>
+            <a:headEnd/>
+            <a:tailEnd/>
+          </a:ln>
+          <a:extLst>
+            <a:ext uri="{AF507438-7753-43E0-B8FC-AC1667EBCBE1}">
+              <a14:hiddenEffects xmlns:a14="http://schemas.microsoft.com/office/drawing/2010/main">
+                <a:effectLst>
+                  <a:outerShdw dist="35921" dir="2700000" algn="ctr" rotWithShape="0">
+                    <a:srgbClr val="808080"/>
+                  </a:outerShdw>
+                </a:effectLst>
+              </a14:hiddenEffects>
+            </a:ext>
+            <a:ext uri="{53640926-AAD7-44D8-BBD7-CCE9431645EC}">
+              <a14:shadowObscured xmlns:a14="http://schemas.microsoft.com/office/drawing/2010/main" val="1"/>
+            </a:ext>
+          </a:extLst>
+        </p:spPr>
+      </p:sp>
+      <p:sp>
+        <p:nvSpPr>
+          <p:cNvPr id="30722" name="Rectangle 2"/>
+          <p:cNvSpPr txBox="1">
+            <a:spLocks noGrp="1" noChangeArrowheads="1"/>
+          </p:cNvSpPr>
+          <p:nvPr>
+            <p:ph type="body" idx="1"/>
+          </p:nvPr>
+        </p:nvSpPr>
+        <p:spPr bwMode="auto">
+          <a:xfrm>
+            <a:off x="1061392" y="4350019"/>
+            <a:ext cx="4740978" cy="3512328"/>
+          </a:xfrm>
+          <a:prstGeom prst="rect">
+            <a:avLst/>
+          </a:prstGeom>
+          <a:noFill/>
+          <a:ln/>
+          <a:extLst>
+            <a:ext uri="{909E8E84-426E-40DD-AFC4-6F175D3DCCD1}">
+              <a14:hiddenFill xmlns:a14="http://schemas.microsoft.com/office/drawing/2010/main">
+                <a:solidFill>
+                  <a:srgbClr val="FFFFFF"/>
+                </a:solidFill>
+              </a14:hiddenFill>
+            </a:ext>
+            <a:ext uri="{91240B29-F687-4F45-9708-019B960494DF}">
+              <a14:hiddenLine xmlns:a14="http://schemas.microsoft.com/office/drawing/2010/main" w="9525">
+                <a:solidFill>
+                  <a:srgbClr val="000000"/>
+                </a:solidFill>
+                <a:miter lim="800000"/>
+                <a:headEnd/>
+                <a:tailEnd/>
+              </a14:hiddenLine>
+            </a:ext>
+          </a:extLst>
+        </p:spPr>
+        <p:txBody>
+          <a:bodyPr wrap="none" anchor="ctr"/>
+          <a:lstStyle/>
+          <a:p>
+            <a:endParaRPr lang="it-IT"/>
+          </a:p>
+        </p:txBody>
+      </p:sp>
+    </p:spTree>
+  </p:cSld>
+  <p:clrMapOvr>
+    <a:masterClrMapping/>
+  </p:clrMapOvr>
+</p:notes>
+</file>
+
+<file path=ppt/notesSlides/notesSlide2.xml><?xml version="1.0" encoding="utf-8"?>
+<p:notes xmlns:a="http://schemas.openxmlformats.org/drawingml/2006/main" xmlns:r="http://schemas.openxmlformats.org/officeDocument/2006/relationships" xmlns:p="http://schemas.openxmlformats.org/presentationml/2006/main">
+  <p:cSld>
+    <p:bg>
+      <p:bgPr>
+        <a:solidFill>
+          <a:srgbClr val="FFFFFF"/>
+        </a:solidFill>
+        <a:effectLst/>
+      </p:bgPr>
+    </p:bg>
+    <p:spTree>
+      <p:nvGrpSpPr>
+        <p:cNvPr id="1" name=""/>
+        <p:cNvGrpSpPr/>
+        <p:nvPr/>
+      </p:nvGrpSpPr>
+      <p:grpSpPr>
+        <a:xfrm>
+          <a:off x="0" y="0"/>
+          <a:ext cx="0" cy="0"/>
+          <a:chOff x="0" y="0"/>
+          <a:chExt cx="0" cy="0"/>
+        </a:xfrm>
+      </p:grpSpPr>
+      <p:sp>
+        <p:nvSpPr>
+          <p:cNvPr id="31745" name="Rectangle 1"/>
+          <p:cNvSpPr>
+            <a:spLocks noGrp="1" noRot="1" noChangeAspect="1" noChangeArrowheads="1" noTextEdit="1"/>
+          </p:cNvSpPr>
+          <p:nvPr>
+            <p:ph type="sldImg"/>
+          </p:nvPr>
+        </p:nvSpPr>
+        <p:spPr bwMode="auto">
+          <a:xfrm>
+            <a:off x="615950" y="877888"/>
+            <a:ext cx="5626100" cy="3165475"/>
+          </a:xfrm>
+          <a:prstGeom prst="rect">
+            <a:avLst/>
+          </a:prstGeom>
+          <a:solidFill>
+            <a:srgbClr val="FFFFFF"/>
+          </a:solidFill>
+          <a:ln>
+            <a:solidFill>
+              <a:srgbClr val="000000"/>
+            </a:solidFill>
+            <a:miter lim="800000"/>
+            <a:headEnd/>
+            <a:tailEnd/>
+          </a:ln>
+          <a:extLst>
+            <a:ext uri="{AF507438-7753-43E0-B8FC-AC1667EBCBE1}">
+              <a14:hiddenEffects xmlns:a14="http://schemas.microsoft.com/office/drawing/2010/main">
+                <a:effectLst>
+                  <a:outerShdw dist="35921" dir="2700000" algn="ctr" rotWithShape="0">
+                    <a:srgbClr val="808080"/>
+                  </a:outerShdw>
+                </a:effectLst>
+              </a14:hiddenEffects>
+            </a:ext>
+            <a:ext uri="{53640926-AAD7-44D8-BBD7-CCE9431645EC}">
+              <a14:shadowObscured xmlns:a14="http://schemas.microsoft.com/office/drawing/2010/main" val="1"/>
+            </a:ext>
+          </a:extLst>
+        </p:spPr>
+      </p:sp>
+      <p:sp>
+        <p:nvSpPr>
+          <p:cNvPr id="31746" name="Rectangle 2"/>
+          <p:cNvSpPr txBox="1">
+            <a:spLocks noGrp="1" noChangeArrowheads="1"/>
+          </p:cNvSpPr>
+          <p:nvPr>
+            <p:ph type="body" idx="1"/>
+          </p:nvPr>
+        </p:nvSpPr>
+        <p:spPr bwMode="auto">
+          <a:xfrm>
+            <a:off x="1061392" y="4350019"/>
+            <a:ext cx="4740978" cy="3512328"/>
+          </a:xfrm>
+          <a:prstGeom prst="rect">
+            <a:avLst/>
+          </a:prstGeom>
+          <a:noFill/>
+          <a:ln/>
+          <a:extLst>
+            <a:ext uri="{909E8E84-426E-40DD-AFC4-6F175D3DCCD1}">
+              <a14:hiddenFill xmlns:a14="http://schemas.microsoft.com/office/drawing/2010/main">
+                <a:solidFill>
+                  <a:srgbClr val="FFFFFF"/>
+                </a:solidFill>
+              </a14:hiddenFill>
+            </a:ext>
+            <a:ext uri="{91240B29-F687-4F45-9708-019B960494DF}">
+              <a14:hiddenLine xmlns:a14="http://schemas.microsoft.com/office/drawing/2010/main" w="9525">
+                <a:solidFill>
+                  <a:srgbClr val="000000"/>
+                </a:solidFill>
+                <a:miter lim="800000"/>
+                <a:headEnd/>
+                <a:tailEnd/>
+              </a14:hiddenLine>
+            </a:ext>
+          </a:extLst>
+        </p:spPr>
+        <p:txBody>
+          <a:bodyPr wrap="none" anchor="ctr"/>
+          <a:lstStyle/>
+          <a:p>
+            <a:endParaRPr lang="it-IT"/>
+          </a:p>
+        </p:txBody>
+      </p:sp>
+    </p:spTree>
+  </p:cSld>
+  <p:clrMapOvr>
+    <a:masterClrMapping/>
+  </p:clrMapOvr>
+</p:notes>
+</file>
+
+<file path=ppt/notesSlides/notesSlide3.xml><?xml version="1.0" encoding="utf-8"?>
+<p:notes xmlns:a="http://schemas.openxmlformats.org/drawingml/2006/main" xmlns:r="http://schemas.openxmlformats.org/officeDocument/2006/relationships" xmlns:p="http://schemas.openxmlformats.org/presentationml/2006/main">
+  <p:cSld>
+    <p:bg>
+      <p:bgPr>
+        <a:solidFill>
+          <a:srgbClr val="FFFFFF"/>
+        </a:solidFill>
+        <a:effectLst/>
+      </p:bgPr>
+    </p:bg>
+    <p:spTree>
+      <p:nvGrpSpPr>
+        <p:cNvPr id="1" name=""/>
+        <p:cNvGrpSpPr/>
+        <p:nvPr/>
+      </p:nvGrpSpPr>
+      <p:grpSpPr>
+        <a:xfrm>
+          <a:off x="0" y="0"/>
+          <a:ext cx="0" cy="0"/>
+          <a:chOff x="0" y="0"/>
+          <a:chExt cx="0" cy="0"/>
+        </a:xfrm>
+      </p:grpSpPr>
+      <p:sp>
+        <p:nvSpPr>
+          <p:cNvPr id="33793" name="Rectangle 1"/>
+          <p:cNvSpPr>
+            <a:spLocks noGrp="1" noRot="1" noChangeAspect="1" noChangeArrowheads="1" noTextEdit="1"/>
+          </p:cNvSpPr>
+          <p:nvPr>
+            <p:ph type="sldImg"/>
+          </p:nvPr>
+        </p:nvSpPr>
+        <p:spPr bwMode="auto">
+          <a:xfrm>
+            <a:off x="615950" y="877888"/>
+            <a:ext cx="5626100" cy="3165475"/>
+          </a:xfrm>
+          <a:prstGeom prst="rect">
+            <a:avLst/>
+          </a:prstGeom>
+          <a:solidFill>
+            <a:srgbClr val="FFFFFF"/>
+          </a:solidFill>
+          <a:ln>
+            <a:solidFill>
+              <a:srgbClr val="000000"/>
+            </a:solidFill>
+            <a:miter lim="800000"/>
+            <a:headEnd/>
+            <a:tailEnd/>
+          </a:ln>
+          <a:extLst>
+            <a:ext uri="{AF507438-7753-43E0-B8FC-AC1667EBCBE1}">
+              <a14:hiddenEffects xmlns:a14="http://schemas.microsoft.com/office/drawing/2010/main">
+                <a:effectLst>
+                  <a:outerShdw dist="35921" dir="2700000" algn="ctr" rotWithShape="0">
+                    <a:srgbClr val="808080"/>
+                  </a:outerShdw>
+                </a:effectLst>
+              </a14:hiddenEffects>
+            </a:ext>
+            <a:ext uri="{53640926-AAD7-44D8-BBD7-CCE9431645EC}">
+              <a14:shadowObscured xmlns:a14="http://schemas.microsoft.com/office/drawing/2010/main" val="1"/>
+            </a:ext>
+          </a:extLst>
+        </p:spPr>
+      </p:sp>
+      <p:sp>
+        <p:nvSpPr>
+          <p:cNvPr id="33794" name="Rectangle 2"/>
+          <p:cNvSpPr txBox="1">
+            <a:spLocks noGrp="1" noChangeArrowheads="1"/>
+          </p:cNvSpPr>
+          <p:nvPr>
+            <p:ph type="body" idx="1"/>
+          </p:nvPr>
+        </p:nvSpPr>
+        <p:spPr bwMode="auto">
+          <a:xfrm>
+            <a:off x="1061392" y="4350019"/>
+            <a:ext cx="4740978" cy="3512328"/>
+          </a:xfrm>
+          <a:prstGeom prst="rect">
+            <a:avLst/>
+          </a:prstGeom>
+          <a:noFill/>
+          <a:ln/>
+          <a:extLst>
+            <a:ext uri="{909E8E84-426E-40DD-AFC4-6F175D3DCCD1}">
+              <a14:hiddenFill xmlns:a14="http://schemas.microsoft.com/office/drawing/2010/main">
+                <a:solidFill>
+                  <a:srgbClr val="FFFFFF"/>
+                </a:solidFill>
+              </a14:hiddenFill>
+            </a:ext>
+            <a:ext uri="{91240B29-F687-4F45-9708-019B960494DF}">
+              <a14:hiddenLine xmlns:a14="http://schemas.microsoft.com/office/drawing/2010/main" w="9525">
+                <a:solidFill>
+                  <a:srgbClr val="000000"/>
+                </a:solidFill>
+                <a:miter lim="800000"/>
+                <a:headEnd/>
+                <a:tailEnd/>
+              </a14:hiddenLine>
+            </a:ext>
+          </a:extLst>
+        </p:spPr>
+        <p:txBody>
+          <a:bodyPr wrap="none" anchor="ctr"/>
+          <a:lstStyle/>
+          <a:p>
+            <a:endParaRPr lang="it-IT"/>
+          </a:p>
+        </p:txBody>
+      </p:sp>
+    </p:spTree>
+  </p:cSld>
+  <p:clrMapOvr>
+    <a:masterClrMapping/>
+  </p:clrMapOvr>
+</p:notes>
+</file>
+
+<file path=ppt/notesSlides/notesSlide4.xml><?xml version="1.0" encoding="utf-8"?>
+<p:notes xmlns:a="http://schemas.openxmlformats.org/drawingml/2006/main" xmlns:r="http://schemas.openxmlformats.org/officeDocument/2006/relationships" xmlns:p="http://schemas.openxmlformats.org/presentationml/2006/main">
+  <p:cSld>
+    <p:bg>
+      <p:bgPr>
+        <a:solidFill>
+          <a:srgbClr val="FFFFFF"/>
+        </a:solidFill>
+        <a:effectLst/>
+      </p:bgPr>
+    </p:bg>
+    <p:spTree>
+      <p:nvGrpSpPr>
+        <p:cNvPr id="1" name=""/>
+        <p:cNvGrpSpPr/>
+        <p:nvPr/>
+      </p:nvGrpSpPr>
+      <p:grpSpPr>
+        <a:xfrm>
+          <a:off x="0" y="0"/>
+          <a:ext cx="0" cy="0"/>
+          <a:chOff x="0" y="0"/>
+          <a:chExt cx="0" cy="0"/>
+        </a:xfrm>
+      </p:grpSpPr>
+      <p:sp>
+        <p:nvSpPr>
+          <p:cNvPr id="34817" name="Rectangle 1"/>
+          <p:cNvSpPr>
+            <a:spLocks noGrp="1" noRot="1" noChangeAspect="1" noChangeArrowheads="1" noTextEdit="1"/>
+          </p:cNvSpPr>
+          <p:nvPr>
+            <p:ph type="sldImg"/>
+          </p:nvPr>
+        </p:nvSpPr>
+        <p:spPr bwMode="auto">
+          <a:xfrm>
+            <a:off x="615950" y="877888"/>
+            <a:ext cx="5626100" cy="3165475"/>
+          </a:xfrm>
+          <a:prstGeom prst="rect">
+            <a:avLst/>
+          </a:prstGeom>
+          <a:solidFill>
+            <a:srgbClr val="FFFFFF"/>
+          </a:solidFill>
+          <a:ln>
+            <a:solidFill>
+              <a:srgbClr val="000000"/>
+            </a:solidFill>
+            <a:miter lim="800000"/>
+            <a:headEnd/>
+            <a:tailEnd/>
+          </a:ln>
+          <a:extLst>
+            <a:ext uri="{AF507438-7753-43E0-B8FC-AC1667EBCBE1}">
+              <a14:hiddenEffects xmlns:a14="http://schemas.microsoft.com/office/drawing/2010/main">
+                <a:effectLst>
+                  <a:outerShdw dist="35921" dir="2700000" algn="ctr" rotWithShape="0">
+                    <a:srgbClr val="808080"/>
+                  </a:outerShdw>
+                </a:effectLst>
+              </a14:hiddenEffects>
+            </a:ext>
+            <a:ext uri="{53640926-AAD7-44D8-BBD7-CCE9431645EC}">
+              <a14:shadowObscured xmlns:a14="http://schemas.microsoft.com/office/drawing/2010/main" val="1"/>
+            </a:ext>
+          </a:extLst>
+        </p:spPr>
+      </p:sp>
+      <p:sp>
+        <p:nvSpPr>
+          <p:cNvPr id="34818" name="Rectangle 2"/>
+          <p:cNvSpPr txBox="1">
+            <a:spLocks noGrp="1" noChangeArrowheads="1"/>
+          </p:cNvSpPr>
+          <p:nvPr>
+            <p:ph type="body" idx="1"/>
+          </p:nvPr>
+        </p:nvSpPr>
+        <p:spPr bwMode="auto">
+          <a:xfrm>
+            <a:off x="1061392" y="4350019"/>
+            <a:ext cx="4740978" cy="3512328"/>
+          </a:xfrm>
+          <a:prstGeom prst="rect">
+            <a:avLst/>
+          </a:prstGeom>
+          <a:noFill/>
+          <a:ln/>
+          <a:extLst>
+            <a:ext uri="{909E8E84-426E-40DD-AFC4-6F175D3DCCD1}">
+              <a14:hiddenFill xmlns:a14="http://schemas.microsoft.com/office/drawing/2010/main">
+                <a:solidFill>
+                  <a:srgbClr val="FFFFFF"/>
+                </a:solidFill>
+              </a14:hiddenFill>
+            </a:ext>
+            <a:ext uri="{91240B29-F687-4F45-9708-019B960494DF}">
+              <a14:hiddenLine xmlns:a14="http://schemas.microsoft.com/office/drawing/2010/main" w="9525">
+                <a:solidFill>
+                  <a:srgbClr val="000000"/>
+                </a:solidFill>
+                <a:miter lim="800000"/>
+                <a:headEnd/>
+                <a:tailEnd/>
+              </a14:hiddenLine>
+            </a:ext>
+          </a:extLst>
+        </p:spPr>
+        <p:txBody>
+          <a:bodyPr wrap="none" anchor="ctr"/>
+          <a:lstStyle/>
+          <a:p>
+            <a:endParaRPr lang="it-IT"/>
+          </a:p>
+        </p:txBody>
+      </p:sp>
+    </p:spTree>
+  </p:cSld>
+  <p:clrMapOvr>
+    <a:masterClrMapping/>
+  </p:clrMapOvr>
+</p:notes>
+</file>
+
+<file path=ppt/notesSlides/notesSlide5.xml><?xml version="1.0" encoding="utf-8"?>
+<p:notes xmlns:a="http://schemas.openxmlformats.org/drawingml/2006/main" xmlns:r="http://schemas.openxmlformats.org/officeDocument/2006/relationships" xmlns:p="http://schemas.openxmlformats.org/presentationml/2006/main">
+  <p:cSld>
+    <p:bg>
+      <p:bgPr>
+        <a:solidFill>
+          <a:srgbClr val="FFFFFF"/>
+        </a:solidFill>
+        <a:effectLst/>
+      </p:bgPr>
+    </p:bg>
+    <p:spTree>
+      <p:nvGrpSpPr>
+        <p:cNvPr id="1" name=""/>
+        <p:cNvGrpSpPr/>
+        <p:nvPr/>
+      </p:nvGrpSpPr>
+      <p:grpSpPr>
+        <a:xfrm>
+          <a:off x="0" y="0"/>
+          <a:ext cx="0" cy="0"/>
+          <a:chOff x="0" y="0"/>
+          <a:chExt cx="0" cy="0"/>
+        </a:xfrm>
+      </p:grpSpPr>
+      <p:sp>
+        <p:nvSpPr>
+          <p:cNvPr id="35841" name="Rectangle 1"/>
+          <p:cNvSpPr>
+            <a:spLocks noGrp="1" noRot="1" noChangeAspect="1" noChangeArrowheads="1" noTextEdit="1"/>
+          </p:cNvSpPr>
+          <p:nvPr>
+            <p:ph type="sldImg"/>
+          </p:nvPr>
+        </p:nvSpPr>
+        <p:spPr bwMode="auto">
+          <a:xfrm>
+            <a:off x="615950" y="877888"/>
+            <a:ext cx="5626100" cy="3165475"/>
+          </a:xfrm>
+          <a:prstGeom prst="rect">
+            <a:avLst/>
+          </a:prstGeom>
+          <a:solidFill>
+            <a:srgbClr val="FFFFFF"/>
+          </a:solidFill>
+          <a:ln>
+            <a:solidFill>
+              <a:srgbClr val="000000"/>
+            </a:solidFill>
+            <a:miter lim="800000"/>
+            <a:headEnd/>
+            <a:tailEnd/>
+          </a:ln>
+          <a:extLst>
+            <a:ext uri="{AF507438-7753-43E0-B8FC-AC1667EBCBE1}">
+              <a14:hiddenEffects xmlns:a14="http://schemas.microsoft.com/office/drawing/2010/main">
+                <a:effectLst>
+                  <a:outerShdw dist="35921" dir="2700000" algn="ctr" rotWithShape="0">
+                    <a:srgbClr val="808080"/>
+                  </a:outerShdw>
+                </a:effectLst>
+              </a14:hiddenEffects>
+            </a:ext>
+            <a:ext uri="{53640926-AAD7-44D8-BBD7-CCE9431645EC}">
+              <a14:shadowObscured xmlns:a14="http://schemas.microsoft.com/office/drawing/2010/main" val="1"/>
+            </a:ext>
+          </a:extLst>
+        </p:spPr>
+      </p:sp>
+      <p:sp>
+        <p:nvSpPr>
+          <p:cNvPr id="35842" name="Rectangle 2"/>
+          <p:cNvSpPr txBox="1">
+            <a:spLocks noGrp="1" noChangeArrowheads="1"/>
+          </p:cNvSpPr>
+          <p:nvPr>
+            <p:ph type="body" idx="1"/>
+          </p:nvPr>
+        </p:nvSpPr>
+        <p:spPr bwMode="auto">
+          <a:xfrm>
+            <a:off x="1061392" y="4350019"/>
+            <a:ext cx="4740978" cy="3512328"/>
+          </a:xfrm>
+          <a:prstGeom prst="rect">
+            <a:avLst/>
+          </a:prstGeom>
+          <a:noFill/>
+          <a:ln/>
+          <a:extLst>
+            <a:ext uri="{909E8E84-426E-40DD-AFC4-6F175D3DCCD1}">
+              <a14:hiddenFill xmlns:a14="http://schemas.microsoft.com/office/drawing/2010/main">
+                <a:solidFill>
+                  <a:srgbClr val="FFFFFF"/>
+                </a:solidFill>
+              </a14:hiddenFill>
+            </a:ext>
+            <a:ext uri="{91240B29-F687-4F45-9708-019B960494DF}">
+              <a14:hiddenLine xmlns:a14="http://schemas.microsoft.com/office/drawing/2010/main" w="9525">
+                <a:solidFill>
+                  <a:srgbClr val="000000"/>
+                </a:solidFill>
+                <a:miter lim="800000"/>
+                <a:headEnd/>
+                <a:tailEnd/>
+              </a14:hiddenLine>
+            </a:ext>
+          </a:extLst>
+        </p:spPr>
+        <p:txBody>
+          <a:bodyPr wrap="none" anchor="ctr"/>
+          <a:lstStyle/>
+          <a:p>
+            <a:endParaRPr lang="it-IT"/>
+          </a:p>
+        </p:txBody>
+      </p:sp>
+    </p:spTree>
+  </p:cSld>
+  <p:clrMapOvr>
+    <a:masterClrMapping/>
+  </p:clrMapOvr>
+</p:notes>
 </file>
 
 <file path=ppt/slideLayouts/slideLayout1.xml><?xml version="1.0" encoding="utf-8"?>
@@ -344,7 +1332,7 @@
           <a:p>
             <a:fld id="{977B303B-CDDA-4E6F-A87F-4F7855D47123}" type="datetimeFigureOut">
               <a:rPr lang="en-US" smtClean="0"/>
-              <a:t>10/27/2023</a:t>
+              <a:t>10/28/2023</a:t>
             </a:fld>
             <a:endParaRPr lang="en-US"/>
           </a:p>
@@ -671,7 +1659,7 @@
           <a:p>
             <a:fld id="{977B303B-CDDA-4E6F-A87F-4F7855D47123}" type="datetimeFigureOut">
               <a:rPr lang="en-US" smtClean="0"/>
-              <a:t>10/27/2023</a:t>
+              <a:t>10/28/2023</a:t>
             </a:fld>
             <a:endParaRPr lang="en-US"/>
           </a:p>
@@ -922,7 +1910,7 @@
           <a:p>
             <a:fld id="{977B303B-CDDA-4E6F-A87F-4F7855D47123}" type="datetimeFigureOut">
               <a:rPr lang="en-US" smtClean="0"/>
-              <a:t>10/27/2023</a:t>
+              <a:t>10/28/2023</a:t>
             </a:fld>
             <a:endParaRPr lang="en-US"/>
           </a:p>
@@ -1264,7 +2252,7 @@
           <a:p>
             <a:fld id="{977B303B-CDDA-4E6F-A87F-4F7855D47123}" type="datetimeFigureOut">
               <a:rPr lang="en-US" smtClean="0"/>
-              <a:t>10/27/2023</a:t>
+              <a:t>10/28/2023</a:t>
             </a:fld>
             <a:endParaRPr lang="en-US"/>
           </a:p>
@@ -1614,7 +2602,7 @@
           <a:p>
             <a:fld id="{977B303B-CDDA-4E6F-A87F-4F7855D47123}" type="datetimeFigureOut">
               <a:rPr lang="en-US" smtClean="0"/>
-              <a:t>10/27/2023</a:t>
+              <a:t>10/28/2023</a:t>
             </a:fld>
             <a:endParaRPr lang="en-US"/>
           </a:p>
@@ -1991,7 +2979,7 @@
           <a:p>
             <a:fld id="{977B303B-CDDA-4E6F-A87F-4F7855D47123}" type="datetimeFigureOut">
               <a:rPr lang="en-US" smtClean="0"/>
-              <a:t>10/27/2023</a:t>
+              <a:t>10/28/2023</a:t>
             </a:fld>
             <a:endParaRPr lang="en-US"/>
           </a:p>
@@ -2464,7 +3452,7 @@
           <a:p>
             <a:fld id="{977B303B-CDDA-4E6F-A87F-4F7855D47123}" type="datetimeFigureOut">
               <a:rPr lang="en-US" smtClean="0"/>
-              <a:t>10/27/2023</a:t>
+              <a:t>10/28/2023</a:t>
             </a:fld>
             <a:endParaRPr lang="en-US"/>
           </a:p>
@@ -2672,7 +3660,7 @@
           <a:p>
             <a:fld id="{977B303B-CDDA-4E6F-A87F-4F7855D47123}" type="datetimeFigureOut">
               <a:rPr lang="en-US" smtClean="0"/>
-              <a:t>10/27/2023</a:t>
+              <a:t>10/28/2023</a:t>
             </a:fld>
             <a:endParaRPr lang="en-US"/>
           </a:p>
@@ -2886,7 +3874,7 @@
           <a:p>
             <a:fld id="{977B303B-CDDA-4E6F-A87F-4F7855D47123}" type="datetimeFigureOut">
               <a:rPr lang="en-US" smtClean="0"/>
-              <a:t>10/27/2023</a:t>
+              <a:t>10/28/2023</a:t>
             </a:fld>
             <a:endParaRPr lang="en-US"/>
           </a:p>
@@ -2978,6 +3966,64 @@
   <p:transition spd="med">
     <p:pull dir="u"/>
   </p:transition>
+</p:sldLayout>
+</file>
+
+<file path=ppt/slideLayouts/slideLayout18.xml><?xml version="1.0" encoding="utf-8"?>
+<p:sldLayout xmlns:a="http://schemas.openxmlformats.org/drawingml/2006/main" xmlns:r="http://schemas.openxmlformats.org/officeDocument/2006/relationships" xmlns:p="http://schemas.openxmlformats.org/presentationml/2006/main">
+  <p:cSld name="Custom Layout">
+    <p:spTree>
+      <p:nvGrpSpPr>
+        <p:cNvPr id="1" name=""/>
+        <p:cNvGrpSpPr/>
+        <p:nvPr/>
+      </p:nvGrpSpPr>
+      <p:grpSpPr>
+        <a:xfrm>
+          <a:off x="0" y="0"/>
+          <a:ext cx="0" cy="0"/>
+          <a:chOff x="0" y="0"/>
+          <a:chExt cx="0" cy="0"/>
+        </a:xfrm>
+      </p:grpSpPr>
+      <p:sp>
+        <p:nvSpPr>
+          <p:cNvPr id="2" name="Title 1"/>
+          <p:cNvSpPr>
+            <a:spLocks noGrp="1"/>
+          </p:cNvSpPr>
+          <p:nvPr>
+            <p:ph type="title"/>
+          </p:nvPr>
+        </p:nvSpPr>
+        <p:spPr>
+          <a:xfrm>
+            <a:off x="1280331" y="887071"/>
+            <a:ext cx="9631340" cy="1009716"/>
+          </a:xfrm>
+        </p:spPr>
+        <p:txBody>
+          <a:bodyPr/>
+          <a:lstStyle/>
+          <a:p>
+            <a:r>
+              <a:rPr lang="en-US"/>
+              <a:t>Click to edit Master title style</a:t>
+            </a:r>
+            <a:endParaRPr lang="en-GB"/>
+          </a:p>
+        </p:txBody>
+      </p:sp>
+    </p:spTree>
+    <p:extLst>
+      <p:ext uri="{BB962C8B-B14F-4D97-AF65-F5344CB8AC3E}">
+        <p14:creationId xmlns:p14="http://schemas.microsoft.com/office/powerpoint/2010/main" val="3676437755"/>
+      </p:ext>
+    </p:extLst>
+  </p:cSld>
+  <p:clrMapOvr>
+    <a:masterClrMapping/>
+  </p:clrMapOvr>
 </p:sldLayout>
 </file>
 
@@ -3120,7 +4166,7 @@
           <a:p>
             <a:fld id="{977B303B-CDDA-4E6F-A87F-4F7855D47123}" type="datetimeFigureOut">
               <a:rPr lang="en-US" smtClean="0"/>
-              <a:t>10/27/2023</a:t>
+              <a:t>10/28/2023</a:t>
             </a:fld>
             <a:endParaRPr lang="en-US"/>
           </a:p>
@@ -3371,7 +4417,7 @@
           <a:p>
             <a:fld id="{977B303B-CDDA-4E6F-A87F-4F7855D47123}" type="datetimeFigureOut">
               <a:rPr lang="en-US" smtClean="0"/>
-              <a:t>10/27/2023</a:t>
+              <a:t>10/28/2023</a:t>
             </a:fld>
             <a:endParaRPr lang="en-US"/>
           </a:p>
@@ -3672,7 +4718,7 @@
           <a:p>
             <a:fld id="{977B303B-CDDA-4E6F-A87F-4F7855D47123}" type="datetimeFigureOut">
               <a:rPr lang="en-US" smtClean="0"/>
-              <a:t>10/27/2023</a:t>
+              <a:t>10/28/2023</a:t>
             </a:fld>
             <a:endParaRPr lang="en-US"/>
           </a:p>
@@ -4057,7 +5103,7 @@
           <a:p>
             <a:fld id="{977B303B-CDDA-4E6F-A87F-4F7855D47123}" type="datetimeFigureOut">
               <a:rPr lang="en-US" smtClean="0"/>
-              <a:t>10/27/2023</a:t>
+              <a:t>10/28/2023</a:t>
             </a:fld>
             <a:endParaRPr lang="en-US"/>
           </a:p>
@@ -4209,7 +5255,7 @@
           <a:p>
             <a:fld id="{977B303B-CDDA-4E6F-A87F-4F7855D47123}" type="datetimeFigureOut">
               <a:rPr lang="en-US" smtClean="0"/>
-              <a:t>10/27/2023</a:t>
+              <a:t>10/28/2023</a:t>
             </a:fld>
             <a:endParaRPr lang="en-US"/>
           </a:p>
@@ -4338,7 +5384,7 @@
           <a:p>
             <a:fld id="{977B303B-CDDA-4E6F-A87F-4F7855D47123}" type="datetimeFigureOut">
               <a:rPr lang="en-US" smtClean="0"/>
-              <a:t>10/27/2023</a:t>
+              <a:t>10/28/2023</a:t>
             </a:fld>
             <a:endParaRPr lang="en-US"/>
           </a:p>
@@ -4596,7 +5642,7 @@
           <a:p>
             <a:fld id="{977B303B-CDDA-4E6F-A87F-4F7855D47123}" type="datetimeFigureOut">
               <a:rPr lang="en-US" smtClean="0"/>
-              <a:t>10/27/2023</a:t>
+              <a:t>10/28/2023</a:t>
             </a:fld>
             <a:endParaRPr lang="en-US"/>
           </a:p>
@@ -4914,7 +5960,7 @@
           <a:p>
             <a:fld id="{977B303B-CDDA-4E6F-A87F-4F7855D47123}" type="datetimeFigureOut">
               <a:rPr lang="en-US" smtClean="0"/>
-              <a:t>10/27/2023</a:t>
+              <a:t>10/28/2023</a:t>
             </a:fld>
             <a:endParaRPr lang="en-US"/>
           </a:p>
@@ -5009,7 +6055,7 @@
           <p:nvPr/>
         </p:nvPicPr>
         <p:blipFill>
-          <a:blip r:embed="rId19">
+          <a:blip r:embed="rId20">
             <a:extLst>
               <a:ext uri="{28A0092B-C50C-407E-A947-70E740481C1C}">
                 <a14:useLocalDpi xmlns:a14="http://schemas.microsoft.com/office/drawing/2010/main" val="0"/>
@@ -5161,7 +6207,7 @@
           <a:p>
             <a:fld id="{977B303B-CDDA-4E6F-A87F-4F7855D47123}" type="datetimeFigureOut">
               <a:rPr lang="en-US" smtClean="0"/>
-              <a:t>10/27/2023</a:t>
+              <a:t>10/28/2023</a:t>
             </a:fld>
             <a:endParaRPr lang="en-US"/>
           </a:p>
@@ -5271,6 +6317,7 @@
     <p:sldLayoutId id="2147483778" r:id="rId15"/>
     <p:sldLayoutId id="2147483779" r:id="rId16"/>
     <p:sldLayoutId id="2147483780" r:id="rId17"/>
+    <p:sldLayoutId id="2147483781" r:id="rId18"/>
   </p:sldLayoutIdLst>
   <p:transition spd="med">
     <p:pull dir="u"/>
@@ -5712,7 +6759,7 @@
           <p:cNvPr id="2" name="Title 1">
             <a:extLst>
               <a:ext uri="{FF2B5EF4-FFF2-40B4-BE49-F238E27FC236}">
-                <a16:creationId xmlns:a16="http://schemas.microsoft.com/office/drawing/2014/main" id="{59A04BCC-1009-42DB-9C86-C0A935B58136}"/>
+                <a16:creationId xmlns:a16="http://schemas.microsoft.com/office/drawing/2014/main" xmlns="" id="{59A04BCC-1009-42DB-9C86-C0A935B58136}"/>
               </a:ext>
             </a:extLst>
           </p:cNvPr>
@@ -5772,7 +6819,7 @@
 </p:sld>
 </file>
 
-<file path=ppt/slides/slide2.xml><?xml version="1.0" encoding="utf-8"?>
+<file path=ppt/slides/slide10.xml><?xml version="1.0" encoding="utf-8"?>
 <p:sld xmlns:a="http://schemas.openxmlformats.org/drawingml/2006/main" xmlns:r="http://schemas.openxmlformats.org/officeDocument/2006/relationships" xmlns:p="http://schemas.openxmlformats.org/presentationml/2006/main">
   <p:cSld>
     <p:spTree>
@@ -5791,10 +6838,10 @@
       </p:grpSpPr>
       <p:sp>
         <p:nvSpPr>
-          <p:cNvPr id="4" name="Title 3">
+          <p:cNvPr id="2" name="Title 1">
             <a:extLst>
               <a:ext uri="{FF2B5EF4-FFF2-40B4-BE49-F238E27FC236}">
-                <a16:creationId xmlns:a16="http://schemas.microsoft.com/office/drawing/2014/main" id="{AE9794BF-1A72-B6EB-E63E-C5DE312EA0A0}"/>
+                <a16:creationId xmlns:a16="http://schemas.microsoft.com/office/drawing/2014/main" xmlns="" id="{3880FE57-E9F5-45C8-981E-F3E9264316BE}"/>
               </a:ext>
             </a:extLst>
           </p:cNvPr>
@@ -5805,745 +6852,6 @@
             <p:ph type="title"/>
           </p:nvPr>
         </p:nvSpPr>
-        <p:spPr>
-          <a:xfrm>
-            <a:off x="1220325" y="1133655"/>
-            <a:ext cx="6241816" cy="622885"/>
-          </a:xfrm>
-        </p:spPr>
-        <p:txBody>
-          <a:bodyPr>
-            <a:normAutofit/>
-          </a:bodyPr>
-          <a:lstStyle/>
-          <a:p>
-            <a:pPr algn="ctr"/>
-            <a:r>
-              <a:rPr lang="en-US" sz="3200" b="1" dirty="0">
-                <a:solidFill>
-                  <a:schemeClr val="accent2"/>
-                </a:solidFill>
-              </a:rPr>
-              <a:t>Made By</a:t>
-            </a:r>
-            <a:endParaRPr lang="ar-EG" sz="3200" b="1" dirty="0">
-              <a:solidFill>
-                <a:schemeClr val="accent2"/>
-              </a:solidFill>
-            </a:endParaRPr>
-          </a:p>
-        </p:txBody>
-      </p:sp>
-      <p:sp>
-        <p:nvSpPr>
-          <p:cNvPr id="5" name="Text Placeholder 4">
-            <a:extLst>
-              <a:ext uri="{FF2B5EF4-FFF2-40B4-BE49-F238E27FC236}">
-                <a16:creationId xmlns:a16="http://schemas.microsoft.com/office/drawing/2014/main" id="{AFEE3058-E5FF-CB8A-D7A3-6A30BCECB56D}"/>
-              </a:ext>
-            </a:extLst>
-          </p:cNvPr>
-          <p:cNvSpPr>
-            <a:spLocks noGrp="1"/>
-          </p:cNvSpPr>
-          <p:nvPr>
-            <p:ph type="body" sz="half" idx="2"/>
-          </p:nvPr>
-        </p:nvSpPr>
-        <p:spPr>
-          <a:xfrm>
-            <a:off x="1295399" y="1989444"/>
-            <a:ext cx="6241816" cy="622885"/>
-          </a:xfrm>
-        </p:spPr>
-        <p:txBody>
-          <a:bodyPr>
-            <a:normAutofit/>
-          </a:bodyPr>
-          <a:lstStyle/>
-          <a:p>
-            <a:r>
-              <a:rPr lang="en-US" sz="2800" dirty="0">
-                <a:solidFill>
-                  <a:schemeClr val="bg1"/>
-                </a:solidFill>
-                <a:cs typeface="+mj-cs"/>
-              </a:rPr>
-              <a:t>Ahmed Mohamed Abubakr</a:t>
-            </a:r>
-            <a:endParaRPr lang="ar-EG" sz="2800" dirty="0">
-              <a:solidFill>
-                <a:schemeClr val="bg1"/>
-              </a:solidFill>
-              <a:cs typeface="+mj-cs"/>
-            </a:endParaRPr>
-          </a:p>
-        </p:txBody>
-      </p:sp>
-      <p:sp>
-        <p:nvSpPr>
-          <p:cNvPr id="16" name="TextBox 15">
-            <a:extLst>
-              <a:ext uri="{FF2B5EF4-FFF2-40B4-BE49-F238E27FC236}">
-                <a16:creationId xmlns:a16="http://schemas.microsoft.com/office/drawing/2014/main" id="{94FC0E40-657E-71BF-F939-360AFEA6F3EF}"/>
-              </a:ext>
-            </a:extLst>
-          </p:cNvPr>
-          <p:cNvSpPr txBox="1"/>
-          <p:nvPr/>
-        </p:nvSpPr>
-        <p:spPr>
-          <a:xfrm>
-            <a:off x="1370473" y="2785522"/>
-            <a:ext cx="6166742" cy="830997"/>
-          </a:xfrm>
-          <a:prstGeom prst="rect">
-            <a:avLst/>
-          </a:prstGeom>
-          <a:noFill/>
-        </p:spPr>
-        <p:txBody>
-          <a:bodyPr wrap="square" rtlCol="1">
-            <a:spAutoFit/>
-          </a:bodyPr>
-          <a:lstStyle/>
-          <a:p>
-            <a:pPr algn="ctr"/>
-            <a:r>
-              <a:rPr lang="en-US" sz="2400" b="1" dirty="0">
-                <a:solidFill>
-                  <a:schemeClr val="bg1"/>
-                </a:solidFill>
-              </a:rPr>
-              <a:t>Electronics engineer</a:t>
-            </a:r>
-            <a:br>
-              <a:rPr lang="en-US" sz="2400" b="1" dirty="0">
-                <a:solidFill>
-                  <a:schemeClr val="bg1"/>
-                </a:solidFill>
-              </a:rPr>
-            </a:br>
-            <a:r>
-              <a:rPr lang="en-US" sz="2400" b="1" dirty="0">
-                <a:solidFill>
-                  <a:schemeClr val="bg1"/>
-                </a:solidFill>
-              </a:rPr>
-              <a:t>IC designer</a:t>
-            </a:r>
-            <a:endParaRPr lang="ar-EG" sz="2400" dirty="0">
-              <a:solidFill>
-                <a:schemeClr val="bg1"/>
-              </a:solidFill>
-            </a:endParaRPr>
-          </a:p>
-        </p:txBody>
-      </p:sp>
-      <p:sp>
-        <p:nvSpPr>
-          <p:cNvPr id="12" name="TextBox 11">
-            <a:extLst>
-              <a:ext uri="{FF2B5EF4-FFF2-40B4-BE49-F238E27FC236}">
-                <a16:creationId xmlns:a16="http://schemas.microsoft.com/office/drawing/2014/main" id="{6B0E9B61-D4F1-BC89-10DA-7B51A4EF13CC}"/>
-              </a:ext>
-            </a:extLst>
-          </p:cNvPr>
-          <p:cNvSpPr txBox="1"/>
-          <p:nvPr/>
-        </p:nvSpPr>
-        <p:spPr>
-          <a:xfrm>
-            <a:off x="1332936" y="3912820"/>
-            <a:ext cx="6166742" cy="461665"/>
-          </a:xfrm>
-          <a:prstGeom prst="rect">
-            <a:avLst/>
-          </a:prstGeom>
-          <a:noFill/>
-        </p:spPr>
-        <p:txBody>
-          <a:bodyPr wrap="square" rtlCol="1">
-            <a:spAutoFit/>
-          </a:bodyPr>
-          <a:lstStyle/>
-          <a:p>
-            <a:pPr algn="ctr"/>
-            <a:r>
-              <a:rPr lang="en-US" sz="2400" b="1" dirty="0">
-                <a:solidFill>
-                  <a:schemeClr val="bg1"/>
-                </a:solidFill>
-              </a:rPr>
-              <a:t>Full stack web developer </a:t>
-            </a:r>
-            <a:endParaRPr lang="ar-EG" sz="2400" b="1" dirty="0">
-              <a:solidFill>
-                <a:schemeClr val="bg1"/>
-              </a:solidFill>
-            </a:endParaRPr>
-          </a:p>
-        </p:txBody>
-      </p:sp>
-      <p:sp>
-        <p:nvSpPr>
-          <p:cNvPr id="14" name="TextBox 13">
-            <a:extLst>
-              <a:ext uri="{FF2B5EF4-FFF2-40B4-BE49-F238E27FC236}">
-                <a16:creationId xmlns:a16="http://schemas.microsoft.com/office/drawing/2014/main" id="{6F38EAD4-5E1B-223A-71E8-D1FAA8F132D5}"/>
-              </a:ext>
-            </a:extLst>
-          </p:cNvPr>
-          <p:cNvSpPr txBox="1"/>
-          <p:nvPr/>
-        </p:nvSpPr>
-        <p:spPr>
-          <a:xfrm>
-            <a:off x="1295399" y="4670786"/>
-            <a:ext cx="6316890" cy="461665"/>
-          </a:xfrm>
-          <a:prstGeom prst="rect">
-            <a:avLst/>
-          </a:prstGeom>
-          <a:noFill/>
-        </p:spPr>
-        <p:txBody>
-          <a:bodyPr wrap="square" rtlCol="1">
-            <a:spAutoFit/>
-          </a:bodyPr>
-          <a:lstStyle/>
-          <a:p>
-            <a:pPr algn="ctr"/>
-            <a:r>
-              <a:rPr lang="en-US" sz="2400" b="1" dirty="0">
-                <a:solidFill>
-                  <a:schemeClr val="bg1"/>
-                </a:solidFill>
-              </a:rPr>
-              <a:t>Ambassador at TIEC-IA</a:t>
-            </a:r>
-            <a:endParaRPr lang="ar-EG" sz="2400" dirty="0">
-              <a:solidFill>
-                <a:schemeClr val="bg1"/>
-              </a:solidFill>
-            </a:endParaRPr>
-          </a:p>
-        </p:txBody>
-      </p:sp>
-      <p:pic>
-        <p:nvPicPr>
-          <p:cNvPr id="3" name="Picture 2">
-            <a:extLst>
-              <a:ext uri="{FF2B5EF4-FFF2-40B4-BE49-F238E27FC236}">
-                <a16:creationId xmlns:a16="http://schemas.microsoft.com/office/drawing/2014/main" id="{0ECEA4B4-AE97-FAA5-0B28-368BAC53D314}"/>
-              </a:ext>
-            </a:extLst>
-          </p:cNvPr>
-          <p:cNvPicPr>
-            <a:picLocks noChangeAspect="1"/>
-          </p:cNvPicPr>
-          <p:nvPr/>
-        </p:nvPicPr>
-        <p:blipFill>
-          <a:blip r:embed="rId2">
-            <a:extLst>
-              <a:ext uri="{28A0092B-C50C-407E-A947-70E740481C1C}">
-                <a14:useLocalDpi xmlns:a14="http://schemas.microsoft.com/office/drawing/2010/main" val="0"/>
-              </a:ext>
-            </a:extLst>
-          </a:blip>
-          <a:stretch>
-            <a:fillRect/>
-          </a:stretch>
-        </p:blipFill>
-        <p:spPr>
-          <a:xfrm>
-            <a:off x="7612289" y="1646183"/>
-            <a:ext cx="3565634" cy="3565634"/>
-          </a:xfrm>
-          <a:prstGeom prst="rect">
-            <a:avLst/>
-          </a:prstGeom>
-        </p:spPr>
-      </p:pic>
-    </p:spTree>
-    <p:extLst>
-      <p:ext uri="{BB962C8B-B14F-4D97-AF65-F5344CB8AC3E}">
-        <p14:creationId xmlns:p14="http://schemas.microsoft.com/office/powerpoint/2010/main" val="1596828819"/>
-      </p:ext>
-    </p:extLst>
-  </p:cSld>
-  <p:clrMapOvr>
-    <a:masterClrMapping/>
-  </p:clrMapOvr>
-  <p:transition spd="med">
-    <p:pull dir="u"/>
-  </p:transition>
-</p:sld>
-</file>
-
-<file path=ppt/slides/slide3.xml><?xml version="1.0" encoding="utf-8"?>
-<p:sld xmlns:a="http://schemas.openxmlformats.org/drawingml/2006/main" xmlns:r="http://schemas.openxmlformats.org/officeDocument/2006/relationships" xmlns:p="http://schemas.openxmlformats.org/presentationml/2006/main">
-  <p:cSld>
-    <p:spTree>
-      <p:nvGrpSpPr>
-        <p:cNvPr id="1" name=""/>
-        <p:cNvGrpSpPr/>
-        <p:nvPr/>
-      </p:nvGrpSpPr>
-      <p:grpSpPr>
-        <a:xfrm>
-          <a:off x="0" y="0"/>
-          <a:ext cx="0" cy="0"/>
-          <a:chOff x="0" y="0"/>
-          <a:chExt cx="0" cy="0"/>
-        </a:xfrm>
-      </p:grpSpPr>
-      <p:pic>
-        <p:nvPicPr>
-          <p:cNvPr id="4" name="Content Placeholder 3" descr="Modern Web Development - Full stack comic">
-            <a:extLst>
-              <a:ext uri="{FF2B5EF4-FFF2-40B4-BE49-F238E27FC236}">
-                <a16:creationId xmlns:a16="http://schemas.microsoft.com/office/drawing/2014/main" id="{F8989F1C-EC5A-497A-8D8B-C19F565BF189}"/>
-              </a:ext>
-            </a:extLst>
-          </p:cNvPr>
-          <p:cNvPicPr>
-            <a:picLocks noGrp="1"/>
-          </p:cNvPicPr>
-          <p:nvPr>
-            <p:ph idx="1"/>
-          </p:nvPr>
-        </p:nvPicPr>
-        <p:blipFill>
-          <a:blip r:embed="rId2">
-            <a:extLst>
-              <a:ext uri="{28A0092B-C50C-407E-A947-70E740481C1C}">
-                <a14:useLocalDpi xmlns:a14="http://schemas.microsoft.com/office/drawing/2010/main" val="0"/>
-              </a:ext>
-            </a:extLst>
-          </a:blip>
-          <a:srcRect/>
-          <a:stretch>
-            <a:fillRect/>
-          </a:stretch>
-        </p:blipFill>
-        <p:spPr bwMode="auto">
-          <a:xfrm>
-            <a:off x="0" y="0"/>
-            <a:ext cx="12192000" cy="6858000"/>
-          </a:xfrm>
-          <a:prstGeom prst="rect">
-            <a:avLst/>
-          </a:prstGeom>
-          <a:noFill/>
-          <a:ln>
-            <a:noFill/>
-          </a:ln>
-        </p:spPr>
-      </p:pic>
-    </p:spTree>
-    <p:extLst>
-      <p:ext uri="{BB962C8B-B14F-4D97-AF65-F5344CB8AC3E}">
-        <p14:creationId xmlns:p14="http://schemas.microsoft.com/office/powerpoint/2010/main" val="305358935"/>
-      </p:ext>
-    </p:extLst>
-  </p:cSld>
-  <p:clrMapOvr>
-    <a:masterClrMapping/>
-  </p:clrMapOvr>
-  <p:transition spd="med">
-    <p:pull dir="u"/>
-  </p:transition>
-</p:sld>
-</file>
-
-<file path=ppt/slides/slide4.xml><?xml version="1.0" encoding="utf-8"?>
-<p:sld xmlns:a="http://schemas.openxmlformats.org/drawingml/2006/main" xmlns:r="http://schemas.openxmlformats.org/officeDocument/2006/relationships" xmlns:p="http://schemas.openxmlformats.org/presentationml/2006/main">
-  <p:cSld>
-    <p:spTree>
-      <p:nvGrpSpPr>
-        <p:cNvPr id="1" name=""/>
-        <p:cNvGrpSpPr/>
-        <p:nvPr/>
-      </p:nvGrpSpPr>
-      <p:grpSpPr>
-        <a:xfrm>
-          <a:off x="0" y="0"/>
-          <a:ext cx="0" cy="0"/>
-          <a:chOff x="0" y="0"/>
-          <a:chExt cx="0" cy="0"/>
-        </a:xfrm>
-      </p:grpSpPr>
-      <p:pic>
-        <p:nvPicPr>
-          <p:cNvPr id="2050" name="Picture 2" descr="Pin on Inspirational Quotes">
-            <a:extLst>
-              <a:ext uri="{FF2B5EF4-FFF2-40B4-BE49-F238E27FC236}">
-                <a16:creationId xmlns:a16="http://schemas.microsoft.com/office/drawing/2014/main" id="{1BCF02A4-33D3-4D69-ACD1-ECB3106ADBDD}"/>
-              </a:ext>
-            </a:extLst>
-          </p:cNvPr>
-          <p:cNvPicPr>
-            <a:picLocks noChangeAspect="1" noChangeArrowheads="1"/>
-          </p:cNvPicPr>
-          <p:nvPr/>
-        </p:nvPicPr>
-        <p:blipFill>
-          <a:blip r:embed="rId2">
-            <a:extLst>
-              <a:ext uri="{BEBA8EAE-BF5A-486C-A8C5-ECC9F3942E4B}">
-                <a14:imgProps xmlns:a14="http://schemas.microsoft.com/office/drawing/2010/main">
-                  <a14:imgLayer r:embed="rId3">
-                    <a14:imgEffect>
-                      <a14:saturation sat="400000"/>
-                    </a14:imgEffect>
-                  </a14:imgLayer>
-                </a14:imgProps>
-              </a:ext>
-              <a:ext uri="{28A0092B-C50C-407E-A947-70E740481C1C}">
-                <a14:useLocalDpi xmlns:a14="http://schemas.microsoft.com/office/drawing/2010/main" val="0"/>
-              </a:ext>
-            </a:extLst>
-          </a:blip>
-          <a:srcRect/>
-          <a:stretch>
-            <a:fillRect/>
-          </a:stretch>
-        </p:blipFill>
-        <p:spPr bwMode="auto">
-          <a:xfrm>
-            <a:off x="3409950" y="742950"/>
-            <a:ext cx="5372100" cy="5372100"/>
-          </a:xfrm>
-          <a:prstGeom prst="rect">
-            <a:avLst/>
-          </a:prstGeom>
-          <a:noFill/>
-          <a:extLst>
-            <a:ext uri="{909E8E84-426E-40DD-AFC4-6F175D3DCCD1}">
-              <a14:hiddenFill xmlns:a14="http://schemas.microsoft.com/office/drawing/2010/main">
-                <a:solidFill>
-                  <a:srgbClr val="FFFFFF"/>
-                </a:solidFill>
-              </a14:hiddenFill>
-            </a:ext>
-          </a:extLst>
-        </p:spPr>
-      </p:pic>
-    </p:spTree>
-    <p:extLst>
-      <p:ext uri="{BB962C8B-B14F-4D97-AF65-F5344CB8AC3E}">
-        <p14:creationId xmlns:p14="http://schemas.microsoft.com/office/powerpoint/2010/main" val="53194441"/>
-      </p:ext>
-    </p:extLst>
-  </p:cSld>
-  <p:clrMapOvr>
-    <a:masterClrMapping/>
-  </p:clrMapOvr>
-  <p:transition spd="med">
-    <p:pull dir="u"/>
-  </p:transition>
-</p:sld>
-</file>
-
-<file path=ppt/slides/slide5.xml><?xml version="1.0" encoding="utf-8"?>
-<p:sld xmlns:a="http://schemas.openxmlformats.org/drawingml/2006/main" xmlns:r="http://schemas.openxmlformats.org/officeDocument/2006/relationships" xmlns:p="http://schemas.openxmlformats.org/presentationml/2006/main">
-  <p:cSld>
-    <p:spTree>
-      <p:nvGrpSpPr>
-        <p:cNvPr id="1" name=""/>
-        <p:cNvGrpSpPr/>
-        <p:nvPr/>
-      </p:nvGrpSpPr>
-      <p:grpSpPr>
-        <a:xfrm>
-          <a:off x="0" y="0"/>
-          <a:ext cx="0" cy="0"/>
-          <a:chOff x="0" y="0"/>
-          <a:chExt cx="0" cy="0"/>
-        </a:xfrm>
-      </p:grpSpPr>
-      <p:pic>
-        <p:nvPicPr>
-          <p:cNvPr id="5126" name="Picture 6" descr="Network and internet communication concept isolated on white background">
-            <a:extLst>
-              <a:ext uri="{FF2B5EF4-FFF2-40B4-BE49-F238E27FC236}">
-                <a16:creationId xmlns:a16="http://schemas.microsoft.com/office/drawing/2014/main" id="{A3058872-8C74-4045-B3DB-F2B54E191758}"/>
-              </a:ext>
-            </a:extLst>
-          </p:cNvPr>
-          <p:cNvPicPr>
-            <a:picLocks noChangeAspect="1" noChangeArrowheads="1"/>
-          </p:cNvPicPr>
-          <p:nvPr/>
-        </p:nvPicPr>
-        <p:blipFill>
-          <a:blip r:embed="rId2">
-            <a:extLst>
-              <a:ext uri="{28A0092B-C50C-407E-A947-70E740481C1C}">
-                <a14:useLocalDpi xmlns:a14="http://schemas.microsoft.com/office/drawing/2010/main" val="0"/>
-              </a:ext>
-            </a:extLst>
-          </a:blip>
-          <a:srcRect/>
-          <a:stretch>
-            <a:fillRect/>
-          </a:stretch>
-        </p:blipFill>
-        <p:spPr bwMode="auto">
-          <a:xfrm>
-            <a:off x="0" y="0"/>
-            <a:ext cx="12192000" cy="6858000"/>
-          </a:xfrm>
-          <a:prstGeom prst="rect">
-            <a:avLst/>
-          </a:prstGeom>
-          <a:noFill/>
-          <a:extLst>
-            <a:ext uri="{909E8E84-426E-40DD-AFC4-6F175D3DCCD1}">
-              <a14:hiddenFill xmlns:a14="http://schemas.microsoft.com/office/drawing/2010/main">
-                <a:solidFill>
-                  <a:srgbClr val="FFFFFF"/>
-                </a:solidFill>
-              </a14:hiddenFill>
-            </a:ext>
-          </a:extLst>
-        </p:spPr>
-      </p:pic>
-    </p:spTree>
-    <p:extLst>
-      <p:ext uri="{BB962C8B-B14F-4D97-AF65-F5344CB8AC3E}">
-        <p14:creationId xmlns:p14="http://schemas.microsoft.com/office/powerpoint/2010/main" val="2285376846"/>
-      </p:ext>
-    </p:extLst>
-  </p:cSld>
-  <p:clrMapOvr>
-    <a:masterClrMapping/>
-  </p:clrMapOvr>
-  <p:transition spd="med">
-    <p:pull dir="u"/>
-  </p:transition>
-</p:sld>
-</file>
-
-<file path=ppt/slides/slide6.xml><?xml version="1.0" encoding="utf-8"?>
-<p:sld xmlns:a="http://schemas.openxmlformats.org/drawingml/2006/main" xmlns:r="http://schemas.openxmlformats.org/officeDocument/2006/relationships" xmlns:p="http://schemas.openxmlformats.org/presentationml/2006/main">
-  <p:cSld>
-    <p:spTree>
-      <p:nvGrpSpPr>
-        <p:cNvPr id="1" name=""/>
-        <p:cNvGrpSpPr/>
-        <p:nvPr/>
-      </p:nvGrpSpPr>
-      <p:grpSpPr>
-        <a:xfrm>
-          <a:off x="0" y="0"/>
-          <a:ext cx="0" cy="0"/>
-          <a:chOff x="0" y="0"/>
-          <a:chExt cx="0" cy="0"/>
-        </a:xfrm>
-      </p:grpSpPr>
-      <p:sp>
-        <p:nvSpPr>
-          <p:cNvPr id="2" name="Title 1">
-            <a:extLst>
-              <a:ext uri="{FF2B5EF4-FFF2-40B4-BE49-F238E27FC236}">
-                <a16:creationId xmlns:a16="http://schemas.microsoft.com/office/drawing/2014/main" id="{B4C3A4F9-5881-44D3-9C4B-BF3E8A2BCDC6}"/>
-              </a:ext>
-            </a:extLst>
-          </p:cNvPr>
-          <p:cNvSpPr>
-            <a:spLocks noGrp="1"/>
-          </p:cNvSpPr>
-          <p:nvPr>
-            <p:ph type="title"/>
-          </p:nvPr>
-        </p:nvSpPr>
-        <p:spPr>
-          <a:xfrm>
-            <a:off x="1797666" y="1679904"/>
-            <a:ext cx="8596668" cy="660400"/>
-          </a:xfrm>
-        </p:spPr>
-        <p:txBody>
-          <a:bodyPr>
-            <a:noAutofit/>
-          </a:bodyPr>
-          <a:lstStyle/>
-          <a:p>
-            <a:pPr marL="0" marR="0" algn="ctr" rtl="1">
-              <a:lnSpc>
-                <a:spcPct val="107000"/>
-              </a:lnSpc>
-              <a:spcBef>
-                <a:spcPts val="0"/>
-              </a:spcBef>
-              <a:spcAft>
-                <a:spcPts val="800"/>
-              </a:spcAft>
-            </a:pPr>
-            <a:r>
-              <a:rPr lang="en-US" b="1" dirty="0">
-                <a:solidFill>
-                  <a:schemeClr val="accent2"/>
-                </a:solidFill>
-                <a:effectLst/>
-                <a:latin typeface="Calibri" panose="020F0502020204030204" pitchFamily="34" charset="0"/>
-                <a:ea typeface="Calibri" panose="020F0502020204030204" pitchFamily="34" charset="0"/>
-                <a:cs typeface="Calibri" panose="020F0502020204030204" pitchFamily="34" charset="0"/>
-              </a:rPr>
-              <a:t>Back-end ?</a:t>
-            </a:r>
-          </a:p>
-        </p:txBody>
-      </p:sp>
-      <p:sp>
-        <p:nvSpPr>
-          <p:cNvPr id="5" name="TextBox 4">
-            <a:extLst>
-              <a:ext uri="{FF2B5EF4-FFF2-40B4-BE49-F238E27FC236}">
-                <a16:creationId xmlns:a16="http://schemas.microsoft.com/office/drawing/2014/main" id="{5CDC8DC8-2B01-FF21-E538-4DDB318B087A}"/>
-              </a:ext>
-            </a:extLst>
-          </p:cNvPr>
-          <p:cNvSpPr txBox="1"/>
-          <p:nvPr/>
-        </p:nvSpPr>
-        <p:spPr>
-          <a:xfrm>
-            <a:off x="1797666" y="2791654"/>
-            <a:ext cx="8596668" cy="2616870"/>
-          </a:xfrm>
-          <a:prstGeom prst="rect">
-            <a:avLst/>
-          </a:prstGeom>
-          <a:noFill/>
-        </p:spPr>
-        <p:txBody>
-          <a:bodyPr wrap="square" rtlCol="1">
-            <a:spAutoFit/>
-          </a:bodyPr>
-          <a:lstStyle/>
-          <a:p>
-            <a:pPr marL="457200" indent="-457200" algn="l">
-              <a:lnSpc>
-                <a:spcPct val="150000"/>
-              </a:lnSpc>
-              <a:buFont typeface="Wingdings" panose="05000000000000000000" pitchFamily="2" charset="2"/>
-              <a:buChar char="ü"/>
-            </a:pPr>
-            <a:r>
-              <a:rPr lang="en-US" sz="2800" dirty="0">
-                <a:solidFill>
-                  <a:schemeClr val="bg1"/>
-                </a:solidFill>
-              </a:rPr>
-              <a:t>What is websites and why we make it ? </a:t>
-            </a:r>
-          </a:p>
-          <a:p>
-            <a:pPr marL="457200" indent="-457200" algn="l">
-              <a:lnSpc>
-                <a:spcPct val="150000"/>
-              </a:lnSpc>
-              <a:buFont typeface="Wingdings" panose="05000000000000000000" pitchFamily="2" charset="2"/>
-              <a:buChar char="ü"/>
-            </a:pPr>
-            <a:r>
-              <a:rPr lang="en-US" sz="2800" dirty="0">
-                <a:solidFill>
-                  <a:schemeClr val="bg1"/>
-                </a:solidFill>
-              </a:rPr>
-              <a:t>What is the sections inside it ?</a:t>
-            </a:r>
-          </a:p>
-          <a:p>
-            <a:pPr marL="457200" indent="-457200">
-              <a:lnSpc>
-                <a:spcPct val="150000"/>
-              </a:lnSpc>
-              <a:buFont typeface="Wingdings" panose="05000000000000000000" pitchFamily="2" charset="2"/>
-              <a:buChar char="ü"/>
-            </a:pPr>
-            <a:r>
-              <a:rPr lang="en-US" sz="2800" dirty="0">
-                <a:solidFill>
-                  <a:schemeClr val="bg1"/>
-                </a:solidFill>
-              </a:rPr>
-              <a:t>How I work ?</a:t>
-            </a:r>
-          </a:p>
-          <a:p>
-            <a:pPr marL="457200" indent="-457200" algn="l">
-              <a:lnSpc>
-                <a:spcPct val="150000"/>
-              </a:lnSpc>
-              <a:buFont typeface="Wingdings" panose="05000000000000000000" pitchFamily="2" charset="2"/>
-              <a:buChar char="ü"/>
-            </a:pPr>
-            <a:r>
-              <a:rPr lang="en-US" sz="2800" dirty="0">
-                <a:solidFill>
-                  <a:schemeClr val="bg1"/>
-                </a:solidFill>
-              </a:rPr>
-              <a:t>What do I need to start ?</a:t>
-            </a:r>
-          </a:p>
-        </p:txBody>
-      </p:sp>
-    </p:spTree>
-    <p:extLst>
-      <p:ext uri="{BB962C8B-B14F-4D97-AF65-F5344CB8AC3E}">
-        <p14:creationId xmlns:p14="http://schemas.microsoft.com/office/powerpoint/2010/main" val="3639109122"/>
-      </p:ext>
-    </p:extLst>
-  </p:cSld>
-  <p:clrMapOvr>
-    <a:masterClrMapping/>
-  </p:clrMapOvr>
-  <p:transition spd="med">
-    <p:pull dir="u"/>
-  </p:transition>
-</p:sld>
-</file>
-
-<file path=ppt/slides/slide7.xml><?xml version="1.0" encoding="utf-8"?>
-<p:sld xmlns:a="http://schemas.openxmlformats.org/drawingml/2006/main" xmlns:r="http://schemas.openxmlformats.org/officeDocument/2006/relationships" xmlns:p="http://schemas.openxmlformats.org/presentationml/2006/main">
-  <p:cSld>
-    <p:spTree>
-      <p:nvGrpSpPr>
-        <p:cNvPr id="1" name=""/>
-        <p:cNvGrpSpPr/>
-        <p:nvPr/>
-      </p:nvGrpSpPr>
-      <p:grpSpPr>
-        <a:xfrm>
-          <a:off x="0" y="0"/>
-          <a:ext cx="0" cy="0"/>
-          <a:chOff x="0" y="0"/>
-          <a:chExt cx="0" cy="0"/>
-        </a:xfrm>
-      </p:grpSpPr>
-      <p:sp>
-        <p:nvSpPr>
-          <p:cNvPr id="2" name="Title 1">
-            <a:extLst>
-              <a:ext uri="{FF2B5EF4-FFF2-40B4-BE49-F238E27FC236}">
-                <a16:creationId xmlns:a16="http://schemas.microsoft.com/office/drawing/2014/main" id="{3880FE57-E9F5-45C8-981E-F3E9264316BE}"/>
-              </a:ext>
-            </a:extLst>
-          </p:cNvPr>
-          <p:cNvSpPr>
-            <a:spLocks noGrp="1"/>
-          </p:cNvSpPr>
-          <p:nvPr>
-            <p:ph type="title"/>
-          </p:nvPr>
-        </p:nvSpPr>
         <p:spPr/>
         <p:txBody>
           <a:bodyPr/>
@@ -6566,7 +6874,7 @@
           <p:cNvPr id="3" name="Rectangle: Rounded Corners 2">
             <a:extLst>
               <a:ext uri="{FF2B5EF4-FFF2-40B4-BE49-F238E27FC236}">
-                <a16:creationId xmlns:a16="http://schemas.microsoft.com/office/drawing/2014/main" id="{4D3C61FF-ADE0-063E-83C0-94D1F8DBE3E5}"/>
+                <a16:creationId xmlns:a16="http://schemas.microsoft.com/office/drawing/2014/main" xmlns="" id="{4D3C61FF-ADE0-063E-83C0-94D1F8DBE3E5}"/>
               </a:ext>
             </a:extLst>
           </p:cNvPr>
@@ -6706,7 +7014,4123 @@
 </p:sld>
 </file>
 
-<file path=ppt/slides/slide8.xml><?xml version="1.0" encoding="utf-8"?>
+<file path=ppt/slides/slide11.xml><?xml version="1.0" encoding="utf-8"?>
+<p:sld xmlns:a="http://schemas.openxmlformats.org/drawingml/2006/main" xmlns:r="http://schemas.openxmlformats.org/officeDocument/2006/relationships" xmlns:p="http://schemas.openxmlformats.org/presentationml/2006/main">
+  <p:cSld>
+    <p:spTree>
+      <p:nvGrpSpPr>
+        <p:cNvPr id="1" name=""/>
+        <p:cNvGrpSpPr/>
+        <p:nvPr/>
+      </p:nvGrpSpPr>
+      <p:grpSpPr>
+        <a:xfrm>
+          <a:off x="0" y="0"/>
+          <a:ext cx="0" cy="0"/>
+          <a:chOff x="0" y="0"/>
+          <a:chExt cx="0" cy="0"/>
+        </a:xfrm>
+      </p:grpSpPr>
+      <p:sp>
+        <p:nvSpPr>
+          <p:cNvPr id="8193" name="Rectangle 1"/>
+          <p:cNvSpPr>
+            <a:spLocks noGrp="1" noChangeArrowheads="1"/>
+          </p:cNvSpPr>
+          <p:nvPr>
+            <p:ph type="title"/>
+          </p:nvPr>
+        </p:nvSpPr>
+        <p:spPr>
+          <a:xfrm>
+            <a:off x="1246479" y="480497"/>
+            <a:ext cx="9641297" cy="971074"/>
+          </a:xfrm>
+          <a:ln/>
+        </p:spPr>
+        <p:txBody>
+          <a:bodyPr>
+            <a:noAutofit/>
+          </a:bodyPr>
+          <a:lstStyle/>
+          <a:p>
+            <a:pPr rtl="0">
+              <a:tabLst>
+                <a:tab pos="0" algn="l"/>
+                <a:tab pos="526376" algn="l"/>
+                <a:tab pos="1054620" algn="l"/>
+                <a:tab pos="1582862" algn="l"/>
+                <a:tab pos="2111105" algn="l"/>
+                <a:tab pos="2639348" algn="l"/>
+                <a:tab pos="3167591" algn="l"/>
+                <a:tab pos="3695833" algn="l"/>
+                <a:tab pos="4224077" algn="l"/>
+                <a:tab pos="4752319" algn="l"/>
+                <a:tab pos="5280562" algn="l"/>
+                <a:tab pos="5808805" algn="l"/>
+                <a:tab pos="6337048" algn="l"/>
+                <a:tab pos="6865290" algn="l"/>
+                <a:tab pos="7393534" algn="l"/>
+                <a:tab pos="7921776" algn="l"/>
+                <a:tab pos="8450020" algn="l"/>
+                <a:tab pos="8978262" algn="l"/>
+                <a:tab pos="9506505" algn="l"/>
+                <a:tab pos="10034748" algn="l"/>
+                <a:tab pos="10562991" algn="l"/>
+              </a:tabLst>
+            </a:pPr>
+            <a:r>
+              <a:rPr lang="en-GB" sz="3200" b="1" dirty="0">
+                <a:solidFill>
+                  <a:schemeClr val="accent2"/>
+                </a:solidFill>
+              </a:rPr>
+              <a:t>How PHP generates </a:t>
+            </a:r>
+            <a:br>
+              <a:rPr lang="en-GB" sz="3200" b="1" dirty="0">
+                <a:solidFill>
+                  <a:schemeClr val="accent2"/>
+                </a:solidFill>
+              </a:rPr>
+            </a:br>
+            <a:r>
+              <a:rPr lang="en-GB" sz="3200" b="1" dirty="0">
+                <a:solidFill>
+                  <a:schemeClr val="accent2"/>
+                </a:solidFill>
+              </a:rPr>
+              <a:t>HTML/JS Web pages</a:t>
+            </a:r>
+          </a:p>
+        </p:txBody>
+      </p:sp>
+      <p:sp>
+        <p:nvSpPr>
+          <p:cNvPr id="8194" name="Text Box 2"/>
+          <p:cNvSpPr txBox="1">
+            <a:spLocks noChangeArrowheads="1"/>
+          </p:cNvSpPr>
+          <p:nvPr/>
+        </p:nvSpPr>
+        <p:spPr bwMode="auto">
+          <a:xfrm>
+            <a:off x="1246479" y="4294231"/>
+            <a:ext cx="9814530" cy="1901161"/>
+          </a:xfrm>
+          <a:prstGeom prst="rect">
+            <a:avLst/>
+          </a:prstGeom>
+          <a:noFill/>
+          <a:ln>
+            <a:noFill/>
+          </a:ln>
+          <a:extLst>
+            <a:ext uri="{909E8E84-426E-40DD-AFC4-6F175D3DCCD1}">
+              <a14:hiddenFill xmlns:a14="http://schemas.microsoft.com/office/drawing/2010/main">
+                <a:solidFill>
+                  <a:srgbClr val="FFFFFF"/>
+                </a:solidFill>
+              </a14:hiddenFill>
+            </a:ext>
+            <a:ext uri="{91240B29-F687-4F45-9708-019B960494DF}">
+              <a14:hiddenLine xmlns:a14="http://schemas.microsoft.com/office/drawing/2010/main" w="9525">
+                <a:solidFill>
+                  <a:srgbClr val="000000"/>
+                </a:solidFill>
+                <a:miter lim="800000"/>
+                <a:headEnd/>
+                <a:tailEnd/>
+              </a14:hiddenLine>
+            </a:ext>
+          </a:extLst>
+        </p:spPr>
+        <p:txBody>
+          <a:bodyPr lIns="0" tIns="0" rIns="0" bIns="0">
+            <a:spAutoFit/>
+          </a:bodyPr>
+          <a:lstStyle>
+            <a:lvl1pPr>
+              <a:tabLst>
+                <a:tab pos="0" algn="l"/>
+                <a:tab pos="447675" algn="l"/>
+                <a:tab pos="896938" algn="l"/>
+                <a:tab pos="1346200" algn="l"/>
+                <a:tab pos="1795463" algn="l"/>
+                <a:tab pos="2244725" algn="l"/>
+                <a:tab pos="2693988" algn="l"/>
+                <a:tab pos="3143250" algn="l"/>
+                <a:tab pos="3592513" algn="l"/>
+                <a:tab pos="4041775" algn="l"/>
+                <a:tab pos="4491038" algn="l"/>
+                <a:tab pos="4940300" algn="l"/>
+                <a:tab pos="5389563" algn="l"/>
+                <a:tab pos="5838825" algn="l"/>
+                <a:tab pos="6288088" algn="l"/>
+                <a:tab pos="6737350" algn="l"/>
+                <a:tab pos="7186613" algn="l"/>
+                <a:tab pos="7635875" algn="l"/>
+                <a:tab pos="8085138" algn="l"/>
+                <a:tab pos="8534400" algn="l"/>
+                <a:tab pos="8983663" algn="l"/>
+              </a:tabLst>
+              <a:defRPr sz="2400">
+                <a:solidFill>
+                  <a:schemeClr val="tx1"/>
+                </a:solidFill>
+                <a:latin typeface="Times New Roman" pitchFamily="18" charset="0"/>
+              </a:defRPr>
+            </a:lvl1pPr>
+            <a:lvl2pPr>
+              <a:tabLst>
+                <a:tab pos="0" algn="l"/>
+                <a:tab pos="447675" algn="l"/>
+                <a:tab pos="896938" algn="l"/>
+                <a:tab pos="1346200" algn="l"/>
+                <a:tab pos="1795463" algn="l"/>
+                <a:tab pos="2244725" algn="l"/>
+                <a:tab pos="2693988" algn="l"/>
+                <a:tab pos="3143250" algn="l"/>
+                <a:tab pos="3592513" algn="l"/>
+                <a:tab pos="4041775" algn="l"/>
+                <a:tab pos="4491038" algn="l"/>
+                <a:tab pos="4940300" algn="l"/>
+                <a:tab pos="5389563" algn="l"/>
+                <a:tab pos="5838825" algn="l"/>
+                <a:tab pos="6288088" algn="l"/>
+                <a:tab pos="6737350" algn="l"/>
+                <a:tab pos="7186613" algn="l"/>
+                <a:tab pos="7635875" algn="l"/>
+                <a:tab pos="8085138" algn="l"/>
+                <a:tab pos="8534400" algn="l"/>
+                <a:tab pos="8983663" algn="l"/>
+              </a:tabLst>
+              <a:defRPr sz="2400">
+                <a:solidFill>
+                  <a:schemeClr val="tx1"/>
+                </a:solidFill>
+                <a:latin typeface="Times New Roman" pitchFamily="18" charset="0"/>
+              </a:defRPr>
+            </a:lvl2pPr>
+            <a:lvl3pPr>
+              <a:tabLst>
+                <a:tab pos="0" algn="l"/>
+                <a:tab pos="447675" algn="l"/>
+                <a:tab pos="896938" algn="l"/>
+                <a:tab pos="1346200" algn="l"/>
+                <a:tab pos="1795463" algn="l"/>
+                <a:tab pos="2244725" algn="l"/>
+                <a:tab pos="2693988" algn="l"/>
+                <a:tab pos="3143250" algn="l"/>
+                <a:tab pos="3592513" algn="l"/>
+                <a:tab pos="4041775" algn="l"/>
+                <a:tab pos="4491038" algn="l"/>
+                <a:tab pos="4940300" algn="l"/>
+                <a:tab pos="5389563" algn="l"/>
+                <a:tab pos="5838825" algn="l"/>
+                <a:tab pos="6288088" algn="l"/>
+                <a:tab pos="6737350" algn="l"/>
+                <a:tab pos="7186613" algn="l"/>
+                <a:tab pos="7635875" algn="l"/>
+                <a:tab pos="8085138" algn="l"/>
+                <a:tab pos="8534400" algn="l"/>
+                <a:tab pos="8983663" algn="l"/>
+              </a:tabLst>
+              <a:defRPr sz="2400">
+                <a:solidFill>
+                  <a:schemeClr val="tx1"/>
+                </a:solidFill>
+                <a:latin typeface="Times New Roman" pitchFamily="18" charset="0"/>
+              </a:defRPr>
+            </a:lvl3pPr>
+            <a:lvl4pPr>
+              <a:tabLst>
+                <a:tab pos="0" algn="l"/>
+                <a:tab pos="447675" algn="l"/>
+                <a:tab pos="896938" algn="l"/>
+                <a:tab pos="1346200" algn="l"/>
+                <a:tab pos="1795463" algn="l"/>
+                <a:tab pos="2244725" algn="l"/>
+                <a:tab pos="2693988" algn="l"/>
+                <a:tab pos="3143250" algn="l"/>
+                <a:tab pos="3592513" algn="l"/>
+                <a:tab pos="4041775" algn="l"/>
+                <a:tab pos="4491038" algn="l"/>
+                <a:tab pos="4940300" algn="l"/>
+                <a:tab pos="5389563" algn="l"/>
+                <a:tab pos="5838825" algn="l"/>
+                <a:tab pos="6288088" algn="l"/>
+                <a:tab pos="6737350" algn="l"/>
+                <a:tab pos="7186613" algn="l"/>
+                <a:tab pos="7635875" algn="l"/>
+                <a:tab pos="8085138" algn="l"/>
+                <a:tab pos="8534400" algn="l"/>
+                <a:tab pos="8983663" algn="l"/>
+              </a:tabLst>
+              <a:defRPr sz="2400">
+                <a:solidFill>
+                  <a:schemeClr val="tx1"/>
+                </a:solidFill>
+                <a:latin typeface="Times New Roman" pitchFamily="18" charset="0"/>
+              </a:defRPr>
+            </a:lvl4pPr>
+            <a:lvl5pPr>
+              <a:tabLst>
+                <a:tab pos="0" algn="l"/>
+                <a:tab pos="447675" algn="l"/>
+                <a:tab pos="896938" algn="l"/>
+                <a:tab pos="1346200" algn="l"/>
+                <a:tab pos="1795463" algn="l"/>
+                <a:tab pos="2244725" algn="l"/>
+                <a:tab pos="2693988" algn="l"/>
+                <a:tab pos="3143250" algn="l"/>
+                <a:tab pos="3592513" algn="l"/>
+                <a:tab pos="4041775" algn="l"/>
+                <a:tab pos="4491038" algn="l"/>
+                <a:tab pos="4940300" algn="l"/>
+                <a:tab pos="5389563" algn="l"/>
+                <a:tab pos="5838825" algn="l"/>
+                <a:tab pos="6288088" algn="l"/>
+                <a:tab pos="6737350" algn="l"/>
+                <a:tab pos="7186613" algn="l"/>
+                <a:tab pos="7635875" algn="l"/>
+                <a:tab pos="8085138" algn="l"/>
+                <a:tab pos="8534400" algn="l"/>
+                <a:tab pos="8983663" algn="l"/>
+              </a:tabLst>
+              <a:defRPr sz="2400">
+                <a:solidFill>
+                  <a:schemeClr val="tx1"/>
+                </a:solidFill>
+                <a:latin typeface="Times New Roman" pitchFamily="18" charset="0"/>
+              </a:defRPr>
+            </a:lvl5pPr>
+            <a:lvl6pPr eaLnBrk="0" fontAlgn="base" hangingPunct="0">
+              <a:spcBef>
+                <a:spcPct val="0"/>
+              </a:spcBef>
+              <a:spcAft>
+                <a:spcPct val="0"/>
+              </a:spcAft>
+              <a:tabLst>
+                <a:tab pos="0" algn="l"/>
+                <a:tab pos="447675" algn="l"/>
+                <a:tab pos="896938" algn="l"/>
+                <a:tab pos="1346200" algn="l"/>
+                <a:tab pos="1795463" algn="l"/>
+                <a:tab pos="2244725" algn="l"/>
+                <a:tab pos="2693988" algn="l"/>
+                <a:tab pos="3143250" algn="l"/>
+                <a:tab pos="3592513" algn="l"/>
+                <a:tab pos="4041775" algn="l"/>
+                <a:tab pos="4491038" algn="l"/>
+                <a:tab pos="4940300" algn="l"/>
+                <a:tab pos="5389563" algn="l"/>
+                <a:tab pos="5838825" algn="l"/>
+                <a:tab pos="6288088" algn="l"/>
+                <a:tab pos="6737350" algn="l"/>
+                <a:tab pos="7186613" algn="l"/>
+                <a:tab pos="7635875" algn="l"/>
+                <a:tab pos="8085138" algn="l"/>
+                <a:tab pos="8534400" algn="l"/>
+                <a:tab pos="8983663" algn="l"/>
+              </a:tabLst>
+              <a:defRPr sz="2400">
+                <a:solidFill>
+                  <a:schemeClr val="tx1"/>
+                </a:solidFill>
+                <a:latin typeface="Times New Roman" pitchFamily="18" charset="0"/>
+              </a:defRPr>
+            </a:lvl6pPr>
+            <a:lvl7pPr eaLnBrk="0" fontAlgn="base" hangingPunct="0">
+              <a:spcBef>
+                <a:spcPct val="0"/>
+              </a:spcBef>
+              <a:spcAft>
+                <a:spcPct val="0"/>
+              </a:spcAft>
+              <a:tabLst>
+                <a:tab pos="0" algn="l"/>
+                <a:tab pos="447675" algn="l"/>
+                <a:tab pos="896938" algn="l"/>
+                <a:tab pos="1346200" algn="l"/>
+                <a:tab pos="1795463" algn="l"/>
+                <a:tab pos="2244725" algn="l"/>
+                <a:tab pos="2693988" algn="l"/>
+                <a:tab pos="3143250" algn="l"/>
+                <a:tab pos="3592513" algn="l"/>
+                <a:tab pos="4041775" algn="l"/>
+                <a:tab pos="4491038" algn="l"/>
+                <a:tab pos="4940300" algn="l"/>
+                <a:tab pos="5389563" algn="l"/>
+                <a:tab pos="5838825" algn="l"/>
+                <a:tab pos="6288088" algn="l"/>
+                <a:tab pos="6737350" algn="l"/>
+                <a:tab pos="7186613" algn="l"/>
+                <a:tab pos="7635875" algn="l"/>
+                <a:tab pos="8085138" algn="l"/>
+                <a:tab pos="8534400" algn="l"/>
+                <a:tab pos="8983663" algn="l"/>
+              </a:tabLst>
+              <a:defRPr sz="2400">
+                <a:solidFill>
+                  <a:schemeClr val="tx1"/>
+                </a:solidFill>
+                <a:latin typeface="Times New Roman" pitchFamily="18" charset="0"/>
+              </a:defRPr>
+            </a:lvl7pPr>
+            <a:lvl8pPr eaLnBrk="0" fontAlgn="base" hangingPunct="0">
+              <a:spcBef>
+                <a:spcPct val="0"/>
+              </a:spcBef>
+              <a:spcAft>
+                <a:spcPct val="0"/>
+              </a:spcAft>
+              <a:tabLst>
+                <a:tab pos="0" algn="l"/>
+                <a:tab pos="447675" algn="l"/>
+                <a:tab pos="896938" algn="l"/>
+                <a:tab pos="1346200" algn="l"/>
+                <a:tab pos="1795463" algn="l"/>
+                <a:tab pos="2244725" algn="l"/>
+                <a:tab pos="2693988" algn="l"/>
+                <a:tab pos="3143250" algn="l"/>
+                <a:tab pos="3592513" algn="l"/>
+                <a:tab pos="4041775" algn="l"/>
+                <a:tab pos="4491038" algn="l"/>
+                <a:tab pos="4940300" algn="l"/>
+                <a:tab pos="5389563" algn="l"/>
+                <a:tab pos="5838825" algn="l"/>
+                <a:tab pos="6288088" algn="l"/>
+                <a:tab pos="6737350" algn="l"/>
+                <a:tab pos="7186613" algn="l"/>
+                <a:tab pos="7635875" algn="l"/>
+                <a:tab pos="8085138" algn="l"/>
+                <a:tab pos="8534400" algn="l"/>
+                <a:tab pos="8983663" algn="l"/>
+              </a:tabLst>
+              <a:defRPr sz="2400">
+                <a:solidFill>
+                  <a:schemeClr val="tx1"/>
+                </a:solidFill>
+                <a:latin typeface="Times New Roman" pitchFamily="18" charset="0"/>
+              </a:defRPr>
+            </a:lvl8pPr>
+            <a:lvl9pPr eaLnBrk="0" fontAlgn="base" hangingPunct="0">
+              <a:spcBef>
+                <a:spcPct val="0"/>
+              </a:spcBef>
+              <a:spcAft>
+                <a:spcPct val="0"/>
+              </a:spcAft>
+              <a:tabLst>
+                <a:tab pos="0" algn="l"/>
+                <a:tab pos="447675" algn="l"/>
+                <a:tab pos="896938" algn="l"/>
+                <a:tab pos="1346200" algn="l"/>
+                <a:tab pos="1795463" algn="l"/>
+                <a:tab pos="2244725" algn="l"/>
+                <a:tab pos="2693988" algn="l"/>
+                <a:tab pos="3143250" algn="l"/>
+                <a:tab pos="3592513" algn="l"/>
+                <a:tab pos="4041775" algn="l"/>
+                <a:tab pos="4491038" algn="l"/>
+                <a:tab pos="4940300" algn="l"/>
+                <a:tab pos="5389563" algn="l"/>
+                <a:tab pos="5838825" algn="l"/>
+                <a:tab pos="6288088" algn="l"/>
+                <a:tab pos="6737350" algn="l"/>
+                <a:tab pos="7186613" algn="l"/>
+                <a:tab pos="7635875" algn="l"/>
+                <a:tab pos="8085138" algn="l"/>
+                <a:tab pos="8534400" algn="l"/>
+                <a:tab pos="8983663" algn="l"/>
+              </a:tabLst>
+              <a:defRPr sz="2400">
+                <a:solidFill>
+                  <a:schemeClr val="tx1"/>
+                </a:solidFill>
+                <a:latin typeface="Times New Roman" pitchFamily="18" charset="0"/>
+              </a:defRPr>
+            </a:lvl9pPr>
+          </a:lstStyle>
+          <a:p>
+            <a:pPr>
+              <a:lnSpc>
+                <a:spcPts val="2116"/>
+              </a:lnSpc>
+              <a:buClr>
+                <a:srgbClr val="000000"/>
+              </a:buClr>
+            </a:pPr>
+            <a:r>
+              <a:rPr lang="en-GB" sz="2100" dirty="0">
+                <a:solidFill>
+                  <a:schemeClr val="bg1"/>
+                </a:solidFill>
+                <a:latin typeface="Verdana" pitchFamily="34" charset="0"/>
+                <a:ea typeface="HG Mincho Light J" charset="0"/>
+                <a:cs typeface="HG Mincho Light J" charset="0"/>
+              </a:rPr>
+              <a:t>1: Client from browser send HTTP request (with POST/GET variables)</a:t>
+            </a:r>
+          </a:p>
+          <a:p>
+            <a:pPr eaLnBrk="1">
+              <a:lnSpc>
+                <a:spcPct val="101000"/>
+              </a:lnSpc>
+              <a:buClr>
+                <a:srgbClr val="000000"/>
+              </a:buClr>
+              <a:buFont typeface="StarSymbol" charset="0"/>
+              <a:buNone/>
+            </a:pPr>
+            <a:r>
+              <a:rPr lang="en-GB" sz="2100" dirty="0">
+                <a:solidFill>
+                  <a:schemeClr val="bg1"/>
+                </a:solidFill>
+                <a:latin typeface="Verdana" pitchFamily="34" charset="0"/>
+                <a:ea typeface="HG Mincho Light J" charset="0"/>
+                <a:cs typeface="HG Mincho Light J" charset="0"/>
+              </a:rPr>
+              <a:t>2: Apache recognizes that a PHP script is requested and sends the request to PHP module</a:t>
+            </a:r>
+          </a:p>
+          <a:p>
+            <a:pPr eaLnBrk="1">
+              <a:lnSpc>
+                <a:spcPct val="101000"/>
+              </a:lnSpc>
+              <a:buClr>
+                <a:srgbClr val="000000"/>
+              </a:buClr>
+              <a:buFont typeface="StarSymbol" charset="0"/>
+              <a:buNone/>
+            </a:pPr>
+            <a:r>
+              <a:rPr lang="en-GB" sz="2100" dirty="0">
+                <a:solidFill>
+                  <a:schemeClr val="bg1"/>
+                </a:solidFill>
+                <a:latin typeface="Verdana" pitchFamily="34" charset="0"/>
+                <a:ea typeface="HG Mincho Light J" charset="0"/>
+                <a:cs typeface="HG Mincho Light J" charset="0"/>
+              </a:rPr>
+              <a:t>3: PHP interpreter executes PHP script, collects script output and sends it back</a:t>
+            </a:r>
+          </a:p>
+          <a:p>
+            <a:pPr eaLnBrk="1">
+              <a:lnSpc>
+                <a:spcPct val="101000"/>
+              </a:lnSpc>
+              <a:buClr>
+                <a:srgbClr val="000000"/>
+              </a:buClr>
+              <a:buFont typeface="StarSymbol" charset="0"/>
+              <a:buNone/>
+            </a:pPr>
+            <a:r>
+              <a:rPr lang="en-GB" sz="2100" dirty="0">
+                <a:solidFill>
+                  <a:schemeClr val="bg1"/>
+                </a:solidFill>
+                <a:latin typeface="Verdana" pitchFamily="34" charset="0"/>
+                <a:ea typeface="HG Mincho Light J" charset="0"/>
+                <a:cs typeface="HG Mincho Light J" charset="0"/>
+              </a:rPr>
+              <a:t>4: Apache replies to client using the PHP script output as HTML output </a:t>
+            </a:r>
+          </a:p>
+        </p:txBody>
+      </p:sp>
+      <p:grpSp>
+        <p:nvGrpSpPr>
+          <p:cNvPr id="8195" name="Group 3"/>
+          <p:cNvGrpSpPr>
+            <a:grpSpLocks/>
+          </p:cNvGrpSpPr>
+          <p:nvPr/>
+        </p:nvGrpSpPr>
+        <p:grpSpPr bwMode="auto">
+          <a:xfrm>
+            <a:off x="1720380" y="1451571"/>
+            <a:ext cx="8325127" cy="2696495"/>
+            <a:chOff x="890" y="714"/>
+            <a:chExt cx="4181" cy="1605"/>
+          </a:xfrm>
+        </p:grpSpPr>
+        <p:sp>
+          <p:nvSpPr>
+            <p:cNvPr id="8196" name="AutoShape 4"/>
+            <p:cNvSpPr>
+              <a:spLocks noChangeArrowheads="1"/>
+            </p:cNvSpPr>
+            <p:nvPr/>
+          </p:nvSpPr>
+          <p:spPr bwMode="auto">
+            <a:xfrm>
+              <a:off x="890" y="714"/>
+              <a:ext cx="4181" cy="1605"/>
+            </a:xfrm>
+            <a:prstGeom prst="roundRect">
+              <a:avLst>
+                <a:gd name="adj" fmla="val 60"/>
+              </a:avLst>
+            </a:prstGeom>
+            <a:solidFill>
+              <a:srgbClr val="808080">
+                <a:alpha val="50000"/>
+              </a:srgbClr>
+            </a:solidFill>
+            <a:ln w="9360">
+              <a:solidFill>
+                <a:srgbClr val="000000"/>
+              </a:solidFill>
+              <a:prstDash val="sysDot"/>
+              <a:round/>
+              <a:headEnd/>
+              <a:tailEnd/>
+            </a:ln>
+          </p:spPr>
+          <p:txBody>
+            <a:bodyPr wrap="none" anchor="ctr"/>
+            <a:lstStyle/>
+            <a:p>
+              <a:endParaRPr lang="en-GB"/>
+            </a:p>
+          </p:txBody>
+        </p:sp>
+        <p:grpSp>
+          <p:nvGrpSpPr>
+            <p:cNvPr id="8197" name="Group 5"/>
+            <p:cNvGrpSpPr>
+              <a:grpSpLocks/>
+            </p:cNvGrpSpPr>
+            <p:nvPr/>
+          </p:nvGrpSpPr>
+          <p:grpSpPr bwMode="auto">
+            <a:xfrm>
+              <a:off x="1541" y="793"/>
+              <a:ext cx="2998" cy="1423"/>
+              <a:chOff x="1541" y="793"/>
+              <a:chExt cx="2998" cy="1423"/>
+            </a:xfrm>
+          </p:grpSpPr>
+          <p:sp>
+            <p:nvSpPr>
+              <p:cNvPr id="8198" name="Line 6"/>
+              <p:cNvSpPr>
+                <a:spLocks noChangeShapeType="1"/>
+              </p:cNvSpPr>
+              <p:nvPr/>
+            </p:nvSpPr>
+            <p:spPr bwMode="auto">
+              <a:xfrm>
+                <a:off x="1790" y="1230"/>
+                <a:ext cx="341" cy="540"/>
+              </a:xfrm>
+              <a:prstGeom prst="line">
+                <a:avLst/>
+              </a:prstGeom>
+              <a:noFill/>
+              <a:ln w="9360">
+                <a:solidFill>
+                  <a:srgbClr val="000000"/>
+                </a:solidFill>
+                <a:prstDash val="sysDot"/>
+                <a:round/>
+                <a:headEnd/>
+                <a:tailEnd type="triangle" w="lg" len="lg"/>
+              </a:ln>
+              <a:extLst>
+                <a:ext uri="{909E8E84-426E-40DD-AFC4-6F175D3DCCD1}">
+                  <a14:hiddenFill xmlns:a14="http://schemas.microsoft.com/office/drawing/2010/main">
+                    <a:noFill/>
+                  </a14:hiddenFill>
+                </a:ext>
+              </a:extLst>
+            </p:spPr>
+            <p:txBody>
+              <a:bodyPr/>
+              <a:lstStyle/>
+              <a:p>
+                <a:endParaRPr lang="en-GB"/>
+              </a:p>
+            </p:txBody>
+          </p:sp>
+          <p:grpSp>
+            <p:nvGrpSpPr>
+              <p:cNvPr id="8199" name="Group 7"/>
+              <p:cNvGrpSpPr>
+                <a:grpSpLocks/>
+              </p:cNvGrpSpPr>
+              <p:nvPr/>
+            </p:nvGrpSpPr>
+            <p:grpSpPr bwMode="auto">
+              <a:xfrm>
+                <a:off x="1541" y="793"/>
+                <a:ext cx="2998" cy="1423"/>
+                <a:chOff x="1541" y="793"/>
+                <a:chExt cx="2998" cy="1423"/>
+              </a:xfrm>
+            </p:grpSpPr>
+            <p:sp>
+              <p:nvSpPr>
+                <p:cNvPr id="8200" name="Text Box 8"/>
+                <p:cNvSpPr txBox="1">
+                  <a:spLocks noChangeArrowheads="1"/>
+                </p:cNvSpPr>
+                <p:nvPr/>
+              </p:nvSpPr>
+              <p:spPr bwMode="auto">
+                <a:xfrm>
+                  <a:off x="3319" y="1994"/>
+                  <a:ext cx="93" cy="222"/>
+                </a:xfrm>
+                <a:prstGeom prst="rect">
+                  <a:avLst/>
+                </a:prstGeom>
+                <a:noFill/>
+                <a:ln>
+                  <a:noFill/>
+                </a:ln>
+                <a:extLst>
+                  <a:ext uri="{909E8E84-426E-40DD-AFC4-6F175D3DCCD1}">
+                    <a14:hiddenFill xmlns:a14="http://schemas.microsoft.com/office/drawing/2010/main">
+                      <a:solidFill>
+                        <a:srgbClr val="FFFFFF"/>
+                      </a:solidFill>
+                    </a14:hiddenFill>
+                  </a:ext>
+                  <a:ext uri="{91240B29-F687-4F45-9708-019B960494DF}">
+                    <a14:hiddenLine xmlns:a14="http://schemas.microsoft.com/office/drawing/2010/main" w="9525">
+                      <a:solidFill>
+                        <a:srgbClr val="000000"/>
+                      </a:solidFill>
+                      <a:miter lim="800000"/>
+                      <a:headEnd/>
+                      <a:tailEnd/>
+                    </a14:hiddenLine>
+                  </a:ext>
+                </a:extLst>
+              </p:spPr>
+              <p:txBody>
+                <a:bodyPr lIns="0" tIns="0" rIns="0" bIns="0">
+                  <a:spAutoFit/>
+                </a:bodyPr>
+                <a:lstStyle>
+                  <a:lvl1pPr>
+                    <a:tabLst>
+                      <a:tab pos="0" algn="l"/>
+                      <a:tab pos="447675" algn="l"/>
+                      <a:tab pos="896938" algn="l"/>
+                      <a:tab pos="1346200" algn="l"/>
+                      <a:tab pos="1795463" algn="l"/>
+                      <a:tab pos="2244725" algn="l"/>
+                      <a:tab pos="2693988" algn="l"/>
+                      <a:tab pos="3143250" algn="l"/>
+                      <a:tab pos="3592513" algn="l"/>
+                      <a:tab pos="4041775" algn="l"/>
+                      <a:tab pos="4491038" algn="l"/>
+                      <a:tab pos="4940300" algn="l"/>
+                      <a:tab pos="5389563" algn="l"/>
+                      <a:tab pos="5838825" algn="l"/>
+                      <a:tab pos="6288088" algn="l"/>
+                      <a:tab pos="6737350" algn="l"/>
+                      <a:tab pos="7186613" algn="l"/>
+                      <a:tab pos="7635875" algn="l"/>
+                      <a:tab pos="8085138" algn="l"/>
+                      <a:tab pos="8534400" algn="l"/>
+                      <a:tab pos="8983663" algn="l"/>
+                    </a:tabLst>
+                    <a:defRPr sz="2400">
+                      <a:solidFill>
+                        <a:schemeClr val="tx1"/>
+                      </a:solidFill>
+                      <a:latin typeface="Times New Roman" pitchFamily="18" charset="0"/>
+                    </a:defRPr>
+                  </a:lvl1pPr>
+                  <a:lvl2pPr>
+                    <a:tabLst>
+                      <a:tab pos="0" algn="l"/>
+                      <a:tab pos="447675" algn="l"/>
+                      <a:tab pos="896938" algn="l"/>
+                      <a:tab pos="1346200" algn="l"/>
+                      <a:tab pos="1795463" algn="l"/>
+                      <a:tab pos="2244725" algn="l"/>
+                      <a:tab pos="2693988" algn="l"/>
+                      <a:tab pos="3143250" algn="l"/>
+                      <a:tab pos="3592513" algn="l"/>
+                      <a:tab pos="4041775" algn="l"/>
+                      <a:tab pos="4491038" algn="l"/>
+                      <a:tab pos="4940300" algn="l"/>
+                      <a:tab pos="5389563" algn="l"/>
+                      <a:tab pos="5838825" algn="l"/>
+                      <a:tab pos="6288088" algn="l"/>
+                      <a:tab pos="6737350" algn="l"/>
+                      <a:tab pos="7186613" algn="l"/>
+                      <a:tab pos="7635875" algn="l"/>
+                      <a:tab pos="8085138" algn="l"/>
+                      <a:tab pos="8534400" algn="l"/>
+                      <a:tab pos="8983663" algn="l"/>
+                    </a:tabLst>
+                    <a:defRPr sz="2400">
+                      <a:solidFill>
+                        <a:schemeClr val="tx1"/>
+                      </a:solidFill>
+                      <a:latin typeface="Times New Roman" pitchFamily="18" charset="0"/>
+                    </a:defRPr>
+                  </a:lvl2pPr>
+                  <a:lvl3pPr>
+                    <a:tabLst>
+                      <a:tab pos="0" algn="l"/>
+                      <a:tab pos="447675" algn="l"/>
+                      <a:tab pos="896938" algn="l"/>
+                      <a:tab pos="1346200" algn="l"/>
+                      <a:tab pos="1795463" algn="l"/>
+                      <a:tab pos="2244725" algn="l"/>
+                      <a:tab pos="2693988" algn="l"/>
+                      <a:tab pos="3143250" algn="l"/>
+                      <a:tab pos="3592513" algn="l"/>
+                      <a:tab pos="4041775" algn="l"/>
+                      <a:tab pos="4491038" algn="l"/>
+                      <a:tab pos="4940300" algn="l"/>
+                      <a:tab pos="5389563" algn="l"/>
+                      <a:tab pos="5838825" algn="l"/>
+                      <a:tab pos="6288088" algn="l"/>
+                      <a:tab pos="6737350" algn="l"/>
+                      <a:tab pos="7186613" algn="l"/>
+                      <a:tab pos="7635875" algn="l"/>
+                      <a:tab pos="8085138" algn="l"/>
+                      <a:tab pos="8534400" algn="l"/>
+                      <a:tab pos="8983663" algn="l"/>
+                    </a:tabLst>
+                    <a:defRPr sz="2400">
+                      <a:solidFill>
+                        <a:schemeClr val="tx1"/>
+                      </a:solidFill>
+                      <a:latin typeface="Times New Roman" pitchFamily="18" charset="0"/>
+                    </a:defRPr>
+                  </a:lvl3pPr>
+                  <a:lvl4pPr>
+                    <a:tabLst>
+                      <a:tab pos="0" algn="l"/>
+                      <a:tab pos="447675" algn="l"/>
+                      <a:tab pos="896938" algn="l"/>
+                      <a:tab pos="1346200" algn="l"/>
+                      <a:tab pos="1795463" algn="l"/>
+                      <a:tab pos="2244725" algn="l"/>
+                      <a:tab pos="2693988" algn="l"/>
+                      <a:tab pos="3143250" algn="l"/>
+                      <a:tab pos="3592513" algn="l"/>
+                      <a:tab pos="4041775" algn="l"/>
+                      <a:tab pos="4491038" algn="l"/>
+                      <a:tab pos="4940300" algn="l"/>
+                      <a:tab pos="5389563" algn="l"/>
+                      <a:tab pos="5838825" algn="l"/>
+                      <a:tab pos="6288088" algn="l"/>
+                      <a:tab pos="6737350" algn="l"/>
+                      <a:tab pos="7186613" algn="l"/>
+                      <a:tab pos="7635875" algn="l"/>
+                      <a:tab pos="8085138" algn="l"/>
+                      <a:tab pos="8534400" algn="l"/>
+                      <a:tab pos="8983663" algn="l"/>
+                    </a:tabLst>
+                    <a:defRPr sz="2400">
+                      <a:solidFill>
+                        <a:schemeClr val="tx1"/>
+                      </a:solidFill>
+                      <a:latin typeface="Times New Roman" pitchFamily="18" charset="0"/>
+                    </a:defRPr>
+                  </a:lvl4pPr>
+                  <a:lvl5pPr>
+                    <a:tabLst>
+                      <a:tab pos="0" algn="l"/>
+                      <a:tab pos="447675" algn="l"/>
+                      <a:tab pos="896938" algn="l"/>
+                      <a:tab pos="1346200" algn="l"/>
+                      <a:tab pos="1795463" algn="l"/>
+                      <a:tab pos="2244725" algn="l"/>
+                      <a:tab pos="2693988" algn="l"/>
+                      <a:tab pos="3143250" algn="l"/>
+                      <a:tab pos="3592513" algn="l"/>
+                      <a:tab pos="4041775" algn="l"/>
+                      <a:tab pos="4491038" algn="l"/>
+                      <a:tab pos="4940300" algn="l"/>
+                      <a:tab pos="5389563" algn="l"/>
+                      <a:tab pos="5838825" algn="l"/>
+                      <a:tab pos="6288088" algn="l"/>
+                      <a:tab pos="6737350" algn="l"/>
+                      <a:tab pos="7186613" algn="l"/>
+                      <a:tab pos="7635875" algn="l"/>
+                      <a:tab pos="8085138" algn="l"/>
+                      <a:tab pos="8534400" algn="l"/>
+                      <a:tab pos="8983663" algn="l"/>
+                    </a:tabLst>
+                    <a:defRPr sz="2400">
+                      <a:solidFill>
+                        <a:schemeClr val="tx1"/>
+                      </a:solidFill>
+                      <a:latin typeface="Times New Roman" pitchFamily="18" charset="0"/>
+                    </a:defRPr>
+                  </a:lvl5pPr>
+                  <a:lvl6pPr eaLnBrk="0" fontAlgn="base" hangingPunct="0">
+                    <a:spcBef>
+                      <a:spcPct val="0"/>
+                    </a:spcBef>
+                    <a:spcAft>
+                      <a:spcPct val="0"/>
+                    </a:spcAft>
+                    <a:tabLst>
+                      <a:tab pos="0" algn="l"/>
+                      <a:tab pos="447675" algn="l"/>
+                      <a:tab pos="896938" algn="l"/>
+                      <a:tab pos="1346200" algn="l"/>
+                      <a:tab pos="1795463" algn="l"/>
+                      <a:tab pos="2244725" algn="l"/>
+                      <a:tab pos="2693988" algn="l"/>
+                      <a:tab pos="3143250" algn="l"/>
+                      <a:tab pos="3592513" algn="l"/>
+                      <a:tab pos="4041775" algn="l"/>
+                      <a:tab pos="4491038" algn="l"/>
+                      <a:tab pos="4940300" algn="l"/>
+                      <a:tab pos="5389563" algn="l"/>
+                      <a:tab pos="5838825" algn="l"/>
+                      <a:tab pos="6288088" algn="l"/>
+                      <a:tab pos="6737350" algn="l"/>
+                      <a:tab pos="7186613" algn="l"/>
+                      <a:tab pos="7635875" algn="l"/>
+                      <a:tab pos="8085138" algn="l"/>
+                      <a:tab pos="8534400" algn="l"/>
+                      <a:tab pos="8983663" algn="l"/>
+                    </a:tabLst>
+                    <a:defRPr sz="2400">
+                      <a:solidFill>
+                        <a:schemeClr val="tx1"/>
+                      </a:solidFill>
+                      <a:latin typeface="Times New Roman" pitchFamily="18" charset="0"/>
+                    </a:defRPr>
+                  </a:lvl6pPr>
+                  <a:lvl7pPr eaLnBrk="0" fontAlgn="base" hangingPunct="0">
+                    <a:spcBef>
+                      <a:spcPct val="0"/>
+                    </a:spcBef>
+                    <a:spcAft>
+                      <a:spcPct val="0"/>
+                    </a:spcAft>
+                    <a:tabLst>
+                      <a:tab pos="0" algn="l"/>
+                      <a:tab pos="447675" algn="l"/>
+                      <a:tab pos="896938" algn="l"/>
+                      <a:tab pos="1346200" algn="l"/>
+                      <a:tab pos="1795463" algn="l"/>
+                      <a:tab pos="2244725" algn="l"/>
+                      <a:tab pos="2693988" algn="l"/>
+                      <a:tab pos="3143250" algn="l"/>
+                      <a:tab pos="3592513" algn="l"/>
+                      <a:tab pos="4041775" algn="l"/>
+                      <a:tab pos="4491038" algn="l"/>
+                      <a:tab pos="4940300" algn="l"/>
+                      <a:tab pos="5389563" algn="l"/>
+                      <a:tab pos="5838825" algn="l"/>
+                      <a:tab pos="6288088" algn="l"/>
+                      <a:tab pos="6737350" algn="l"/>
+                      <a:tab pos="7186613" algn="l"/>
+                      <a:tab pos="7635875" algn="l"/>
+                      <a:tab pos="8085138" algn="l"/>
+                      <a:tab pos="8534400" algn="l"/>
+                      <a:tab pos="8983663" algn="l"/>
+                    </a:tabLst>
+                    <a:defRPr sz="2400">
+                      <a:solidFill>
+                        <a:schemeClr val="tx1"/>
+                      </a:solidFill>
+                      <a:latin typeface="Times New Roman" pitchFamily="18" charset="0"/>
+                    </a:defRPr>
+                  </a:lvl7pPr>
+                  <a:lvl8pPr eaLnBrk="0" fontAlgn="base" hangingPunct="0">
+                    <a:spcBef>
+                      <a:spcPct val="0"/>
+                    </a:spcBef>
+                    <a:spcAft>
+                      <a:spcPct val="0"/>
+                    </a:spcAft>
+                    <a:tabLst>
+                      <a:tab pos="0" algn="l"/>
+                      <a:tab pos="447675" algn="l"/>
+                      <a:tab pos="896938" algn="l"/>
+                      <a:tab pos="1346200" algn="l"/>
+                      <a:tab pos="1795463" algn="l"/>
+                      <a:tab pos="2244725" algn="l"/>
+                      <a:tab pos="2693988" algn="l"/>
+                      <a:tab pos="3143250" algn="l"/>
+                      <a:tab pos="3592513" algn="l"/>
+                      <a:tab pos="4041775" algn="l"/>
+                      <a:tab pos="4491038" algn="l"/>
+                      <a:tab pos="4940300" algn="l"/>
+                      <a:tab pos="5389563" algn="l"/>
+                      <a:tab pos="5838825" algn="l"/>
+                      <a:tab pos="6288088" algn="l"/>
+                      <a:tab pos="6737350" algn="l"/>
+                      <a:tab pos="7186613" algn="l"/>
+                      <a:tab pos="7635875" algn="l"/>
+                      <a:tab pos="8085138" algn="l"/>
+                      <a:tab pos="8534400" algn="l"/>
+                      <a:tab pos="8983663" algn="l"/>
+                    </a:tabLst>
+                    <a:defRPr sz="2400">
+                      <a:solidFill>
+                        <a:schemeClr val="tx1"/>
+                      </a:solidFill>
+                      <a:latin typeface="Times New Roman" pitchFamily="18" charset="0"/>
+                    </a:defRPr>
+                  </a:lvl8pPr>
+                  <a:lvl9pPr eaLnBrk="0" fontAlgn="base" hangingPunct="0">
+                    <a:spcBef>
+                      <a:spcPct val="0"/>
+                    </a:spcBef>
+                    <a:spcAft>
+                      <a:spcPct val="0"/>
+                    </a:spcAft>
+                    <a:tabLst>
+                      <a:tab pos="0" algn="l"/>
+                      <a:tab pos="447675" algn="l"/>
+                      <a:tab pos="896938" algn="l"/>
+                      <a:tab pos="1346200" algn="l"/>
+                      <a:tab pos="1795463" algn="l"/>
+                      <a:tab pos="2244725" algn="l"/>
+                      <a:tab pos="2693988" algn="l"/>
+                      <a:tab pos="3143250" algn="l"/>
+                      <a:tab pos="3592513" algn="l"/>
+                      <a:tab pos="4041775" algn="l"/>
+                      <a:tab pos="4491038" algn="l"/>
+                      <a:tab pos="4940300" algn="l"/>
+                      <a:tab pos="5389563" algn="l"/>
+                      <a:tab pos="5838825" algn="l"/>
+                      <a:tab pos="6288088" algn="l"/>
+                      <a:tab pos="6737350" algn="l"/>
+                      <a:tab pos="7186613" algn="l"/>
+                      <a:tab pos="7635875" algn="l"/>
+                      <a:tab pos="8085138" algn="l"/>
+                      <a:tab pos="8534400" algn="l"/>
+                      <a:tab pos="8983663" algn="l"/>
+                    </a:tabLst>
+                    <a:defRPr sz="2400">
+                      <a:solidFill>
+                        <a:schemeClr val="tx1"/>
+                      </a:solidFill>
+                      <a:latin typeface="Times New Roman" pitchFamily="18" charset="0"/>
+                    </a:defRPr>
+                  </a:lvl9pPr>
+                </a:lstStyle>
+                <a:p>
+                  <a:pPr eaLnBrk="1">
+                    <a:lnSpc>
+                      <a:spcPct val="101000"/>
+                    </a:lnSpc>
+                    <a:buClr>
+                      <a:srgbClr val="000000"/>
+                    </a:buClr>
+                    <a:buSzPct val="45000"/>
+                    <a:buFont typeface="StarSymbol" charset="0"/>
+                    <a:buNone/>
+                  </a:pPr>
+                  <a:r>
+                    <a:rPr lang="en-GB">
+                      <a:latin typeface="Verdana" pitchFamily="34" charset="0"/>
+                      <a:ea typeface="HG Mincho Light J" charset="0"/>
+                      <a:cs typeface="HG Mincho Light J" charset="0"/>
+                    </a:rPr>
+                    <a:t>2</a:t>
+                  </a:r>
+                </a:p>
+              </p:txBody>
+            </p:sp>
+            <p:grpSp>
+              <p:nvGrpSpPr>
+                <p:cNvPr id="8201" name="Group 9"/>
+                <p:cNvGrpSpPr>
+                  <a:grpSpLocks/>
+                </p:cNvGrpSpPr>
+                <p:nvPr/>
+              </p:nvGrpSpPr>
+              <p:grpSpPr bwMode="auto">
+                <a:xfrm>
+                  <a:off x="1541" y="793"/>
+                  <a:ext cx="783" cy="432"/>
+                  <a:chOff x="1541" y="793"/>
+                  <a:chExt cx="783" cy="432"/>
+                </a:xfrm>
+              </p:grpSpPr>
+              <p:sp>
+                <p:nvSpPr>
+                  <p:cNvPr id="8202" name="AutoShape 10"/>
+                  <p:cNvSpPr>
+                    <a:spLocks noChangeArrowheads="1"/>
+                  </p:cNvSpPr>
+                  <p:nvPr/>
+                </p:nvSpPr>
+                <p:spPr bwMode="auto">
+                  <a:xfrm>
+                    <a:off x="1541" y="793"/>
+                    <a:ext cx="783" cy="432"/>
+                  </a:xfrm>
+                  <a:prstGeom prst="roundRect">
+                    <a:avLst>
+                      <a:gd name="adj" fmla="val 231"/>
+                    </a:avLst>
+                  </a:prstGeom>
+                  <a:noFill/>
+                  <a:ln w="9360">
+                    <a:solidFill>
+                      <a:srgbClr val="000000"/>
+                    </a:solidFill>
+                    <a:round/>
+                    <a:headEnd/>
+                    <a:tailEnd/>
+                  </a:ln>
+                  <a:extLst>
+                    <a:ext uri="{909E8E84-426E-40DD-AFC4-6F175D3DCCD1}">
+                      <a14:hiddenFill xmlns:a14="http://schemas.microsoft.com/office/drawing/2010/main">
+                        <a:solidFill>
+                          <a:srgbClr val="FFFFFF"/>
+                        </a:solidFill>
+                      </a14:hiddenFill>
+                    </a:ext>
+                  </a:extLst>
+                </p:spPr>
+                <p:txBody>
+                  <a:bodyPr wrap="none" anchor="ctr"/>
+                  <a:lstStyle/>
+                  <a:p>
+                    <a:endParaRPr lang="en-GB"/>
+                  </a:p>
+                </p:txBody>
+              </p:sp>
+              <p:sp>
+                <p:nvSpPr>
+                  <p:cNvPr id="8203" name="Text Box 11"/>
+                  <p:cNvSpPr txBox="1">
+                    <a:spLocks noChangeArrowheads="1"/>
+                  </p:cNvSpPr>
+                  <p:nvPr/>
+                </p:nvSpPr>
+                <p:spPr bwMode="auto">
+                  <a:xfrm>
+                    <a:off x="1541" y="849"/>
+                    <a:ext cx="783" cy="321"/>
+                  </a:xfrm>
+                  <a:prstGeom prst="rect">
+                    <a:avLst/>
+                  </a:prstGeom>
+                  <a:noFill/>
+                  <a:ln>
+                    <a:noFill/>
+                  </a:ln>
+                  <a:extLst>
+                    <a:ext uri="{909E8E84-426E-40DD-AFC4-6F175D3DCCD1}">
+                      <a14:hiddenFill xmlns:a14="http://schemas.microsoft.com/office/drawing/2010/main">
+                        <a:solidFill>
+                          <a:srgbClr val="FFFFFF"/>
+                        </a:solidFill>
+                      </a14:hiddenFill>
+                    </a:ext>
+                    <a:ext uri="{91240B29-F687-4F45-9708-019B960494DF}">
+                      <a14:hiddenLine xmlns:a14="http://schemas.microsoft.com/office/drawing/2010/main" w="9525">
+                        <a:solidFill>
+                          <a:srgbClr val="000000"/>
+                        </a:solidFill>
+                        <a:miter lim="800000"/>
+                        <a:headEnd/>
+                        <a:tailEnd/>
+                      </a14:hiddenLine>
+                    </a:ext>
+                  </a:extLst>
+                </p:spPr>
+                <p:txBody>
+                  <a:bodyPr lIns="0" tIns="0" rIns="0" bIns="0" anchor="ctr">
+                    <a:spAutoFit/>
+                  </a:bodyPr>
+                  <a:lstStyle>
+                    <a:lvl1pPr>
+                      <a:tabLst>
+                        <a:tab pos="0" algn="l"/>
+                        <a:tab pos="447675" algn="l"/>
+                        <a:tab pos="896938" algn="l"/>
+                        <a:tab pos="1346200" algn="l"/>
+                        <a:tab pos="1795463" algn="l"/>
+                        <a:tab pos="2244725" algn="l"/>
+                        <a:tab pos="2693988" algn="l"/>
+                        <a:tab pos="3143250" algn="l"/>
+                        <a:tab pos="3592513" algn="l"/>
+                        <a:tab pos="4041775" algn="l"/>
+                        <a:tab pos="4491038" algn="l"/>
+                        <a:tab pos="4940300" algn="l"/>
+                        <a:tab pos="5389563" algn="l"/>
+                        <a:tab pos="5838825" algn="l"/>
+                        <a:tab pos="6288088" algn="l"/>
+                        <a:tab pos="6737350" algn="l"/>
+                        <a:tab pos="7186613" algn="l"/>
+                        <a:tab pos="7635875" algn="l"/>
+                        <a:tab pos="8085138" algn="l"/>
+                        <a:tab pos="8534400" algn="l"/>
+                        <a:tab pos="8983663" algn="l"/>
+                      </a:tabLst>
+                      <a:defRPr sz="2400">
+                        <a:solidFill>
+                          <a:schemeClr val="tx1"/>
+                        </a:solidFill>
+                        <a:latin typeface="Times New Roman" pitchFamily="18" charset="0"/>
+                      </a:defRPr>
+                    </a:lvl1pPr>
+                    <a:lvl2pPr>
+                      <a:tabLst>
+                        <a:tab pos="0" algn="l"/>
+                        <a:tab pos="447675" algn="l"/>
+                        <a:tab pos="896938" algn="l"/>
+                        <a:tab pos="1346200" algn="l"/>
+                        <a:tab pos="1795463" algn="l"/>
+                        <a:tab pos="2244725" algn="l"/>
+                        <a:tab pos="2693988" algn="l"/>
+                        <a:tab pos="3143250" algn="l"/>
+                        <a:tab pos="3592513" algn="l"/>
+                        <a:tab pos="4041775" algn="l"/>
+                        <a:tab pos="4491038" algn="l"/>
+                        <a:tab pos="4940300" algn="l"/>
+                        <a:tab pos="5389563" algn="l"/>
+                        <a:tab pos="5838825" algn="l"/>
+                        <a:tab pos="6288088" algn="l"/>
+                        <a:tab pos="6737350" algn="l"/>
+                        <a:tab pos="7186613" algn="l"/>
+                        <a:tab pos="7635875" algn="l"/>
+                        <a:tab pos="8085138" algn="l"/>
+                        <a:tab pos="8534400" algn="l"/>
+                        <a:tab pos="8983663" algn="l"/>
+                      </a:tabLst>
+                      <a:defRPr sz="2400">
+                        <a:solidFill>
+                          <a:schemeClr val="tx1"/>
+                        </a:solidFill>
+                        <a:latin typeface="Times New Roman" pitchFamily="18" charset="0"/>
+                      </a:defRPr>
+                    </a:lvl2pPr>
+                    <a:lvl3pPr>
+                      <a:tabLst>
+                        <a:tab pos="0" algn="l"/>
+                        <a:tab pos="447675" algn="l"/>
+                        <a:tab pos="896938" algn="l"/>
+                        <a:tab pos="1346200" algn="l"/>
+                        <a:tab pos="1795463" algn="l"/>
+                        <a:tab pos="2244725" algn="l"/>
+                        <a:tab pos="2693988" algn="l"/>
+                        <a:tab pos="3143250" algn="l"/>
+                        <a:tab pos="3592513" algn="l"/>
+                        <a:tab pos="4041775" algn="l"/>
+                        <a:tab pos="4491038" algn="l"/>
+                        <a:tab pos="4940300" algn="l"/>
+                        <a:tab pos="5389563" algn="l"/>
+                        <a:tab pos="5838825" algn="l"/>
+                        <a:tab pos="6288088" algn="l"/>
+                        <a:tab pos="6737350" algn="l"/>
+                        <a:tab pos="7186613" algn="l"/>
+                        <a:tab pos="7635875" algn="l"/>
+                        <a:tab pos="8085138" algn="l"/>
+                        <a:tab pos="8534400" algn="l"/>
+                        <a:tab pos="8983663" algn="l"/>
+                      </a:tabLst>
+                      <a:defRPr sz="2400">
+                        <a:solidFill>
+                          <a:schemeClr val="tx1"/>
+                        </a:solidFill>
+                        <a:latin typeface="Times New Roman" pitchFamily="18" charset="0"/>
+                      </a:defRPr>
+                    </a:lvl3pPr>
+                    <a:lvl4pPr>
+                      <a:tabLst>
+                        <a:tab pos="0" algn="l"/>
+                        <a:tab pos="447675" algn="l"/>
+                        <a:tab pos="896938" algn="l"/>
+                        <a:tab pos="1346200" algn="l"/>
+                        <a:tab pos="1795463" algn="l"/>
+                        <a:tab pos="2244725" algn="l"/>
+                        <a:tab pos="2693988" algn="l"/>
+                        <a:tab pos="3143250" algn="l"/>
+                        <a:tab pos="3592513" algn="l"/>
+                        <a:tab pos="4041775" algn="l"/>
+                        <a:tab pos="4491038" algn="l"/>
+                        <a:tab pos="4940300" algn="l"/>
+                        <a:tab pos="5389563" algn="l"/>
+                        <a:tab pos="5838825" algn="l"/>
+                        <a:tab pos="6288088" algn="l"/>
+                        <a:tab pos="6737350" algn="l"/>
+                        <a:tab pos="7186613" algn="l"/>
+                        <a:tab pos="7635875" algn="l"/>
+                        <a:tab pos="8085138" algn="l"/>
+                        <a:tab pos="8534400" algn="l"/>
+                        <a:tab pos="8983663" algn="l"/>
+                      </a:tabLst>
+                      <a:defRPr sz="2400">
+                        <a:solidFill>
+                          <a:schemeClr val="tx1"/>
+                        </a:solidFill>
+                        <a:latin typeface="Times New Roman" pitchFamily="18" charset="0"/>
+                      </a:defRPr>
+                    </a:lvl4pPr>
+                    <a:lvl5pPr>
+                      <a:tabLst>
+                        <a:tab pos="0" algn="l"/>
+                        <a:tab pos="447675" algn="l"/>
+                        <a:tab pos="896938" algn="l"/>
+                        <a:tab pos="1346200" algn="l"/>
+                        <a:tab pos="1795463" algn="l"/>
+                        <a:tab pos="2244725" algn="l"/>
+                        <a:tab pos="2693988" algn="l"/>
+                        <a:tab pos="3143250" algn="l"/>
+                        <a:tab pos="3592513" algn="l"/>
+                        <a:tab pos="4041775" algn="l"/>
+                        <a:tab pos="4491038" algn="l"/>
+                        <a:tab pos="4940300" algn="l"/>
+                        <a:tab pos="5389563" algn="l"/>
+                        <a:tab pos="5838825" algn="l"/>
+                        <a:tab pos="6288088" algn="l"/>
+                        <a:tab pos="6737350" algn="l"/>
+                        <a:tab pos="7186613" algn="l"/>
+                        <a:tab pos="7635875" algn="l"/>
+                        <a:tab pos="8085138" algn="l"/>
+                        <a:tab pos="8534400" algn="l"/>
+                        <a:tab pos="8983663" algn="l"/>
+                      </a:tabLst>
+                      <a:defRPr sz="2400">
+                        <a:solidFill>
+                          <a:schemeClr val="tx1"/>
+                        </a:solidFill>
+                        <a:latin typeface="Times New Roman" pitchFamily="18" charset="0"/>
+                      </a:defRPr>
+                    </a:lvl5pPr>
+                    <a:lvl6pPr eaLnBrk="0" fontAlgn="base" hangingPunct="0">
+                      <a:spcBef>
+                        <a:spcPct val="0"/>
+                      </a:spcBef>
+                      <a:spcAft>
+                        <a:spcPct val="0"/>
+                      </a:spcAft>
+                      <a:tabLst>
+                        <a:tab pos="0" algn="l"/>
+                        <a:tab pos="447675" algn="l"/>
+                        <a:tab pos="896938" algn="l"/>
+                        <a:tab pos="1346200" algn="l"/>
+                        <a:tab pos="1795463" algn="l"/>
+                        <a:tab pos="2244725" algn="l"/>
+                        <a:tab pos="2693988" algn="l"/>
+                        <a:tab pos="3143250" algn="l"/>
+                        <a:tab pos="3592513" algn="l"/>
+                        <a:tab pos="4041775" algn="l"/>
+                        <a:tab pos="4491038" algn="l"/>
+                        <a:tab pos="4940300" algn="l"/>
+                        <a:tab pos="5389563" algn="l"/>
+                        <a:tab pos="5838825" algn="l"/>
+                        <a:tab pos="6288088" algn="l"/>
+                        <a:tab pos="6737350" algn="l"/>
+                        <a:tab pos="7186613" algn="l"/>
+                        <a:tab pos="7635875" algn="l"/>
+                        <a:tab pos="8085138" algn="l"/>
+                        <a:tab pos="8534400" algn="l"/>
+                        <a:tab pos="8983663" algn="l"/>
+                      </a:tabLst>
+                      <a:defRPr sz="2400">
+                        <a:solidFill>
+                          <a:schemeClr val="tx1"/>
+                        </a:solidFill>
+                        <a:latin typeface="Times New Roman" pitchFamily="18" charset="0"/>
+                      </a:defRPr>
+                    </a:lvl6pPr>
+                    <a:lvl7pPr eaLnBrk="0" fontAlgn="base" hangingPunct="0">
+                      <a:spcBef>
+                        <a:spcPct val="0"/>
+                      </a:spcBef>
+                      <a:spcAft>
+                        <a:spcPct val="0"/>
+                      </a:spcAft>
+                      <a:tabLst>
+                        <a:tab pos="0" algn="l"/>
+                        <a:tab pos="447675" algn="l"/>
+                        <a:tab pos="896938" algn="l"/>
+                        <a:tab pos="1346200" algn="l"/>
+                        <a:tab pos="1795463" algn="l"/>
+                        <a:tab pos="2244725" algn="l"/>
+                        <a:tab pos="2693988" algn="l"/>
+                        <a:tab pos="3143250" algn="l"/>
+                        <a:tab pos="3592513" algn="l"/>
+                        <a:tab pos="4041775" algn="l"/>
+                        <a:tab pos="4491038" algn="l"/>
+                        <a:tab pos="4940300" algn="l"/>
+                        <a:tab pos="5389563" algn="l"/>
+                        <a:tab pos="5838825" algn="l"/>
+                        <a:tab pos="6288088" algn="l"/>
+                        <a:tab pos="6737350" algn="l"/>
+                        <a:tab pos="7186613" algn="l"/>
+                        <a:tab pos="7635875" algn="l"/>
+                        <a:tab pos="8085138" algn="l"/>
+                        <a:tab pos="8534400" algn="l"/>
+                        <a:tab pos="8983663" algn="l"/>
+                      </a:tabLst>
+                      <a:defRPr sz="2400">
+                        <a:solidFill>
+                          <a:schemeClr val="tx1"/>
+                        </a:solidFill>
+                        <a:latin typeface="Times New Roman" pitchFamily="18" charset="0"/>
+                      </a:defRPr>
+                    </a:lvl7pPr>
+                    <a:lvl8pPr eaLnBrk="0" fontAlgn="base" hangingPunct="0">
+                      <a:spcBef>
+                        <a:spcPct val="0"/>
+                      </a:spcBef>
+                      <a:spcAft>
+                        <a:spcPct val="0"/>
+                      </a:spcAft>
+                      <a:tabLst>
+                        <a:tab pos="0" algn="l"/>
+                        <a:tab pos="447675" algn="l"/>
+                        <a:tab pos="896938" algn="l"/>
+                        <a:tab pos="1346200" algn="l"/>
+                        <a:tab pos="1795463" algn="l"/>
+                        <a:tab pos="2244725" algn="l"/>
+                        <a:tab pos="2693988" algn="l"/>
+                        <a:tab pos="3143250" algn="l"/>
+                        <a:tab pos="3592513" algn="l"/>
+                        <a:tab pos="4041775" algn="l"/>
+                        <a:tab pos="4491038" algn="l"/>
+                        <a:tab pos="4940300" algn="l"/>
+                        <a:tab pos="5389563" algn="l"/>
+                        <a:tab pos="5838825" algn="l"/>
+                        <a:tab pos="6288088" algn="l"/>
+                        <a:tab pos="6737350" algn="l"/>
+                        <a:tab pos="7186613" algn="l"/>
+                        <a:tab pos="7635875" algn="l"/>
+                        <a:tab pos="8085138" algn="l"/>
+                        <a:tab pos="8534400" algn="l"/>
+                        <a:tab pos="8983663" algn="l"/>
+                      </a:tabLst>
+                      <a:defRPr sz="2400">
+                        <a:solidFill>
+                          <a:schemeClr val="tx1"/>
+                        </a:solidFill>
+                        <a:latin typeface="Times New Roman" pitchFamily="18" charset="0"/>
+                      </a:defRPr>
+                    </a:lvl8pPr>
+                    <a:lvl9pPr eaLnBrk="0" fontAlgn="base" hangingPunct="0">
+                      <a:spcBef>
+                        <a:spcPct val="0"/>
+                      </a:spcBef>
+                      <a:spcAft>
+                        <a:spcPct val="0"/>
+                      </a:spcAft>
+                      <a:tabLst>
+                        <a:tab pos="0" algn="l"/>
+                        <a:tab pos="447675" algn="l"/>
+                        <a:tab pos="896938" algn="l"/>
+                        <a:tab pos="1346200" algn="l"/>
+                        <a:tab pos="1795463" algn="l"/>
+                        <a:tab pos="2244725" algn="l"/>
+                        <a:tab pos="2693988" algn="l"/>
+                        <a:tab pos="3143250" algn="l"/>
+                        <a:tab pos="3592513" algn="l"/>
+                        <a:tab pos="4041775" algn="l"/>
+                        <a:tab pos="4491038" algn="l"/>
+                        <a:tab pos="4940300" algn="l"/>
+                        <a:tab pos="5389563" algn="l"/>
+                        <a:tab pos="5838825" algn="l"/>
+                        <a:tab pos="6288088" algn="l"/>
+                        <a:tab pos="6737350" algn="l"/>
+                        <a:tab pos="7186613" algn="l"/>
+                        <a:tab pos="7635875" algn="l"/>
+                        <a:tab pos="8085138" algn="l"/>
+                        <a:tab pos="8534400" algn="l"/>
+                        <a:tab pos="8983663" algn="l"/>
+                      </a:tabLst>
+                      <a:defRPr sz="2400">
+                        <a:solidFill>
+                          <a:schemeClr val="tx1"/>
+                        </a:solidFill>
+                        <a:latin typeface="Times New Roman" pitchFamily="18" charset="0"/>
+                      </a:defRPr>
+                    </a:lvl9pPr>
+                  </a:lstStyle>
+                  <a:p>
+                    <a:pPr algn="ctr">
+                      <a:lnSpc>
+                        <a:spcPts val="2116"/>
+                      </a:lnSpc>
+                      <a:buClr>
+                        <a:srgbClr val="000000"/>
+                      </a:buClr>
+                    </a:pPr>
+                    <a:r>
+                      <a:rPr lang="en-GB" sz="2100" b="1" dirty="0">
+                        <a:solidFill>
+                          <a:schemeClr val="bg1"/>
+                        </a:solidFill>
+                        <a:latin typeface="Verdana" pitchFamily="34" charset="0"/>
+                        <a:ea typeface="HG Mincho Light J" charset="0"/>
+                        <a:cs typeface="HG Mincho Light J" charset="0"/>
+                      </a:rPr>
+                      <a:t>Client Browser</a:t>
+                    </a:r>
+                  </a:p>
+                </p:txBody>
+              </p:sp>
+            </p:grpSp>
+            <p:sp>
+              <p:nvSpPr>
+                <p:cNvPr id="8204" name="Text Box 12"/>
+                <p:cNvSpPr txBox="1">
+                  <a:spLocks noChangeArrowheads="1"/>
+                </p:cNvSpPr>
+                <p:nvPr/>
+              </p:nvSpPr>
+              <p:spPr bwMode="auto">
+                <a:xfrm>
+                  <a:off x="1841" y="1440"/>
+                  <a:ext cx="119" cy="222"/>
+                </a:xfrm>
+                <a:prstGeom prst="rect">
+                  <a:avLst/>
+                </a:prstGeom>
+                <a:noFill/>
+                <a:ln>
+                  <a:noFill/>
+                </a:ln>
+                <a:extLst>
+                  <a:ext uri="{909E8E84-426E-40DD-AFC4-6F175D3DCCD1}">
+                    <a14:hiddenFill xmlns:a14="http://schemas.microsoft.com/office/drawing/2010/main">
+                      <a:solidFill>
+                        <a:srgbClr val="FFFFFF"/>
+                      </a:solidFill>
+                    </a14:hiddenFill>
+                  </a:ext>
+                  <a:ext uri="{91240B29-F687-4F45-9708-019B960494DF}">
+                    <a14:hiddenLine xmlns:a14="http://schemas.microsoft.com/office/drawing/2010/main" w="9525">
+                      <a:solidFill>
+                        <a:srgbClr val="000000"/>
+                      </a:solidFill>
+                      <a:miter lim="800000"/>
+                      <a:headEnd/>
+                      <a:tailEnd/>
+                    </a14:hiddenLine>
+                  </a:ext>
+                </a:extLst>
+              </p:spPr>
+              <p:txBody>
+                <a:bodyPr lIns="0" tIns="0" rIns="0" bIns="0">
+                  <a:spAutoFit/>
+                </a:bodyPr>
+                <a:lstStyle>
+                  <a:lvl1pPr>
+                    <a:tabLst>
+                      <a:tab pos="0" algn="l"/>
+                      <a:tab pos="447675" algn="l"/>
+                      <a:tab pos="896938" algn="l"/>
+                      <a:tab pos="1346200" algn="l"/>
+                      <a:tab pos="1795463" algn="l"/>
+                      <a:tab pos="2244725" algn="l"/>
+                      <a:tab pos="2693988" algn="l"/>
+                      <a:tab pos="3143250" algn="l"/>
+                      <a:tab pos="3592513" algn="l"/>
+                      <a:tab pos="4041775" algn="l"/>
+                      <a:tab pos="4491038" algn="l"/>
+                      <a:tab pos="4940300" algn="l"/>
+                      <a:tab pos="5389563" algn="l"/>
+                      <a:tab pos="5838825" algn="l"/>
+                      <a:tab pos="6288088" algn="l"/>
+                      <a:tab pos="6737350" algn="l"/>
+                      <a:tab pos="7186613" algn="l"/>
+                      <a:tab pos="7635875" algn="l"/>
+                      <a:tab pos="8085138" algn="l"/>
+                      <a:tab pos="8534400" algn="l"/>
+                      <a:tab pos="8983663" algn="l"/>
+                    </a:tabLst>
+                    <a:defRPr sz="2400">
+                      <a:solidFill>
+                        <a:schemeClr val="tx1"/>
+                      </a:solidFill>
+                      <a:latin typeface="Times New Roman" pitchFamily="18" charset="0"/>
+                    </a:defRPr>
+                  </a:lvl1pPr>
+                  <a:lvl2pPr>
+                    <a:tabLst>
+                      <a:tab pos="0" algn="l"/>
+                      <a:tab pos="447675" algn="l"/>
+                      <a:tab pos="896938" algn="l"/>
+                      <a:tab pos="1346200" algn="l"/>
+                      <a:tab pos="1795463" algn="l"/>
+                      <a:tab pos="2244725" algn="l"/>
+                      <a:tab pos="2693988" algn="l"/>
+                      <a:tab pos="3143250" algn="l"/>
+                      <a:tab pos="3592513" algn="l"/>
+                      <a:tab pos="4041775" algn="l"/>
+                      <a:tab pos="4491038" algn="l"/>
+                      <a:tab pos="4940300" algn="l"/>
+                      <a:tab pos="5389563" algn="l"/>
+                      <a:tab pos="5838825" algn="l"/>
+                      <a:tab pos="6288088" algn="l"/>
+                      <a:tab pos="6737350" algn="l"/>
+                      <a:tab pos="7186613" algn="l"/>
+                      <a:tab pos="7635875" algn="l"/>
+                      <a:tab pos="8085138" algn="l"/>
+                      <a:tab pos="8534400" algn="l"/>
+                      <a:tab pos="8983663" algn="l"/>
+                    </a:tabLst>
+                    <a:defRPr sz="2400">
+                      <a:solidFill>
+                        <a:schemeClr val="tx1"/>
+                      </a:solidFill>
+                      <a:latin typeface="Times New Roman" pitchFamily="18" charset="0"/>
+                    </a:defRPr>
+                  </a:lvl2pPr>
+                  <a:lvl3pPr>
+                    <a:tabLst>
+                      <a:tab pos="0" algn="l"/>
+                      <a:tab pos="447675" algn="l"/>
+                      <a:tab pos="896938" algn="l"/>
+                      <a:tab pos="1346200" algn="l"/>
+                      <a:tab pos="1795463" algn="l"/>
+                      <a:tab pos="2244725" algn="l"/>
+                      <a:tab pos="2693988" algn="l"/>
+                      <a:tab pos="3143250" algn="l"/>
+                      <a:tab pos="3592513" algn="l"/>
+                      <a:tab pos="4041775" algn="l"/>
+                      <a:tab pos="4491038" algn="l"/>
+                      <a:tab pos="4940300" algn="l"/>
+                      <a:tab pos="5389563" algn="l"/>
+                      <a:tab pos="5838825" algn="l"/>
+                      <a:tab pos="6288088" algn="l"/>
+                      <a:tab pos="6737350" algn="l"/>
+                      <a:tab pos="7186613" algn="l"/>
+                      <a:tab pos="7635875" algn="l"/>
+                      <a:tab pos="8085138" algn="l"/>
+                      <a:tab pos="8534400" algn="l"/>
+                      <a:tab pos="8983663" algn="l"/>
+                    </a:tabLst>
+                    <a:defRPr sz="2400">
+                      <a:solidFill>
+                        <a:schemeClr val="tx1"/>
+                      </a:solidFill>
+                      <a:latin typeface="Times New Roman" pitchFamily="18" charset="0"/>
+                    </a:defRPr>
+                  </a:lvl3pPr>
+                  <a:lvl4pPr>
+                    <a:tabLst>
+                      <a:tab pos="0" algn="l"/>
+                      <a:tab pos="447675" algn="l"/>
+                      <a:tab pos="896938" algn="l"/>
+                      <a:tab pos="1346200" algn="l"/>
+                      <a:tab pos="1795463" algn="l"/>
+                      <a:tab pos="2244725" algn="l"/>
+                      <a:tab pos="2693988" algn="l"/>
+                      <a:tab pos="3143250" algn="l"/>
+                      <a:tab pos="3592513" algn="l"/>
+                      <a:tab pos="4041775" algn="l"/>
+                      <a:tab pos="4491038" algn="l"/>
+                      <a:tab pos="4940300" algn="l"/>
+                      <a:tab pos="5389563" algn="l"/>
+                      <a:tab pos="5838825" algn="l"/>
+                      <a:tab pos="6288088" algn="l"/>
+                      <a:tab pos="6737350" algn="l"/>
+                      <a:tab pos="7186613" algn="l"/>
+                      <a:tab pos="7635875" algn="l"/>
+                      <a:tab pos="8085138" algn="l"/>
+                      <a:tab pos="8534400" algn="l"/>
+                      <a:tab pos="8983663" algn="l"/>
+                    </a:tabLst>
+                    <a:defRPr sz="2400">
+                      <a:solidFill>
+                        <a:schemeClr val="tx1"/>
+                      </a:solidFill>
+                      <a:latin typeface="Times New Roman" pitchFamily="18" charset="0"/>
+                    </a:defRPr>
+                  </a:lvl4pPr>
+                  <a:lvl5pPr>
+                    <a:tabLst>
+                      <a:tab pos="0" algn="l"/>
+                      <a:tab pos="447675" algn="l"/>
+                      <a:tab pos="896938" algn="l"/>
+                      <a:tab pos="1346200" algn="l"/>
+                      <a:tab pos="1795463" algn="l"/>
+                      <a:tab pos="2244725" algn="l"/>
+                      <a:tab pos="2693988" algn="l"/>
+                      <a:tab pos="3143250" algn="l"/>
+                      <a:tab pos="3592513" algn="l"/>
+                      <a:tab pos="4041775" algn="l"/>
+                      <a:tab pos="4491038" algn="l"/>
+                      <a:tab pos="4940300" algn="l"/>
+                      <a:tab pos="5389563" algn="l"/>
+                      <a:tab pos="5838825" algn="l"/>
+                      <a:tab pos="6288088" algn="l"/>
+                      <a:tab pos="6737350" algn="l"/>
+                      <a:tab pos="7186613" algn="l"/>
+                      <a:tab pos="7635875" algn="l"/>
+                      <a:tab pos="8085138" algn="l"/>
+                      <a:tab pos="8534400" algn="l"/>
+                      <a:tab pos="8983663" algn="l"/>
+                    </a:tabLst>
+                    <a:defRPr sz="2400">
+                      <a:solidFill>
+                        <a:schemeClr val="tx1"/>
+                      </a:solidFill>
+                      <a:latin typeface="Times New Roman" pitchFamily="18" charset="0"/>
+                    </a:defRPr>
+                  </a:lvl5pPr>
+                  <a:lvl6pPr eaLnBrk="0" fontAlgn="base" hangingPunct="0">
+                    <a:spcBef>
+                      <a:spcPct val="0"/>
+                    </a:spcBef>
+                    <a:spcAft>
+                      <a:spcPct val="0"/>
+                    </a:spcAft>
+                    <a:tabLst>
+                      <a:tab pos="0" algn="l"/>
+                      <a:tab pos="447675" algn="l"/>
+                      <a:tab pos="896938" algn="l"/>
+                      <a:tab pos="1346200" algn="l"/>
+                      <a:tab pos="1795463" algn="l"/>
+                      <a:tab pos="2244725" algn="l"/>
+                      <a:tab pos="2693988" algn="l"/>
+                      <a:tab pos="3143250" algn="l"/>
+                      <a:tab pos="3592513" algn="l"/>
+                      <a:tab pos="4041775" algn="l"/>
+                      <a:tab pos="4491038" algn="l"/>
+                      <a:tab pos="4940300" algn="l"/>
+                      <a:tab pos="5389563" algn="l"/>
+                      <a:tab pos="5838825" algn="l"/>
+                      <a:tab pos="6288088" algn="l"/>
+                      <a:tab pos="6737350" algn="l"/>
+                      <a:tab pos="7186613" algn="l"/>
+                      <a:tab pos="7635875" algn="l"/>
+                      <a:tab pos="8085138" algn="l"/>
+                      <a:tab pos="8534400" algn="l"/>
+                      <a:tab pos="8983663" algn="l"/>
+                    </a:tabLst>
+                    <a:defRPr sz="2400">
+                      <a:solidFill>
+                        <a:schemeClr val="tx1"/>
+                      </a:solidFill>
+                      <a:latin typeface="Times New Roman" pitchFamily="18" charset="0"/>
+                    </a:defRPr>
+                  </a:lvl6pPr>
+                  <a:lvl7pPr eaLnBrk="0" fontAlgn="base" hangingPunct="0">
+                    <a:spcBef>
+                      <a:spcPct val="0"/>
+                    </a:spcBef>
+                    <a:spcAft>
+                      <a:spcPct val="0"/>
+                    </a:spcAft>
+                    <a:tabLst>
+                      <a:tab pos="0" algn="l"/>
+                      <a:tab pos="447675" algn="l"/>
+                      <a:tab pos="896938" algn="l"/>
+                      <a:tab pos="1346200" algn="l"/>
+                      <a:tab pos="1795463" algn="l"/>
+                      <a:tab pos="2244725" algn="l"/>
+                      <a:tab pos="2693988" algn="l"/>
+                      <a:tab pos="3143250" algn="l"/>
+                      <a:tab pos="3592513" algn="l"/>
+                      <a:tab pos="4041775" algn="l"/>
+                      <a:tab pos="4491038" algn="l"/>
+                      <a:tab pos="4940300" algn="l"/>
+                      <a:tab pos="5389563" algn="l"/>
+                      <a:tab pos="5838825" algn="l"/>
+                      <a:tab pos="6288088" algn="l"/>
+                      <a:tab pos="6737350" algn="l"/>
+                      <a:tab pos="7186613" algn="l"/>
+                      <a:tab pos="7635875" algn="l"/>
+                      <a:tab pos="8085138" algn="l"/>
+                      <a:tab pos="8534400" algn="l"/>
+                      <a:tab pos="8983663" algn="l"/>
+                    </a:tabLst>
+                    <a:defRPr sz="2400">
+                      <a:solidFill>
+                        <a:schemeClr val="tx1"/>
+                      </a:solidFill>
+                      <a:latin typeface="Times New Roman" pitchFamily="18" charset="0"/>
+                    </a:defRPr>
+                  </a:lvl7pPr>
+                  <a:lvl8pPr eaLnBrk="0" fontAlgn="base" hangingPunct="0">
+                    <a:spcBef>
+                      <a:spcPct val="0"/>
+                    </a:spcBef>
+                    <a:spcAft>
+                      <a:spcPct val="0"/>
+                    </a:spcAft>
+                    <a:tabLst>
+                      <a:tab pos="0" algn="l"/>
+                      <a:tab pos="447675" algn="l"/>
+                      <a:tab pos="896938" algn="l"/>
+                      <a:tab pos="1346200" algn="l"/>
+                      <a:tab pos="1795463" algn="l"/>
+                      <a:tab pos="2244725" algn="l"/>
+                      <a:tab pos="2693988" algn="l"/>
+                      <a:tab pos="3143250" algn="l"/>
+                      <a:tab pos="3592513" algn="l"/>
+                      <a:tab pos="4041775" algn="l"/>
+                      <a:tab pos="4491038" algn="l"/>
+                      <a:tab pos="4940300" algn="l"/>
+                      <a:tab pos="5389563" algn="l"/>
+                      <a:tab pos="5838825" algn="l"/>
+                      <a:tab pos="6288088" algn="l"/>
+                      <a:tab pos="6737350" algn="l"/>
+                      <a:tab pos="7186613" algn="l"/>
+                      <a:tab pos="7635875" algn="l"/>
+                      <a:tab pos="8085138" algn="l"/>
+                      <a:tab pos="8534400" algn="l"/>
+                      <a:tab pos="8983663" algn="l"/>
+                    </a:tabLst>
+                    <a:defRPr sz="2400">
+                      <a:solidFill>
+                        <a:schemeClr val="tx1"/>
+                      </a:solidFill>
+                      <a:latin typeface="Times New Roman" pitchFamily="18" charset="0"/>
+                    </a:defRPr>
+                  </a:lvl8pPr>
+                  <a:lvl9pPr eaLnBrk="0" fontAlgn="base" hangingPunct="0">
+                    <a:spcBef>
+                      <a:spcPct val="0"/>
+                    </a:spcBef>
+                    <a:spcAft>
+                      <a:spcPct val="0"/>
+                    </a:spcAft>
+                    <a:tabLst>
+                      <a:tab pos="0" algn="l"/>
+                      <a:tab pos="447675" algn="l"/>
+                      <a:tab pos="896938" algn="l"/>
+                      <a:tab pos="1346200" algn="l"/>
+                      <a:tab pos="1795463" algn="l"/>
+                      <a:tab pos="2244725" algn="l"/>
+                      <a:tab pos="2693988" algn="l"/>
+                      <a:tab pos="3143250" algn="l"/>
+                      <a:tab pos="3592513" algn="l"/>
+                      <a:tab pos="4041775" algn="l"/>
+                      <a:tab pos="4491038" algn="l"/>
+                      <a:tab pos="4940300" algn="l"/>
+                      <a:tab pos="5389563" algn="l"/>
+                      <a:tab pos="5838825" algn="l"/>
+                      <a:tab pos="6288088" algn="l"/>
+                      <a:tab pos="6737350" algn="l"/>
+                      <a:tab pos="7186613" algn="l"/>
+                      <a:tab pos="7635875" algn="l"/>
+                      <a:tab pos="8085138" algn="l"/>
+                      <a:tab pos="8534400" algn="l"/>
+                      <a:tab pos="8983663" algn="l"/>
+                    </a:tabLst>
+                    <a:defRPr sz="2400">
+                      <a:solidFill>
+                        <a:schemeClr val="tx1"/>
+                      </a:solidFill>
+                      <a:latin typeface="Times New Roman" pitchFamily="18" charset="0"/>
+                    </a:defRPr>
+                  </a:lvl9pPr>
+                </a:lstStyle>
+                <a:p>
+                  <a:pPr eaLnBrk="1">
+                    <a:lnSpc>
+                      <a:spcPct val="101000"/>
+                    </a:lnSpc>
+                    <a:buClr>
+                      <a:srgbClr val="000000"/>
+                    </a:buClr>
+                    <a:buSzPct val="45000"/>
+                    <a:buFont typeface="StarSymbol" charset="0"/>
+                    <a:buNone/>
+                  </a:pPr>
+                  <a:r>
+                    <a:rPr lang="en-GB" dirty="0">
+                      <a:latin typeface="Verdana" pitchFamily="34" charset="0"/>
+                      <a:ea typeface="HG Mincho Light J" charset="0"/>
+                      <a:cs typeface="HG Mincho Light J" charset="0"/>
+                    </a:rPr>
+                    <a:t>1</a:t>
+                  </a:r>
+                </a:p>
+              </p:txBody>
+            </p:sp>
+            <p:grpSp>
+              <p:nvGrpSpPr>
+                <p:cNvPr id="8205" name="Group 13"/>
+                <p:cNvGrpSpPr>
+                  <a:grpSpLocks/>
+                </p:cNvGrpSpPr>
+                <p:nvPr/>
+              </p:nvGrpSpPr>
+              <p:grpSpPr bwMode="auto">
+                <a:xfrm>
+                  <a:off x="3756" y="1434"/>
+                  <a:ext cx="783" cy="456"/>
+                  <a:chOff x="3756" y="1434"/>
+                  <a:chExt cx="783" cy="456"/>
+                </a:xfrm>
+              </p:grpSpPr>
+              <p:sp>
+                <p:nvSpPr>
+                  <p:cNvPr id="8206" name="AutoShape 14"/>
+                  <p:cNvSpPr>
+                    <a:spLocks noChangeArrowheads="1"/>
+                  </p:cNvSpPr>
+                  <p:nvPr/>
+                </p:nvSpPr>
+                <p:spPr bwMode="auto">
+                  <a:xfrm>
+                    <a:off x="3756" y="1434"/>
+                    <a:ext cx="783" cy="456"/>
+                  </a:xfrm>
+                  <a:prstGeom prst="roundRect">
+                    <a:avLst>
+                      <a:gd name="adj" fmla="val 218"/>
+                    </a:avLst>
+                  </a:prstGeom>
+                  <a:noFill/>
+                  <a:ln w="9360">
+                    <a:solidFill>
+                      <a:srgbClr val="000000"/>
+                    </a:solidFill>
+                    <a:round/>
+                    <a:headEnd/>
+                    <a:tailEnd/>
+                  </a:ln>
+                  <a:extLst>
+                    <a:ext uri="{909E8E84-426E-40DD-AFC4-6F175D3DCCD1}">
+                      <a14:hiddenFill xmlns:a14="http://schemas.microsoft.com/office/drawing/2010/main">
+                        <a:solidFill>
+                          <a:srgbClr val="FFFFFF"/>
+                        </a:solidFill>
+                      </a14:hiddenFill>
+                    </a:ext>
+                  </a:extLst>
+                </p:spPr>
+                <p:txBody>
+                  <a:bodyPr wrap="none" anchor="ctr"/>
+                  <a:lstStyle/>
+                  <a:p>
+                    <a:endParaRPr lang="en-GB"/>
+                  </a:p>
+                </p:txBody>
+              </p:sp>
+              <p:sp>
+                <p:nvSpPr>
+                  <p:cNvPr id="8207" name="Text Box 15"/>
+                  <p:cNvSpPr txBox="1">
+                    <a:spLocks noChangeArrowheads="1"/>
+                  </p:cNvSpPr>
+                  <p:nvPr/>
+                </p:nvSpPr>
+                <p:spPr bwMode="auto">
+                  <a:xfrm>
+                    <a:off x="3756" y="1502"/>
+                    <a:ext cx="783" cy="321"/>
+                  </a:xfrm>
+                  <a:prstGeom prst="rect">
+                    <a:avLst/>
+                  </a:prstGeom>
+                  <a:noFill/>
+                  <a:ln>
+                    <a:noFill/>
+                  </a:ln>
+                  <a:extLst>
+                    <a:ext uri="{909E8E84-426E-40DD-AFC4-6F175D3DCCD1}">
+                      <a14:hiddenFill xmlns:a14="http://schemas.microsoft.com/office/drawing/2010/main">
+                        <a:solidFill>
+                          <a:srgbClr val="FFFFFF"/>
+                        </a:solidFill>
+                      </a14:hiddenFill>
+                    </a:ext>
+                    <a:ext uri="{91240B29-F687-4F45-9708-019B960494DF}">
+                      <a14:hiddenLine xmlns:a14="http://schemas.microsoft.com/office/drawing/2010/main" w="9525">
+                        <a:solidFill>
+                          <a:srgbClr val="000000"/>
+                        </a:solidFill>
+                        <a:miter lim="800000"/>
+                        <a:headEnd/>
+                        <a:tailEnd/>
+                      </a14:hiddenLine>
+                    </a:ext>
+                  </a:extLst>
+                </p:spPr>
+                <p:txBody>
+                  <a:bodyPr lIns="0" tIns="0" rIns="0" bIns="0" anchor="ctr">
+                    <a:spAutoFit/>
+                  </a:bodyPr>
+                  <a:lstStyle>
+                    <a:lvl1pPr>
+                      <a:tabLst>
+                        <a:tab pos="0" algn="l"/>
+                        <a:tab pos="447675" algn="l"/>
+                        <a:tab pos="896938" algn="l"/>
+                        <a:tab pos="1346200" algn="l"/>
+                        <a:tab pos="1795463" algn="l"/>
+                        <a:tab pos="2244725" algn="l"/>
+                        <a:tab pos="2693988" algn="l"/>
+                        <a:tab pos="3143250" algn="l"/>
+                        <a:tab pos="3592513" algn="l"/>
+                        <a:tab pos="4041775" algn="l"/>
+                        <a:tab pos="4491038" algn="l"/>
+                        <a:tab pos="4940300" algn="l"/>
+                        <a:tab pos="5389563" algn="l"/>
+                        <a:tab pos="5838825" algn="l"/>
+                        <a:tab pos="6288088" algn="l"/>
+                        <a:tab pos="6737350" algn="l"/>
+                        <a:tab pos="7186613" algn="l"/>
+                        <a:tab pos="7635875" algn="l"/>
+                        <a:tab pos="8085138" algn="l"/>
+                        <a:tab pos="8534400" algn="l"/>
+                        <a:tab pos="8983663" algn="l"/>
+                      </a:tabLst>
+                      <a:defRPr sz="2400">
+                        <a:solidFill>
+                          <a:schemeClr val="tx1"/>
+                        </a:solidFill>
+                        <a:latin typeface="Times New Roman" pitchFamily="18" charset="0"/>
+                      </a:defRPr>
+                    </a:lvl1pPr>
+                    <a:lvl2pPr>
+                      <a:tabLst>
+                        <a:tab pos="0" algn="l"/>
+                        <a:tab pos="447675" algn="l"/>
+                        <a:tab pos="896938" algn="l"/>
+                        <a:tab pos="1346200" algn="l"/>
+                        <a:tab pos="1795463" algn="l"/>
+                        <a:tab pos="2244725" algn="l"/>
+                        <a:tab pos="2693988" algn="l"/>
+                        <a:tab pos="3143250" algn="l"/>
+                        <a:tab pos="3592513" algn="l"/>
+                        <a:tab pos="4041775" algn="l"/>
+                        <a:tab pos="4491038" algn="l"/>
+                        <a:tab pos="4940300" algn="l"/>
+                        <a:tab pos="5389563" algn="l"/>
+                        <a:tab pos="5838825" algn="l"/>
+                        <a:tab pos="6288088" algn="l"/>
+                        <a:tab pos="6737350" algn="l"/>
+                        <a:tab pos="7186613" algn="l"/>
+                        <a:tab pos="7635875" algn="l"/>
+                        <a:tab pos="8085138" algn="l"/>
+                        <a:tab pos="8534400" algn="l"/>
+                        <a:tab pos="8983663" algn="l"/>
+                      </a:tabLst>
+                      <a:defRPr sz="2400">
+                        <a:solidFill>
+                          <a:schemeClr val="tx1"/>
+                        </a:solidFill>
+                        <a:latin typeface="Times New Roman" pitchFamily="18" charset="0"/>
+                      </a:defRPr>
+                    </a:lvl2pPr>
+                    <a:lvl3pPr>
+                      <a:tabLst>
+                        <a:tab pos="0" algn="l"/>
+                        <a:tab pos="447675" algn="l"/>
+                        <a:tab pos="896938" algn="l"/>
+                        <a:tab pos="1346200" algn="l"/>
+                        <a:tab pos="1795463" algn="l"/>
+                        <a:tab pos="2244725" algn="l"/>
+                        <a:tab pos="2693988" algn="l"/>
+                        <a:tab pos="3143250" algn="l"/>
+                        <a:tab pos="3592513" algn="l"/>
+                        <a:tab pos="4041775" algn="l"/>
+                        <a:tab pos="4491038" algn="l"/>
+                        <a:tab pos="4940300" algn="l"/>
+                        <a:tab pos="5389563" algn="l"/>
+                        <a:tab pos="5838825" algn="l"/>
+                        <a:tab pos="6288088" algn="l"/>
+                        <a:tab pos="6737350" algn="l"/>
+                        <a:tab pos="7186613" algn="l"/>
+                        <a:tab pos="7635875" algn="l"/>
+                        <a:tab pos="8085138" algn="l"/>
+                        <a:tab pos="8534400" algn="l"/>
+                        <a:tab pos="8983663" algn="l"/>
+                      </a:tabLst>
+                      <a:defRPr sz="2400">
+                        <a:solidFill>
+                          <a:schemeClr val="tx1"/>
+                        </a:solidFill>
+                        <a:latin typeface="Times New Roman" pitchFamily="18" charset="0"/>
+                      </a:defRPr>
+                    </a:lvl3pPr>
+                    <a:lvl4pPr>
+                      <a:tabLst>
+                        <a:tab pos="0" algn="l"/>
+                        <a:tab pos="447675" algn="l"/>
+                        <a:tab pos="896938" algn="l"/>
+                        <a:tab pos="1346200" algn="l"/>
+                        <a:tab pos="1795463" algn="l"/>
+                        <a:tab pos="2244725" algn="l"/>
+                        <a:tab pos="2693988" algn="l"/>
+                        <a:tab pos="3143250" algn="l"/>
+                        <a:tab pos="3592513" algn="l"/>
+                        <a:tab pos="4041775" algn="l"/>
+                        <a:tab pos="4491038" algn="l"/>
+                        <a:tab pos="4940300" algn="l"/>
+                        <a:tab pos="5389563" algn="l"/>
+                        <a:tab pos="5838825" algn="l"/>
+                        <a:tab pos="6288088" algn="l"/>
+                        <a:tab pos="6737350" algn="l"/>
+                        <a:tab pos="7186613" algn="l"/>
+                        <a:tab pos="7635875" algn="l"/>
+                        <a:tab pos="8085138" algn="l"/>
+                        <a:tab pos="8534400" algn="l"/>
+                        <a:tab pos="8983663" algn="l"/>
+                      </a:tabLst>
+                      <a:defRPr sz="2400">
+                        <a:solidFill>
+                          <a:schemeClr val="tx1"/>
+                        </a:solidFill>
+                        <a:latin typeface="Times New Roman" pitchFamily="18" charset="0"/>
+                      </a:defRPr>
+                    </a:lvl4pPr>
+                    <a:lvl5pPr>
+                      <a:tabLst>
+                        <a:tab pos="0" algn="l"/>
+                        <a:tab pos="447675" algn="l"/>
+                        <a:tab pos="896938" algn="l"/>
+                        <a:tab pos="1346200" algn="l"/>
+                        <a:tab pos="1795463" algn="l"/>
+                        <a:tab pos="2244725" algn="l"/>
+                        <a:tab pos="2693988" algn="l"/>
+                        <a:tab pos="3143250" algn="l"/>
+                        <a:tab pos="3592513" algn="l"/>
+                        <a:tab pos="4041775" algn="l"/>
+                        <a:tab pos="4491038" algn="l"/>
+                        <a:tab pos="4940300" algn="l"/>
+                        <a:tab pos="5389563" algn="l"/>
+                        <a:tab pos="5838825" algn="l"/>
+                        <a:tab pos="6288088" algn="l"/>
+                        <a:tab pos="6737350" algn="l"/>
+                        <a:tab pos="7186613" algn="l"/>
+                        <a:tab pos="7635875" algn="l"/>
+                        <a:tab pos="8085138" algn="l"/>
+                        <a:tab pos="8534400" algn="l"/>
+                        <a:tab pos="8983663" algn="l"/>
+                      </a:tabLst>
+                      <a:defRPr sz="2400">
+                        <a:solidFill>
+                          <a:schemeClr val="tx1"/>
+                        </a:solidFill>
+                        <a:latin typeface="Times New Roman" pitchFamily="18" charset="0"/>
+                      </a:defRPr>
+                    </a:lvl5pPr>
+                    <a:lvl6pPr eaLnBrk="0" fontAlgn="base" hangingPunct="0">
+                      <a:spcBef>
+                        <a:spcPct val="0"/>
+                      </a:spcBef>
+                      <a:spcAft>
+                        <a:spcPct val="0"/>
+                      </a:spcAft>
+                      <a:tabLst>
+                        <a:tab pos="0" algn="l"/>
+                        <a:tab pos="447675" algn="l"/>
+                        <a:tab pos="896938" algn="l"/>
+                        <a:tab pos="1346200" algn="l"/>
+                        <a:tab pos="1795463" algn="l"/>
+                        <a:tab pos="2244725" algn="l"/>
+                        <a:tab pos="2693988" algn="l"/>
+                        <a:tab pos="3143250" algn="l"/>
+                        <a:tab pos="3592513" algn="l"/>
+                        <a:tab pos="4041775" algn="l"/>
+                        <a:tab pos="4491038" algn="l"/>
+                        <a:tab pos="4940300" algn="l"/>
+                        <a:tab pos="5389563" algn="l"/>
+                        <a:tab pos="5838825" algn="l"/>
+                        <a:tab pos="6288088" algn="l"/>
+                        <a:tab pos="6737350" algn="l"/>
+                        <a:tab pos="7186613" algn="l"/>
+                        <a:tab pos="7635875" algn="l"/>
+                        <a:tab pos="8085138" algn="l"/>
+                        <a:tab pos="8534400" algn="l"/>
+                        <a:tab pos="8983663" algn="l"/>
+                      </a:tabLst>
+                      <a:defRPr sz="2400">
+                        <a:solidFill>
+                          <a:schemeClr val="tx1"/>
+                        </a:solidFill>
+                        <a:latin typeface="Times New Roman" pitchFamily="18" charset="0"/>
+                      </a:defRPr>
+                    </a:lvl6pPr>
+                    <a:lvl7pPr eaLnBrk="0" fontAlgn="base" hangingPunct="0">
+                      <a:spcBef>
+                        <a:spcPct val="0"/>
+                      </a:spcBef>
+                      <a:spcAft>
+                        <a:spcPct val="0"/>
+                      </a:spcAft>
+                      <a:tabLst>
+                        <a:tab pos="0" algn="l"/>
+                        <a:tab pos="447675" algn="l"/>
+                        <a:tab pos="896938" algn="l"/>
+                        <a:tab pos="1346200" algn="l"/>
+                        <a:tab pos="1795463" algn="l"/>
+                        <a:tab pos="2244725" algn="l"/>
+                        <a:tab pos="2693988" algn="l"/>
+                        <a:tab pos="3143250" algn="l"/>
+                        <a:tab pos="3592513" algn="l"/>
+                        <a:tab pos="4041775" algn="l"/>
+                        <a:tab pos="4491038" algn="l"/>
+                        <a:tab pos="4940300" algn="l"/>
+                        <a:tab pos="5389563" algn="l"/>
+                        <a:tab pos="5838825" algn="l"/>
+                        <a:tab pos="6288088" algn="l"/>
+                        <a:tab pos="6737350" algn="l"/>
+                        <a:tab pos="7186613" algn="l"/>
+                        <a:tab pos="7635875" algn="l"/>
+                        <a:tab pos="8085138" algn="l"/>
+                        <a:tab pos="8534400" algn="l"/>
+                        <a:tab pos="8983663" algn="l"/>
+                      </a:tabLst>
+                      <a:defRPr sz="2400">
+                        <a:solidFill>
+                          <a:schemeClr val="tx1"/>
+                        </a:solidFill>
+                        <a:latin typeface="Times New Roman" pitchFamily="18" charset="0"/>
+                      </a:defRPr>
+                    </a:lvl7pPr>
+                    <a:lvl8pPr eaLnBrk="0" fontAlgn="base" hangingPunct="0">
+                      <a:spcBef>
+                        <a:spcPct val="0"/>
+                      </a:spcBef>
+                      <a:spcAft>
+                        <a:spcPct val="0"/>
+                      </a:spcAft>
+                      <a:tabLst>
+                        <a:tab pos="0" algn="l"/>
+                        <a:tab pos="447675" algn="l"/>
+                        <a:tab pos="896938" algn="l"/>
+                        <a:tab pos="1346200" algn="l"/>
+                        <a:tab pos="1795463" algn="l"/>
+                        <a:tab pos="2244725" algn="l"/>
+                        <a:tab pos="2693988" algn="l"/>
+                        <a:tab pos="3143250" algn="l"/>
+                        <a:tab pos="3592513" algn="l"/>
+                        <a:tab pos="4041775" algn="l"/>
+                        <a:tab pos="4491038" algn="l"/>
+                        <a:tab pos="4940300" algn="l"/>
+                        <a:tab pos="5389563" algn="l"/>
+                        <a:tab pos="5838825" algn="l"/>
+                        <a:tab pos="6288088" algn="l"/>
+                        <a:tab pos="6737350" algn="l"/>
+                        <a:tab pos="7186613" algn="l"/>
+                        <a:tab pos="7635875" algn="l"/>
+                        <a:tab pos="8085138" algn="l"/>
+                        <a:tab pos="8534400" algn="l"/>
+                        <a:tab pos="8983663" algn="l"/>
+                      </a:tabLst>
+                      <a:defRPr sz="2400">
+                        <a:solidFill>
+                          <a:schemeClr val="tx1"/>
+                        </a:solidFill>
+                        <a:latin typeface="Times New Roman" pitchFamily="18" charset="0"/>
+                      </a:defRPr>
+                    </a:lvl8pPr>
+                    <a:lvl9pPr eaLnBrk="0" fontAlgn="base" hangingPunct="0">
+                      <a:spcBef>
+                        <a:spcPct val="0"/>
+                      </a:spcBef>
+                      <a:spcAft>
+                        <a:spcPct val="0"/>
+                      </a:spcAft>
+                      <a:tabLst>
+                        <a:tab pos="0" algn="l"/>
+                        <a:tab pos="447675" algn="l"/>
+                        <a:tab pos="896938" algn="l"/>
+                        <a:tab pos="1346200" algn="l"/>
+                        <a:tab pos="1795463" algn="l"/>
+                        <a:tab pos="2244725" algn="l"/>
+                        <a:tab pos="2693988" algn="l"/>
+                        <a:tab pos="3143250" algn="l"/>
+                        <a:tab pos="3592513" algn="l"/>
+                        <a:tab pos="4041775" algn="l"/>
+                        <a:tab pos="4491038" algn="l"/>
+                        <a:tab pos="4940300" algn="l"/>
+                        <a:tab pos="5389563" algn="l"/>
+                        <a:tab pos="5838825" algn="l"/>
+                        <a:tab pos="6288088" algn="l"/>
+                        <a:tab pos="6737350" algn="l"/>
+                        <a:tab pos="7186613" algn="l"/>
+                        <a:tab pos="7635875" algn="l"/>
+                        <a:tab pos="8085138" algn="l"/>
+                        <a:tab pos="8534400" algn="l"/>
+                        <a:tab pos="8983663" algn="l"/>
+                      </a:tabLst>
+                      <a:defRPr sz="2400">
+                        <a:solidFill>
+                          <a:schemeClr val="tx1"/>
+                        </a:solidFill>
+                        <a:latin typeface="Times New Roman" pitchFamily="18" charset="0"/>
+                      </a:defRPr>
+                    </a:lvl9pPr>
+                  </a:lstStyle>
+                  <a:p>
+                    <a:pPr algn="ctr">
+                      <a:lnSpc>
+                        <a:spcPts val="2116"/>
+                      </a:lnSpc>
+                      <a:buClr>
+                        <a:srgbClr val="000000"/>
+                      </a:buClr>
+                    </a:pPr>
+                    <a:r>
+                      <a:rPr lang="en-GB" sz="2100" b="1" dirty="0">
+                        <a:solidFill>
+                          <a:schemeClr val="bg1"/>
+                        </a:solidFill>
+                        <a:latin typeface="Verdana" pitchFamily="34" charset="0"/>
+                        <a:ea typeface="HG Mincho Light J" charset="0"/>
+                        <a:cs typeface="HG Mincho Light J" charset="0"/>
+                      </a:rPr>
+                      <a:t>PHP module</a:t>
+                    </a:r>
+                  </a:p>
+                </p:txBody>
+              </p:sp>
+            </p:grpSp>
+            <p:sp>
+              <p:nvSpPr>
+                <p:cNvPr id="8208" name="Text Box 16"/>
+                <p:cNvSpPr txBox="1">
+                  <a:spLocks noChangeArrowheads="1"/>
+                </p:cNvSpPr>
+                <p:nvPr/>
+              </p:nvSpPr>
+              <p:spPr bwMode="auto">
+                <a:xfrm>
+                  <a:off x="3157" y="1519"/>
+                  <a:ext cx="98" cy="222"/>
+                </a:xfrm>
+                <a:prstGeom prst="rect">
+                  <a:avLst/>
+                </a:prstGeom>
+                <a:noFill/>
+                <a:ln>
+                  <a:noFill/>
+                </a:ln>
+                <a:extLst>
+                  <a:ext uri="{909E8E84-426E-40DD-AFC4-6F175D3DCCD1}">
+                    <a14:hiddenFill xmlns:a14="http://schemas.microsoft.com/office/drawing/2010/main">
+                      <a:solidFill>
+                        <a:srgbClr val="FFFFFF"/>
+                      </a:solidFill>
+                    </a14:hiddenFill>
+                  </a:ext>
+                  <a:ext uri="{91240B29-F687-4F45-9708-019B960494DF}">
+                    <a14:hiddenLine xmlns:a14="http://schemas.microsoft.com/office/drawing/2010/main" w="9525">
+                      <a:solidFill>
+                        <a:srgbClr val="000000"/>
+                      </a:solidFill>
+                      <a:miter lim="800000"/>
+                      <a:headEnd/>
+                      <a:tailEnd/>
+                    </a14:hiddenLine>
+                  </a:ext>
+                </a:extLst>
+              </p:spPr>
+              <p:txBody>
+                <a:bodyPr wrap="none" lIns="0" tIns="0" rIns="0" bIns="0">
+                  <a:spAutoFit/>
+                </a:bodyPr>
+                <a:lstStyle>
+                  <a:lvl1pPr>
+                    <a:tabLst>
+                      <a:tab pos="0" algn="l"/>
+                      <a:tab pos="447675" algn="l"/>
+                      <a:tab pos="896938" algn="l"/>
+                      <a:tab pos="1346200" algn="l"/>
+                      <a:tab pos="1795463" algn="l"/>
+                      <a:tab pos="2244725" algn="l"/>
+                      <a:tab pos="2693988" algn="l"/>
+                      <a:tab pos="3143250" algn="l"/>
+                      <a:tab pos="3592513" algn="l"/>
+                      <a:tab pos="4041775" algn="l"/>
+                      <a:tab pos="4491038" algn="l"/>
+                      <a:tab pos="4940300" algn="l"/>
+                      <a:tab pos="5389563" algn="l"/>
+                      <a:tab pos="5838825" algn="l"/>
+                      <a:tab pos="6288088" algn="l"/>
+                      <a:tab pos="6737350" algn="l"/>
+                      <a:tab pos="7186613" algn="l"/>
+                      <a:tab pos="7635875" algn="l"/>
+                      <a:tab pos="8085138" algn="l"/>
+                      <a:tab pos="8534400" algn="l"/>
+                      <a:tab pos="8983663" algn="l"/>
+                    </a:tabLst>
+                    <a:defRPr sz="2400">
+                      <a:solidFill>
+                        <a:schemeClr val="tx1"/>
+                      </a:solidFill>
+                      <a:latin typeface="Times New Roman" pitchFamily="18" charset="0"/>
+                    </a:defRPr>
+                  </a:lvl1pPr>
+                  <a:lvl2pPr>
+                    <a:tabLst>
+                      <a:tab pos="0" algn="l"/>
+                      <a:tab pos="447675" algn="l"/>
+                      <a:tab pos="896938" algn="l"/>
+                      <a:tab pos="1346200" algn="l"/>
+                      <a:tab pos="1795463" algn="l"/>
+                      <a:tab pos="2244725" algn="l"/>
+                      <a:tab pos="2693988" algn="l"/>
+                      <a:tab pos="3143250" algn="l"/>
+                      <a:tab pos="3592513" algn="l"/>
+                      <a:tab pos="4041775" algn="l"/>
+                      <a:tab pos="4491038" algn="l"/>
+                      <a:tab pos="4940300" algn="l"/>
+                      <a:tab pos="5389563" algn="l"/>
+                      <a:tab pos="5838825" algn="l"/>
+                      <a:tab pos="6288088" algn="l"/>
+                      <a:tab pos="6737350" algn="l"/>
+                      <a:tab pos="7186613" algn="l"/>
+                      <a:tab pos="7635875" algn="l"/>
+                      <a:tab pos="8085138" algn="l"/>
+                      <a:tab pos="8534400" algn="l"/>
+                      <a:tab pos="8983663" algn="l"/>
+                    </a:tabLst>
+                    <a:defRPr sz="2400">
+                      <a:solidFill>
+                        <a:schemeClr val="tx1"/>
+                      </a:solidFill>
+                      <a:latin typeface="Times New Roman" pitchFamily="18" charset="0"/>
+                    </a:defRPr>
+                  </a:lvl2pPr>
+                  <a:lvl3pPr>
+                    <a:tabLst>
+                      <a:tab pos="0" algn="l"/>
+                      <a:tab pos="447675" algn="l"/>
+                      <a:tab pos="896938" algn="l"/>
+                      <a:tab pos="1346200" algn="l"/>
+                      <a:tab pos="1795463" algn="l"/>
+                      <a:tab pos="2244725" algn="l"/>
+                      <a:tab pos="2693988" algn="l"/>
+                      <a:tab pos="3143250" algn="l"/>
+                      <a:tab pos="3592513" algn="l"/>
+                      <a:tab pos="4041775" algn="l"/>
+                      <a:tab pos="4491038" algn="l"/>
+                      <a:tab pos="4940300" algn="l"/>
+                      <a:tab pos="5389563" algn="l"/>
+                      <a:tab pos="5838825" algn="l"/>
+                      <a:tab pos="6288088" algn="l"/>
+                      <a:tab pos="6737350" algn="l"/>
+                      <a:tab pos="7186613" algn="l"/>
+                      <a:tab pos="7635875" algn="l"/>
+                      <a:tab pos="8085138" algn="l"/>
+                      <a:tab pos="8534400" algn="l"/>
+                      <a:tab pos="8983663" algn="l"/>
+                    </a:tabLst>
+                    <a:defRPr sz="2400">
+                      <a:solidFill>
+                        <a:schemeClr val="tx1"/>
+                      </a:solidFill>
+                      <a:latin typeface="Times New Roman" pitchFamily="18" charset="0"/>
+                    </a:defRPr>
+                  </a:lvl3pPr>
+                  <a:lvl4pPr>
+                    <a:tabLst>
+                      <a:tab pos="0" algn="l"/>
+                      <a:tab pos="447675" algn="l"/>
+                      <a:tab pos="896938" algn="l"/>
+                      <a:tab pos="1346200" algn="l"/>
+                      <a:tab pos="1795463" algn="l"/>
+                      <a:tab pos="2244725" algn="l"/>
+                      <a:tab pos="2693988" algn="l"/>
+                      <a:tab pos="3143250" algn="l"/>
+                      <a:tab pos="3592513" algn="l"/>
+                      <a:tab pos="4041775" algn="l"/>
+                      <a:tab pos="4491038" algn="l"/>
+                      <a:tab pos="4940300" algn="l"/>
+                      <a:tab pos="5389563" algn="l"/>
+                      <a:tab pos="5838825" algn="l"/>
+                      <a:tab pos="6288088" algn="l"/>
+                      <a:tab pos="6737350" algn="l"/>
+                      <a:tab pos="7186613" algn="l"/>
+                      <a:tab pos="7635875" algn="l"/>
+                      <a:tab pos="8085138" algn="l"/>
+                      <a:tab pos="8534400" algn="l"/>
+                      <a:tab pos="8983663" algn="l"/>
+                    </a:tabLst>
+                    <a:defRPr sz="2400">
+                      <a:solidFill>
+                        <a:schemeClr val="tx1"/>
+                      </a:solidFill>
+                      <a:latin typeface="Times New Roman" pitchFamily="18" charset="0"/>
+                    </a:defRPr>
+                  </a:lvl4pPr>
+                  <a:lvl5pPr>
+                    <a:tabLst>
+                      <a:tab pos="0" algn="l"/>
+                      <a:tab pos="447675" algn="l"/>
+                      <a:tab pos="896938" algn="l"/>
+                      <a:tab pos="1346200" algn="l"/>
+                      <a:tab pos="1795463" algn="l"/>
+                      <a:tab pos="2244725" algn="l"/>
+                      <a:tab pos="2693988" algn="l"/>
+                      <a:tab pos="3143250" algn="l"/>
+                      <a:tab pos="3592513" algn="l"/>
+                      <a:tab pos="4041775" algn="l"/>
+                      <a:tab pos="4491038" algn="l"/>
+                      <a:tab pos="4940300" algn="l"/>
+                      <a:tab pos="5389563" algn="l"/>
+                      <a:tab pos="5838825" algn="l"/>
+                      <a:tab pos="6288088" algn="l"/>
+                      <a:tab pos="6737350" algn="l"/>
+                      <a:tab pos="7186613" algn="l"/>
+                      <a:tab pos="7635875" algn="l"/>
+                      <a:tab pos="8085138" algn="l"/>
+                      <a:tab pos="8534400" algn="l"/>
+                      <a:tab pos="8983663" algn="l"/>
+                    </a:tabLst>
+                    <a:defRPr sz="2400">
+                      <a:solidFill>
+                        <a:schemeClr val="tx1"/>
+                      </a:solidFill>
+                      <a:latin typeface="Times New Roman" pitchFamily="18" charset="0"/>
+                    </a:defRPr>
+                  </a:lvl5pPr>
+                  <a:lvl6pPr eaLnBrk="0" fontAlgn="base" hangingPunct="0">
+                    <a:spcBef>
+                      <a:spcPct val="0"/>
+                    </a:spcBef>
+                    <a:spcAft>
+                      <a:spcPct val="0"/>
+                    </a:spcAft>
+                    <a:tabLst>
+                      <a:tab pos="0" algn="l"/>
+                      <a:tab pos="447675" algn="l"/>
+                      <a:tab pos="896938" algn="l"/>
+                      <a:tab pos="1346200" algn="l"/>
+                      <a:tab pos="1795463" algn="l"/>
+                      <a:tab pos="2244725" algn="l"/>
+                      <a:tab pos="2693988" algn="l"/>
+                      <a:tab pos="3143250" algn="l"/>
+                      <a:tab pos="3592513" algn="l"/>
+                      <a:tab pos="4041775" algn="l"/>
+                      <a:tab pos="4491038" algn="l"/>
+                      <a:tab pos="4940300" algn="l"/>
+                      <a:tab pos="5389563" algn="l"/>
+                      <a:tab pos="5838825" algn="l"/>
+                      <a:tab pos="6288088" algn="l"/>
+                      <a:tab pos="6737350" algn="l"/>
+                      <a:tab pos="7186613" algn="l"/>
+                      <a:tab pos="7635875" algn="l"/>
+                      <a:tab pos="8085138" algn="l"/>
+                      <a:tab pos="8534400" algn="l"/>
+                      <a:tab pos="8983663" algn="l"/>
+                    </a:tabLst>
+                    <a:defRPr sz="2400">
+                      <a:solidFill>
+                        <a:schemeClr val="tx1"/>
+                      </a:solidFill>
+                      <a:latin typeface="Times New Roman" pitchFamily="18" charset="0"/>
+                    </a:defRPr>
+                  </a:lvl6pPr>
+                  <a:lvl7pPr eaLnBrk="0" fontAlgn="base" hangingPunct="0">
+                    <a:spcBef>
+                      <a:spcPct val="0"/>
+                    </a:spcBef>
+                    <a:spcAft>
+                      <a:spcPct val="0"/>
+                    </a:spcAft>
+                    <a:tabLst>
+                      <a:tab pos="0" algn="l"/>
+                      <a:tab pos="447675" algn="l"/>
+                      <a:tab pos="896938" algn="l"/>
+                      <a:tab pos="1346200" algn="l"/>
+                      <a:tab pos="1795463" algn="l"/>
+                      <a:tab pos="2244725" algn="l"/>
+                      <a:tab pos="2693988" algn="l"/>
+                      <a:tab pos="3143250" algn="l"/>
+                      <a:tab pos="3592513" algn="l"/>
+                      <a:tab pos="4041775" algn="l"/>
+                      <a:tab pos="4491038" algn="l"/>
+                      <a:tab pos="4940300" algn="l"/>
+                      <a:tab pos="5389563" algn="l"/>
+                      <a:tab pos="5838825" algn="l"/>
+                      <a:tab pos="6288088" algn="l"/>
+                      <a:tab pos="6737350" algn="l"/>
+                      <a:tab pos="7186613" algn="l"/>
+                      <a:tab pos="7635875" algn="l"/>
+                      <a:tab pos="8085138" algn="l"/>
+                      <a:tab pos="8534400" algn="l"/>
+                      <a:tab pos="8983663" algn="l"/>
+                    </a:tabLst>
+                    <a:defRPr sz="2400">
+                      <a:solidFill>
+                        <a:schemeClr val="tx1"/>
+                      </a:solidFill>
+                      <a:latin typeface="Times New Roman" pitchFamily="18" charset="0"/>
+                    </a:defRPr>
+                  </a:lvl7pPr>
+                  <a:lvl8pPr eaLnBrk="0" fontAlgn="base" hangingPunct="0">
+                    <a:spcBef>
+                      <a:spcPct val="0"/>
+                    </a:spcBef>
+                    <a:spcAft>
+                      <a:spcPct val="0"/>
+                    </a:spcAft>
+                    <a:tabLst>
+                      <a:tab pos="0" algn="l"/>
+                      <a:tab pos="447675" algn="l"/>
+                      <a:tab pos="896938" algn="l"/>
+                      <a:tab pos="1346200" algn="l"/>
+                      <a:tab pos="1795463" algn="l"/>
+                      <a:tab pos="2244725" algn="l"/>
+                      <a:tab pos="2693988" algn="l"/>
+                      <a:tab pos="3143250" algn="l"/>
+                      <a:tab pos="3592513" algn="l"/>
+                      <a:tab pos="4041775" algn="l"/>
+                      <a:tab pos="4491038" algn="l"/>
+                      <a:tab pos="4940300" algn="l"/>
+                      <a:tab pos="5389563" algn="l"/>
+                      <a:tab pos="5838825" algn="l"/>
+                      <a:tab pos="6288088" algn="l"/>
+                      <a:tab pos="6737350" algn="l"/>
+                      <a:tab pos="7186613" algn="l"/>
+                      <a:tab pos="7635875" algn="l"/>
+                      <a:tab pos="8085138" algn="l"/>
+                      <a:tab pos="8534400" algn="l"/>
+                      <a:tab pos="8983663" algn="l"/>
+                    </a:tabLst>
+                    <a:defRPr sz="2400">
+                      <a:solidFill>
+                        <a:schemeClr val="tx1"/>
+                      </a:solidFill>
+                      <a:latin typeface="Times New Roman" pitchFamily="18" charset="0"/>
+                    </a:defRPr>
+                  </a:lvl8pPr>
+                  <a:lvl9pPr eaLnBrk="0" fontAlgn="base" hangingPunct="0">
+                    <a:spcBef>
+                      <a:spcPct val="0"/>
+                    </a:spcBef>
+                    <a:spcAft>
+                      <a:spcPct val="0"/>
+                    </a:spcAft>
+                    <a:tabLst>
+                      <a:tab pos="0" algn="l"/>
+                      <a:tab pos="447675" algn="l"/>
+                      <a:tab pos="896938" algn="l"/>
+                      <a:tab pos="1346200" algn="l"/>
+                      <a:tab pos="1795463" algn="l"/>
+                      <a:tab pos="2244725" algn="l"/>
+                      <a:tab pos="2693988" algn="l"/>
+                      <a:tab pos="3143250" algn="l"/>
+                      <a:tab pos="3592513" algn="l"/>
+                      <a:tab pos="4041775" algn="l"/>
+                      <a:tab pos="4491038" algn="l"/>
+                      <a:tab pos="4940300" algn="l"/>
+                      <a:tab pos="5389563" algn="l"/>
+                      <a:tab pos="5838825" algn="l"/>
+                      <a:tab pos="6288088" algn="l"/>
+                      <a:tab pos="6737350" algn="l"/>
+                      <a:tab pos="7186613" algn="l"/>
+                      <a:tab pos="7635875" algn="l"/>
+                      <a:tab pos="8085138" algn="l"/>
+                      <a:tab pos="8534400" algn="l"/>
+                      <a:tab pos="8983663" algn="l"/>
+                    </a:tabLst>
+                    <a:defRPr sz="2400">
+                      <a:solidFill>
+                        <a:schemeClr val="tx1"/>
+                      </a:solidFill>
+                      <a:latin typeface="Times New Roman" pitchFamily="18" charset="0"/>
+                    </a:defRPr>
+                  </a:lvl9pPr>
+                </a:lstStyle>
+                <a:p>
+                  <a:pPr eaLnBrk="1">
+                    <a:lnSpc>
+                      <a:spcPct val="101000"/>
+                    </a:lnSpc>
+                    <a:buClr>
+                      <a:srgbClr val="000000"/>
+                    </a:buClr>
+                    <a:buSzPct val="45000"/>
+                    <a:buFont typeface="StarSymbol" charset="0"/>
+                    <a:buNone/>
+                  </a:pPr>
+                  <a:r>
+                    <a:rPr lang="en-GB">
+                      <a:latin typeface="Verdana" pitchFamily="34" charset="0"/>
+                      <a:ea typeface="HG Mincho Light J" charset="0"/>
+                      <a:cs typeface="HG Mincho Light J" charset="0"/>
+                    </a:rPr>
+                    <a:t>3</a:t>
+                  </a:r>
+                </a:p>
+              </p:txBody>
+            </p:sp>
+            <p:sp>
+              <p:nvSpPr>
+                <p:cNvPr id="8209" name="Text Box 17"/>
+                <p:cNvSpPr txBox="1">
+                  <a:spLocks noChangeArrowheads="1"/>
+                </p:cNvSpPr>
+                <p:nvPr/>
+              </p:nvSpPr>
+              <p:spPr bwMode="auto">
+                <a:xfrm>
+                  <a:off x="2265" y="1367"/>
+                  <a:ext cx="98" cy="222"/>
+                </a:xfrm>
+                <a:prstGeom prst="rect">
+                  <a:avLst/>
+                </a:prstGeom>
+                <a:noFill/>
+                <a:ln>
+                  <a:noFill/>
+                </a:ln>
+                <a:extLst>
+                  <a:ext uri="{909E8E84-426E-40DD-AFC4-6F175D3DCCD1}">
+                    <a14:hiddenFill xmlns:a14="http://schemas.microsoft.com/office/drawing/2010/main">
+                      <a:solidFill>
+                        <a:srgbClr val="FFFFFF"/>
+                      </a:solidFill>
+                    </a14:hiddenFill>
+                  </a:ext>
+                  <a:ext uri="{91240B29-F687-4F45-9708-019B960494DF}">
+                    <a14:hiddenLine xmlns:a14="http://schemas.microsoft.com/office/drawing/2010/main" w="9525">
+                      <a:solidFill>
+                        <a:srgbClr val="000000"/>
+                      </a:solidFill>
+                      <a:miter lim="800000"/>
+                      <a:headEnd/>
+                      <a:tailEnd/>
+                    </a14:hiddenLine>
+                  </a:ext>
+                </a:extLst>
+              </p:spPr>
+              <p:txBody>
+                <a:bodyPr wrap="none" lIns="0" tIns="0" rIns="0" bIns="0">
+                  <a:spAutoFit/>
+                </a:bodyPr>
+                <a:lstStyle>
+                  <a:lvl1pPr>
+                    <a:tabLst>
+                      <a:tab pos="0" algn="l"/>
+                      <a:tab pos="447675" algn="l"/>
+                      <a:tab pos="896938" algn="l"/>
+                      <a:tab pos="1346200" algn="l"/>
+                      <a:tab pos="1795463" algn="l"/>
+                      <a:tab pos="2244725" algn="l"/>
+                      <a:tab pos="2693988" algn="l"/>
+                      <a:tab pos="3143250" algn="l"/>
+                      <a:tab pos="3592513" algn="l"/>
+                      <a:tab pos="4041775" algn="l"/>
+                      <a:tab pos="4491038" algn="l"/>
+                      <a:tab pos="4940300" algn="l"/>
+                      <a:tab pos="5389563" algn="l"/>
+                      <a:tab pos="5838825" algn="l"/>
+                      <a:tab pos="6288088" algn="l"/>
+                      <a:tab pos="6737350" algn="l"/>
+                      <a:tab pos="7186613" algn="l"/>
+                      <a:tab pos="7635875" algn="l"/>
+                      <a:tab pos="8085138" algn="l"/>
+                      <a:tab pos="8534400" algn="l"/>
+                      <a:tab pos="8983663" algn="l"/>
+                    </a:tabLst>
+                    <a:defRPr sz="2400">
+                      <a:solidFill>
+                        <a:schemeClr val="tx1"/>
+                      </a:solidFill>
+                      <a:latin typeface="Times New Roman" pitchFamily="18" charset="0"/>
+                    </a:defRPr>
+                  </a:lvl1pPr>
+                  <a:lvl2pPr>
+                    <a:tabLst>
+                      <a:tab pos="0" algn="l"/>
+                      <a:tab pos="447675" algn="l"/>
+                      <a:tab pos="896938" algn="l"/>
+                      <a:tab pos="1346200" algn="l"/>
+                      <a:tab pos="1795463" algn="l"/>
+                      <a:tab pos="2244725" algn="l"/>
+                      <a:tab pos="2693988" algn="l"/>
+                      <a:tab pos="3143250" algn="l"/>
+                      <a:tab pos="3592513" algn="l"/>
+                      <a:tab pos="4041775" algn="l"/>
+                      <a:tab pos="4491038" algn="l"/>
+                      <a:tab pos="4940300" algn="l"/>
+                      <a:tab pos="5389563" algn="l"/>
+                      <a:tab pos="5838825" algn="l"/>
+                      <a:tab pos="6288088" algn="l"/>
+                      <a:tab pos="6737350" algn="l"/>
+                      <a:tab pos="7186613" algn="l"/>
+                      <a:tab pos="7635875" algn="l"/>
+                      <a:tab pos="8085138" algn="l"/>
+                      <a:tab pos="8534400" algn="l"/>
+                      <a:tab pos="8983663" algn="l"/>
+                    </a:tabLst>
+                    <a:defRPr sz="2400">
+                      <a:solidFill>
+                        <a:schemeClr val="tx1"/>
+                      </a:solidFill>
+                      <a:latin typeface="Times New Roman" pitchFamily="18" charset="0"/>
+                    </a:defRPr>
+                  </a:lvl2pPr>
+                  <a:lvl3pPr>
+                    <a:tabLst>
+                      <a:tab pos="0" algn="l"/>
+                      <a:tab pos="447675" algn="l"/>
+                      <a:tab pos="896938" algn="l"/>
+                      <a:tab pos="1346200" algn="l"/>
+                      <a:tab pos="1795463" algn="l"/>
+                      <a:tab pos="2244725" algn="l"/>
+                      <a:tab pos="2693988" algn="l"/>
+                      <a:tab pos="3143250" algn="l"/>
+                      <a:tab pos="3592513" algn="l"/>
+                      <a:tab pos="4041775" algn="l"/>
+                      <a:tab pos="4491038" algn="l"/>
+                      <a:tab pos="4940300" algn="l"/>
+                      <a:tab pos="5389563" algn="l"/>
+                      <a:tab pos="5838825" algn="l"/>
+                      <a:tab pos="6288088" algn="l"/>
+                      <a:tab pos="6737350" algn="l"/>
+                      <a:tab pos="7186613" algn="l"/>
+                      <a:tab pos="7635875" algn="l"/>
+                      <a:tab pos="8085138" algn="l"/>
+                      <a:tab pos="8534400" algn="l"/>
+                      <a:tab pos="8983663" algn="l"/>
+                    </a:tabLst>
+                    <a:defRPr sz="2400">
+                      <a:solidFill>
+                        <a:schemeClr val="tx1"/>
+                      </a:solidFill>
+                      <a:latin typeface="Times New Roman" pitchFamily="18" charset="0"/>
+                    </a:defRPr>
+                  </a:lvl3pPr>
+                  <a:lvl4pPr>
+                    <a:tabLst>
+                      <a:tab pos="0" algn="l"/>
+                      <a:tab pos="447675" algn="l"/>
+                      <a:tab pos="896938" algn="l"/>
+                      <a:tab pos="1346200" algn="l"/>
+                      <a:tab pos="1795463" algn="l"/>
+                      <a:tab pos="2244725" algn="l"/>
+                      <a:tab pos="2693988" algn="l"/>
+                      <a:tab pos="3143250" algn="l"/>
+                      <a:tab pos="3592513" algn="l"/>
+                      <a:tab pos="4041775" algn="l"/>
+                      <a:tab pos="4491038" algn="l"/>
+                      <a:tab pos="4940300" algn="l"/>
+                      <a:tab pos="5389563" algn="l"/>
+                      <a:tab pos="5838825" algn="l"/>
+                      <a:tab pos="6288088" algn="l"/>
+                      <a:tab pos="6737350" algn="l"/>
+                      <a:tab pos="7186613" algn="l"/>
+                      <a:tab pos="7635875" algn="l"/>
+                      <a:tab pos="8085138" algn="l"/>
+                      <a:tab pos="8534400" algn="l"/>
+                      <a:tab pos="8983663" algn="l"/>
+                    </a:tabLst>
+                    <a:defRPr sz="2400">
+                      <a:solidFill>
+                        <a:schemeClr val="tx1"/>
+                      </a:solidFill>
+                      <a:latin typeface="Times New Roman" pitchFamily="18" charset="0"/>
+                    </a:defRPr>
+                  </a:lvl4pPr>
+                  <a:lvl5pPr>
+                    <a:tabLst>
+                      <a:tab pos="0" algn="l"/>
+                      <a:tab pos="447675" algn="l"/>
+                      <a:tab pos="896938" algn="l"/>
+                      <a:tab pos="1346200" algn="l"/>
+                      <a:tab pos="1795463" algn="l"/>
+                      <a:tab pos="2244725" algn="l"/>
+                      <a:tab pos="2693988" algn="l"/>
+                      <a:tab pos="3143250" algn="l"/>
+                      <a:tab pos="3592513" algn="l"/>
+                      <a:tab pos="4041775" algn="l"/>
+                      <a:tab pos="4491038" algn="l"/>
+                      <a:tab pos="4940300" algn="l"/>
+                      <a:tab pos="5389563" algn="l"/>
+                      <a:tab pos="5838825" algn="l"/>
+                      <a:tab pos="6288088" algn="l"/>
+                      <a:tab pos="6737350" algn="l"/>
+                      <a:tab pos="7186613" algn="l"/>
+                      <a:tab pos="7635875" algn="l"/>
+                      <a:tab pos="8085138" algn="l"/>
+                      <a:tab pos="8534400" algn="l"/>
+                      <a:tab pos="8983663" algn="l"/>
+                    </a:tabLst>
+                    <a:defRPr sz="2400">
+                      <a:solidFill>
+                        <a:schemeClr val="tx1"/>
+                      </a:solidFill>
+                      <a:latin typeface="Times New Roman" pitchFamily="18" charset="0"/>
+                    </a:defRPr>
+                  </a:lvl5pPr>
+                  <a:lvl6pPr eaLnBrk="0" fontAlgn="base" hangingPunct="0">
+                    <a:spcBef>
+                      <a:spcPct val="0"/>
+                    </a:spcBef>
+                    <a:spcAft>
+                      <a:spcPct val="0"/>
+                    </a:spcAft>
+                    <a:tabLst>
+                      <a:tab pos="0" algn="l"/>
+                      <a:tab pos="447675" algn="l"/>
+                      <a:tab pos="896938" algn="l"/>
+                      <a:tab pos="1346200" algn="l"/>
+                      <a:tab pos="1795463" algn="l"/>
+                      <a:tab pos="2244725" algn="l"/>
+                      <a:tab pos="2693988" algn="l"/>
+                      <a:tab pos="3143250" algn="l"/>
+                      <a:tab pos="3592513" algn="l"/>
+                      <a:tab pos="4041775" algn="l"/>
+                      <a:tab pos="4491038" algn="l"/>
+                      <a:tab pos="4940300" algn="l"/>
+                      <a:tab pos="5389563" algn="l"/>
+                      <a:tab pos="5838825" algn="l"/>
+                      <a:tab pos="6288088" algn="l"/>
+                      <a:tab pos="6737350" algn="l"/>
+                      <a:tab pos="7186613" algn="l"/>
+                      <a:tab pos="7635875" algn="l"/>
+                      <a:tab pos="8085138" algn="l"/>
+                      <a:tab pos="8534400" algn="l"/>
+                      <a:tab pos="8983663" algn="l"/>
+                    </a:tabLst>
+                    <a:defRPr sz="2400">
+                      <a:solidFill>
+                        <a:schemeClr val="tx1"/>
+                      </a:solidFill>
+                      <a:latin typeface="Times New Roman" pitchFamily="18" charset="0"/>
+                    </a:defRPr>
+                  </a:lvl6pPr>
+                  <a:lvl7pPr eaLnBrk="0" fontAlgn="base" hangingPunct="0">
+                    <a:spcBef>
+                      <a:spcPct val="0"/>
+                    </a:spcBef>
+                    <a:spcAft>
+                      <a:spcPct val="0"/>
+                    </a:spcAft>
+                    <a:tabLst>
+                      <a:tab pos="0" algn="l"/>
+                      <a:tab pos="447675" algn="l"/>
+                      <a:tab pos="896938" algn="l"/>
+                      <a:tab pos="1346200" algn="l"/>
+                      <a:tab pos="1795463" algn="l"/>
+                      <a:tab pos="2244725" algn="l"/>
+                      <a:tab pos="2693988" algn="l"/>
+                      <a:tab pos="3143250" algn="l"/>
+                      <a:tab pos="3592513" algn="l"/>
+                      <a:tab pos="4041775" algn="l"/>
+                      <a:tab pos="4491038" algn="l"/>
+                      <a:tab pos="4940300" algn="l"/>
+                      <a:tab pos="5389563" algn="l"/>
+                      <a:tab pos="5838825" algn="l"/>
+                      <a:tab pos="6288088" algn="l"/>
+                      <a:tab pos="6737350" algn="l"/>
+                      <a:tab pos="7186613" algn="l"/>
+                      <a:tab pos="7635875" algn="l"/>
+                      <a:tab pos="8085138" algn="l"/>
+                      <a:tab pos="8534400" algn="l"/>
+                      <a:tab pos="8983663" algn="l"/>
+                    </a:tabLst>
+                    <a:defRPr sz="2400">
+                      <a:solidFill>
+                        <a:schemeClr val="tx1"/>
+                      </a:solidFill>
+                      <a:latin typeface="Times New Roman" pitchFamily="18" charset="0"/>
+                    </a:defRPr>
+                  </a:lvl7pPr>
+                  <a:lvl8pPr eaLnBrk="0" fontAlgn="base" hangingPunct="0">
+                    <a:spcBef>
+                      <a:spcPct val="0"/>
+                    </a:spcBef>
+                    <a:spcAft>
+                      <a:spcPct val="0"/>
+                    </a:spcAft>
+                    <a:tabLst>
+                      <a:tab pos="0" algn="l"/>
+                      <a:tab pos="447675" algn="l"/>
+                      <a:tab pos="896938" algn="l"/>
+                      <a:tab pos="1346200" algn="l"/>
+                      <a:tab pos="1795463" algn="l"/>
+                      <a:tab pos="2244725" algn="l"/>
+                      <a:tab pos="2693988" algn="l"/>
+                      <a:tab pos="3143250" algn="l"/>
+                      <a:tab pos="3592513" algn="l"/>
+                      <a:tab pos="4041775" algn="l"/>
+                      <a:tab pos="4491038" algn="l"/>
+                      <a:tab pos="4940300" algn="l"/>
+                      <a:tab pos="5389563" algn="l"/>
+                      <a:tab pos="5838825" algn="l"/>
+                      <a:tab pos="6288088" algn="l"/>
+                      <a:tab pos="6737350" algn="l"/>
+                      <a:tab pos="7186613" algn="l"/>
+                      <a:tab pos="7635875" algn="l"/>
+                      <a:tab pos="8085138" algn="l"/>
+                      <a:tab pos="8534400" algn="l"/>
+                      <a:tab pos="8983663" algn="l"/>
+                    </a:tabLst>
+                    <a:defRPr sz="2400">
+                      <a:solidFill>
+                        <a:schemeClr val="tx1"/>
+                      </a:solidFill>
+                      <a:latin typeface="Times New Roman" pitchFamily="18" charset="0"/>
+                    </a:defRPr>
+                  </a:lvl8pPr>
+                  <a:lvl9pPr eaLnBrk="0" fontAlgn="base" hangingPunct="0">
+                    <a:spcBef>
+                      <a:spcPct val="0"/>
+                    </a:spcBef>
+                    <a:spcAft>
+                      <a:spcPct val="0"/>
+                    </a:spcAft>
+                    <a:tabLst>
+                      <a:tab pos="0" algn="l"/>
+                      <a:tab pos="447675" algn="l"/>
+                      <a:tab pos="896938" algn="l"/>
+                      <a:tab pos="1346200" algn="l"/>
+                      <a:tab pos="1795463" algn="l"/>
+                      <a:tab pos="2244725" algn="l"/>
+                      <a:tab pos="2693988" algn="l"/>
+                      <a:tab pos="3143250" algn="l"/>
+                      <a:tab pos="3592513" algn="l"/>
+                      <a:tab pos="4041775" algn="l"/>
+                      <a:tab pos="4491038" algn="l"/>
+                      <a:tab pos="4940300" algn="l"/>
+                      <a:tab pos="5389563" algn="l"/>
+                      <a:tab pos="5838825" algn="l"/>
+                      <a:tab pos="6288088" algn="l"/>
+                      <a:tab pos="6737350" algn="l"/>
+                      <a:tab pos="7186613" algn="l"/>
+                      <a:tab pos="7635875" algn="l"/>
+                      <a:tab pos="8085138" algn="l"/>
+                      <a:tab pos="8534400" algn="l"/>
+                      <a:tab pos="8983663" algn="l"/>
+                    </a:tabLst>
+                    <a:defRPr sz="2400">
+                      <a:solidFill>
+                        <a:schemeClr val="tx1"/>
+                      </a:solidFill>
+                      <a:latin typeface="Times New Roman" pitchFamily="18" charset="0"/>
+                    </a:defRPr>
+                  </a:lvl9pPr>
+                </a:lstStyle>
+                <a:p>
+                  <a:pPr eaLnBrk="1">
+                    <a:lnSpc>
+                      <a:spcPct val="101000"/>
+                    </a:lnSpc>
+                    <a:buClr>
+                      <a:srgbClr val="000000"/>
+                    </a:buClr>
+                    <a:buSzPct val="45000"/>
+                    <a:buFont typeface="StarSymbol" charset="0"/>
+                    <a:buNone/>
+                  </a:pPr>
+                  <a:r>
+                    <a:rPr lang="en-GB">
+                      <a:latin typeface="Verdana" pitchFamily="34" charset="0"/>
+                      <a:ea typeface="HG Mincho Light J" charset="0"/>
+                      <a:cs typeface="HG Mincho Light J" charset="0"/>
+                    </a:rPr>
+                    <a:t>4</a:t>
+                  </a:r>
+                </a:p>
+              </p:txBody>
+            </p:sp>
+            <p:sp>
+              <p:nvSpPr>
+                <p:cNvPr id="8210" name="Line 18"/>
+                <p:cNvSpPr>
+                  <a:spLocks noChangeShapeType="1"/>
+                </p:cNvSpPr>
+                <p:nvPr/>
+              </p:nvSpPr>
+              <p:spPr bwMode="auto">
+                <a:xfrm flipH="1" flipV="1">
+                  <a:off x="2039" y="1225"/>
+                  <a:ext cx="330" cy="541"/>
+                </a:xfrm>
+                <a:prstGeom prst="line">
+                  <a:avLst/>
+                </a:prstGeom>
+                <a:noFill/>
+                <a:ln w="9360">
+                  <a:solidFill>
+                    <a:srgbClr val="000000"/>
+                  </a:solidFill>
+                  <a:prstDash val="sysDot"/>
+                  <a:round/>
+                  <a:headEnd/>
+                  <a:tailEnd type="triangle" w="lg" len="lg"/>
+                </a:ln>
+                <a:extLst>
+                  <a:ext uri="{909E8E84-426E-40DD-AFC4-6F175D3DCCD1}">
+                    <a14:hiddenFill xmlns:a14="http://schemas.microsoft.com/office/drawing/2010/main">
+                      <a:noFill/>
+                    </a14:hiddenFill>
+                  </a:ext>
+                </a:extLst>
+              </p:spPr>
+              <p:txBody>
+                <a:bodyPr/>
+                <a:lstStyle/>
+                <a:p>
+                  <a:endParaRPr lang="en-GB"/>
+                </a:p>
+              </p:txBody>
+            </p:sp>
+            <p:sp>
+              <p:nvSpPr>
+                <p:cNvPr id="8211" name="Line 19"/>
+                <p:cNvSpPr>
+                  <a:spLocks noChangeShapeType="1"/>
+                </p:cNvSpPr>
+                <p:nvPr/>
+              </p:nvSpPr>
+              <p:spPr bwMode="auto">
+                <a:xfrm flipV="1">
+                  <a:off x="2804" y="1735"/>
+                  <a:ext cx="947" cy="412"/>
+                </a:xfrm>
+                <a:prstGeom prst="line">
+                  <a:avLst/>
+                </a:prstGeom>
+                <a:noFill/>
+                <a:ln w="9360">
+                  <a:solidFill>
+                    <a:srgbClr val="000000"/>
+                  </a:solidFill>
+                  <a:prstDash val="sysDot"/>
+                  <a:round/>
+                  <a:headEnd/>
+                  <a:tailEnd type="triangle" w="lg" len="lg"/>
+                </a:ln>
+                <a:extLst>
+                  <a:ext uri="{909E8E84-426E-40DD-AFC4-6F175D3DCCD1}">
+                    <a14:hiddenFill xmlns:a14="http://schemas.microsoft.com/office/drawing/2010/main">
+                      <a:noFill/>
+                    </a14:hiddenFill>
+                  </a:ext>
+                </a:extLst>
+              </p:spPr>
+              <p:txBody>
+                <a:bodyPr/>
+                <a:lstStyle/>
+                <a:p>
+                  <a:endParaRPr lang="en-GB"/>
+                </a:p>
+              </p:txBody>
+            </p:sp>
+            <p:sp>
+              <p:nvSpPr>
+                <p:cNvPr id="8212" name="Line 20"/>
+                <p:cNvSpPr>
+                  <a:spLocks noChangeShapeType="1"/>
+                </p:cNvSpPr>
+                <p:nvPr/>
+              </p:nvSpPr>
+              <p:spPr bwMode="auto">
+                <a:xfrm flipH="1">
+                  <a:off x="2807" y="1525"/>
+                  <a:ext cx="963" cy="350"/>
+                </a:xfrm>
+                <a:prstGeom prst="line">
+                  <a:avLst/>
+                </a:prstGeom>
+                <a:noFill/>
+                <a:ln w="9360">
+                  <a:solidFill>
+                    <a:srgbClr val="000000"/>
+                  </a:solidFill>
+                  <a:prstDash val="sysDot"/>
+                  <a:round/>
+                  <a:headEnd/>
+                  <a:tailEnd type="triangle" w="lg" len="lg"/>
+                </a:ln>
+                <a:extLst>
+                  <a:ext uri="{909E8E84-426E-40DD-AFC4-6F175D3DCCD1}">
+                    <a14:hiddenFill xmlns:a14="http://schemas.microsoft.com/office/drawing/2010/main">
+                      <a:noFill/>
+                    </a14:hiddenFill>
+                  </a:ext>
+                </a:extLst>
+              </p:spPr>
+              <p:txBody>
+                <a:bodyPr/>
+                <a:lstStyle/>
+                <a:p>
+                  <a:endParaRPr lang="en-GB"/>
+                </a:p>
+              </p:txBody>
+            </p:sp>
+            <p:grpSp>
+              <p:nvGrpSpPr>
+                <p:cNvPr id="8213" name="Group 21"/>
+                <p:cNvGrpSpPr>
+                  <a:grpSpLocks/>
+                </p:cNvGrpSpPr>
+                <p:nvPr/>
+              </p:nvGrpSpPr>
+              <p:grpSpPr bwMode="auto">
+                <a:xfrm>
+                  <a:off x="2014" y="1774"/>
+                  <a:ext cx="783" cy="432"/>
+                  <a:chOff x="2014" y="1774"/>
+                  <a:chExt cx="783" cy="432"/>
+                </a:xfrm>
+              </p:grpSpPr>
+              <p:sp>
+                <p:nvSpPr>
+                  <p:cNvPr id="8214" name="AutoShape 22"/>
+                  <p:cNvSpPr>
+                    <a:spLocks noChangeArrowheads="1"/>
+                  </p:cNvSpPr>
+                  <p:nvPr/>
+                </p:nvSpPr>
+                <p:spPr bwMode="auto">
+                  <a:xfrm>
+                    <a:off x="2014" y="1774"/>
+                    <a:ext cx="783" cy="432"/>
+                  </a:xfrm>
+                  <a:prstGeom prst="roundRect">
+                    <a:avLst>
+                      <a:gd name="adj" fmla="val 231"/>
+                    </a:avLst>
+                  </a:prstGeom>
+                  <a:noFill/>
+                  <a:ln w="9360">
+                    <a:solidFill>
+                      <a:srgbClr val="000000"/>
+                    </a:solidFill>
+                    <a:round/>
+                    <a:headEnd/>
+                    <a:tailEnd/>
+                  </a:ln>
+                  <a:extLst>
+                    <a:ext uri="{909E8E84-426E-40DD-AFC4-6F175D3DCCD1}">
+                      <a14:hiddenFill xmlns:a14="http://schemas.microsoft.com/office/drawing/2010/main">
+                        <a:solidFill>
+                          <a:srgbClr val="FFFFFF"/>
+                        </a:solidFill>
+                      </a14:hiddenFill>
+                    </a:ext>
+                  </a:extLst>
+                </p:spPr>
+                <p:txBody>
+                  <a:bodyPr wrap="none" anchor="ctr"/>
+                  <a:lstStyle/>
+                  <a:p>
+                    <a:endParaRPr lang="en-GB"/>
+                  </a:p>
+                </p:txBody>
+              </p:sp>
+              <p:sp>
+                <p:nvSpPr>
+                  <p:cNvPr id="8215" name="Text Box 23"/>
+                  <p:cNvSpPr txBox="1">
+                    <a:spLocks noChangeArrowheads="1"/>
+                  </p:cNvSpPr>
+                  <p:nvPr/>
+                </p:nvSpPr>
+                <p:spPr bwMode="auto">
+                  <a:xfrm>
+                    <a:off x="2014" y="1910"/>
+                    <a:ext cx="783" cy="160"/>
+                  </a:xfrm>
+                  <a:prstGeom prst="rect">
+                    <a:avLst/>
+                  </a:prstGeom>
+                  <a:noFill/>
+                  <a:ln>
+                    <a:noFill/>
+                  </a:ln>
+                  <a:extLst>
+                    <a:ext uri="{909E8E84-426E-40DD-AFC4-6F175D3DCCD1}">
+                      <a14:hiddenFill xmlns:a14="http://schemas.microsoft.com/office/drawing/2010/main">
+                        <a:solidFill>
+                          <a:srgbClr val="FFFFFF"/>
+                        </a:solidFill>
+                      </a14:hiddenFill>
+                    </a:ext>
+                    <a:ext uri="{91240B29-F687-4F45-9708-019B960494DF}">
+                      <a14:hiddenLine xmlns:a14="http://schemas.microsoft.com/office/drawing/2010/main" w="9525">
+                        <a:solidFill>
+                          <a:srgbClr val="000000"/>
+                        </a:solidFill>
+                        <a:miter lim="800000"/>
+                        <a:headEnd/>
+                        <a:tailEnd/>
+                      </a14:hiddenLine>
+                    </a:ext>
+                  </a:extLst>
+                </p:spPr>
+                <p:txBody>
+                  <a:bodyPr lIns="0" tIns="0" rIns="0" bIns="0" anchor="ctr">
+                    <a:spAutoFit/>
+                  </a:bodyPr>
+                  <a:lstStyle>
+                    <a:lvl1pPr>
+                      <a:tabLst>
+                        <a:tab pos="0" algn="l"/>
+                        <a:tab pos="447675" algn="l"/>
+                        <a:tab pos="896938" algn="l"/>
+                        <a:tab pos="1346200" algn="l"/>
+                        <a:tab pos="1795463" algn="l"/>
+                        <a:tab pos="2244725" algn="l"/>
+                        <a:tab pos="2693988" algn="l"/>
+                        <a:tab pos="3143250" algn="l"/>
+                        <a:tab pos="3592513" algn="l"/>
+                        <a:tab pos="4041775" algn="l"/>
+                        <a:tab pos="4491038" algn="l"/>
+                        <a:tab pos="4940300" algn="l"/>
+                        <a:tab pos="5389563" algn="l"/>
+                        <a:tab pos="5838825" algn="l"/>
+                        <a:tab pos="6288088" algn="l"/>
+                        <a:tab pos="6737350" algn="l"/>
+                        <a:tab pos="7186613" algn="l"/>
+                        <a:tab pos="7635875" algn="l"/>
+                        <a:tab pos="8085138" algn="l"/>
+                        <a:tab pos="8534400" algn="l"/>
+                        <a:tab pos="8983663" algn="l"/>
+                      </a:tabLst>
+                      <a:defRPr sz="2400">
+                        <a:solidFill>
+                          <a:schemeClr val="tx1"/>
+                        </a:solidFill>
+                        <a:latin typeface="Times New Roman" pitchFamily="18" charset="0"/>
+                      </a:defRPr>
+                    </a:lvl1pPr>
+                    <a:lvl2pPr>
+                      <a:tabLst>
+                        <a:tab pos="0" algn="l"/>
+                        <a:tab pos="447675" algn="l"/>
+                        <a:tab pos="896938" algn="l"/>
+                        <a:tab pos="1346200" algn="l"/>
+                        <a:tab pos="1795463" algn="l"/>
+                        <a:tab pos="2244725" algn="l"/>
+                        <a:tab pos="2693988" algn="l"/>
+                        <a:tab pos="3143250" algn="l"/>
+                        <a:tab pos="3592513" algn="l"/>
+                        <a:tab pos="4041775" algn="l"/>
+                        <a:tab pos="4491038" algn="l"/>
+                        <a:tab pos="4940300" algn="l"/>
+                        <a:tab pos="5389563" algn="l"/>
+                        <a:tab pos="5838825" algn="l"/>
+                        <a:tab pos="6288088" algn="l"/>
+                        <a:tab pos="6737350" algn="l"/>
+                        <a:tab pos="7186613" algn="l"/>
+                        <a:tab pos="7635875" algn="l"/>
+                        <a:tab pos="8085138" algn="l"/>
+                        <a:tab pos="8534400" algn="l"/>
+                        <a:tab pos="8983663" algn="l"/>
+                      </a:tabLst>
+                      <a:defRPr sz="2400">
+                        <a:solidFill>
+                          <a:schemeClr val="tx1"/>
+                        </a:solidFill>
+                        <a:latin typeface="Times New Roman" pitchFamily="18" charset="0"/>
+                      </a:defRPr>
+                    </a:lvl2pPr>
+                    <a:lvl3pPr>
+                      <a:tabLst>
+                        <a:tab pos="0" algn="l"/>
+                        <a:tab pos="447675" algn="l"/>
+                        <a:tab pos="896938" algn="l"/>
+                        <a:tab pos="1346200" algn="l"/>
+                        <a:tab pos="1795463" algn="l"/>
+                        <a:tab pos="2244725" algn="l"/>
+                        <a:tab pos="2693988" algn="l"/>
+                        <a:tab pos="3143250" algn="l"/>
+                        <a:tab pos="3592513" algn="l"/>
+                        <a:tab pos="4041775" algn="l"/>
+                        <a:tab pos="4491038" algn="l"/>
+                        <a:tab pos="4940300" algn="l"/>
+                        <a:tab pos="5389563" algn="l"/>
+                        <a:tab pos="5838825" algn="l"/>
+                        <a:tab pos="6288088" algn="l"/>
+                        <a:tab pos="6737350" algn="l"/>
+                        <a:tab pos="7186613" algn="l"/>
+                        <a:tab pos="7635875" algn="l"/>
+                        <a:tab pos="8085138" algn="l"/>
+                        <a:tab pos="8534400" algn="l"/>
+                        <a:tab pos="8983663" algn="l"/>
+                      </a:tabLst>
+                      <a:defRPr sz="2400">
+                        <a:solidFill>
+                          <a:schemeClr val="tx1"/>
+                        </a:solidFill>
+                        <a:latin typeface="Times New Roman" pitchFamily="18" charset="0"/>
+                      </a:defRPr>
+                    </a:lvl3pPr>
+                    <a:lvl4pPr>
+                      <a:tabLst>
+                        <a:tab pos="0" algn="l"/>
+                        <a:tab pos="447675" algn="l"/>
+                        <a:tab pos="896938" algn="l"/>
+                        <a:tab pos="1346200" algn="l"/>
+                        <a:tab pos="1795463" algn="l"/>
+                        <a:tab pos="2244725" algn="l"/>
+                        <a:tab pos="2693988" algn="l"/>
+                        <a:tab pos="3143250" algn="l"/>
+                        <a:tab pos="3592513" algn="l"/>
+                        <a:tab pos="4041775" algn="l"/>
+                        <a:tab pos="4491038" algn="l"/>
+                        <a:tab pos="4940300" algn="l"/>
+                        <a:tab pos="5389563" algn="l"/>
+                        <a:tab pos="5838825" algn="l"/>
+                        <a:tab pos="6288088" algn="l"/>
+                        <a:tab pos="6737350" algn="l"/>
+                        <a:tab pos="7186613" algn="l"/>
+                        <a:tab pos="7635875" algn="l"/>
+                        <a:tab pos="8085138" algn="l"/>
+                        <a:tab pos="8534400" algn="l"/>
+                        <a:tab pos="8983663" algn="l"/>
+                      </a:tabLst>
+                      <a:defRPr sz="2400">
+                        <a:solidFill>
+                          <a:schemeClr val="tx1"/>
+                        </a:solidFill>
+                        <a:latin typeface="Times New Roman" pitchFamily="18" charset="0"/>
+                      </a:defRPr>
+                    </a:lvl4pPr>
+                    <a:lvl5pPr>
+                      <a:tabLst>
+                        <a:tab pos="0" algn="l"/>
+                        <a:tab pos="447675" algn="l"/>
+                        <a:tab pos="896938" algn="l"/>
+                        <a:tab pos="1346200" algn="l"/>
+                        <a:tab pos="1795463" algn="l"/>
+                        <a:tab pos="2244725" algn="l"/>
+                        <a:tab pos="2693988" algn="l"/>
+                        <a:tab pos="3143250" algn="l"/>
+                        <a:tab pos="3592513" algn="l"/>
+                        <a:tab pos="4041775" algn="l"/>
+                        <a:tab pos="4491038" algn="l"/>
+                        <a:tab pos="4940300" algn="l"/>
+                        <a:tab pos="5389563" algn="l"/>
+                        <a:tab pos="5838825" algn="l"/>
+                        <a:tab pos="6288088" algn="l"/>
+                        <a:tab pos="6737350" algn="l"/>
+                        <a:tab pos="7186613" algn="l"/>
+                        <a:tab pos="7635875" algn="l"/>
+                        <a:tab pos="8085138" algn="l"/>
+                        <a:tab pos="8534400" algn="l"/>
+                        <a:tab pos="8983663" algn="l"/>
+                      </a:tabLst>
+                      <a:defRPr sz="2400">
+                        <a:solidFill>
+                          <a:schemeClr val="tx1"/>
+                        </a:solidFill>
+                        <a:latin typeface="Times New Roman" pitchFamily="18" charset="0"/>
+                      </a:defRPr>
+                    </a:lvl5pPr>
+                    <a:lvl6pPr eaLnBrk="0" fontAlgn="base" hangingPunct="0">
+                      <a:spcBef>
+                        <a:spcPct val="0"/>
+                      </a:spcBef>
+                      <a:spcAft>
+                        <a:spcPct val="0"/>
+                      </a:spcAft>
+                      <a:tabLst>
+                        <a:tab pos="0" algn="l"/>
+                        <a:tab pos="447675" algn="l"/>
+                        <a:tab pos="896938" algn="l"/>
+                        <a:tab pos="1346200" algn="l"/>
+                        <a:tab pos="1795463" algn="l"/>
+                        <a:tab pos="2244725" algn="l"/>
+                        <a:tab pos="2693988" algn="l"/>
+                        <a:tab pos="3143250" algn="l"/>
+                        <a:tab pos="3592513" algn="l"/>
+                        <a:tab pos="4041775" algn="l"/>
+                        <a:tab pos="4491038" algn="l"/>
+                        <a:tab pos="4940300" algn="l"/>
+                        <a:tab pos="5389563" algn="l"/>
+                        <a:tab pos="5838825" algn="l"/>
+                        <a:tab pos="6288088" algn="l"/>
+                        <a:tab pos="6737350" algn="l"/>
+                        <a:tab pos="7186613" algn="l"/>
+                        <a:tab pos="7635875" algn="l"/>
+                        <a:tab pos="8085138" algn="l"/>
+                        <a:tab pos="8534400" algn="l"/>
+                        <a:tab pos="8983663" algn="l"/>
+                      </a:tabLst>
+                      <a:defRPr sz="2400">
+                        <a:solidFill>
+                          <a:schemeClr val="tx1"/>
+                        </a:solidFill>
+                        <a:latin typeface="Times New Roman" pitchFamily="18" charset="0"/>
+                      </a:defRPr>
+                    </a:lvl6pPr>
+                    <a:lvl7pPr eaLnBrk="0" fontAlgn="base" hangingPunct="0">
+                      <a:spcBef>
+                        <a:spcPct val="0"/>
+                      </a:spcBef>
+                      <a:spcAft>
+                        <a:spcPct val="0"/>
+                      </a:spcAft>
+                      <a:tabLst>
+                        <a:tab pos="0" algn="l"/>
+                        <a:tab pos="447675" algn="l"/>
+                        <a:tab pos="896938" algn="l"/>
+                        <a:tab pos="1346200" algn="l"/>
+                        <a:tab pos="1795463" algn="l"/>
+                        <a:tab pos="2244725" algn="l"/>
+                        <a:tab pos="2693988" algn="l"/>
+                        <a:tab pos="3143250" algn="l"/>
+                        <a:tab pos="3592513" algn="l"/>
+                        <a:tab pos="4041775" algn="l"/>
+                        <a:tab pos="4491038" algn="l"/>
+                        <a:tab pos="4940300" algn="l"/>
+                        <a:tab pos="5389563" algn="l"/>
+                        <a:tab pos="5838825" algn="l"/>
+                        <a:tab pos="6288088" algn="l"/>
+                        <a:tab pos="6737350" algn="l"/>
+                        <a:tab pos="7186613" algn="l"/>
+                        <a:tab pos="7635875" algn="l"/>
+                        <a:tab pos="8085138" algn="l"/>
+                        <a:tab pos="8534400" algn="l"/>
+                        <a:tab pos="8983663" algn="l"/>
+                      </a:tabLst>
+                      <a:defRPr sz="2400">
+                        <a:solidFill>
+                          <a:schemeClr val="tx1"/>
+                        </a:solidFill>
+                        <a:latin typeface="Times New Roman" pitchFamily="18" charset="0"/>
+                      </a:defRPr>
+                    </a:lvl7pPr>
+                    <a:lvl8pPr eaLnBrk="0" fontAlgn="base" hangingPunct="0">
+                      <a:spcBef>
+                        <a:spcPct val="0"/>
+                      </a:spcBef>
+                      <a:spcAft>
+                        <a:spcPct val="0"/>
+                      </a:spcAft>
+                      <a:tabLst>
+                        <a:tab pos="0" algn="l"/>
+                        <a:tab pos="447675" algn="l"/>
+                        <a:tab pos="896938" algn="l"/>
+                        <a:tab pos="1346200" algn="l"/>
+                        <a:tab pos="1795463" algn="l"/>
+                        <a:tab pos="2244725" algn="l"/>
+                        <a:tab pos="2693988" algn="l"/>
+                        <a:tab pos="3143250" algn="l"/>
+                        <a:tab pos="3592513" algn="l"/>
+                        <a:tab pos="4041775" algn="l"/>
+                        <a:tab pos="4491038" algn="l"/>
+                        <a:tab pos="4940300" algn="l"/>
+                        <a:tab pos="5389563" algn="l"/>
+                        <a:tab pos="5838825" algn="l"/>
+                        <a:tab pos="6288088" algn="l"/>
+                        <a:tab pos="6737350" algn="l"/>
+                        <a:tab pos="7186613" algn="l"/>
+                        <a:tab pos="7635875" algn="l"/>
+                        <a:tab pos="8085138" algn="l"/>
+                        <a:tab pos="8534400" algn="l"/>
+                        <a:tab pos="8983663" algn="l"/>
+                      </a:tabLst>
+                      <a:defRPr sz="2400">
+                        <a:solidFill>
+                          <a:schemeClr val="tx1"/>
+                        </a:solidFill>
+                        <a:latin typeface="Times New Roman" pitchFamily="18" charset="0"/>
+                      </a:defRPr>
+                    </a:lvl8pPr>
+                    <a:lvl9pPr eaLnBrk="0" fontAlgn="base" hangingPunct="0">
+                      <a:spcBef>
+                        <a:spcPct val="0"/>
+                      </a:spcBef>
+                      <a:spcAft>
+                        <a:spcPct val="0"/>
+                      </a:spcAft>
+                      <a:tabLst>
+                        <a:tab pos="0" algn="l"/>
+                        <a:tab pos="447675" algn="l"/>
+                        <a:tab pos="896938" algn="l"/>
+                        <a:tab pos="1346200" algn="l"/>
+                        <a:tab pos="1795463" algn="l"/>
+                        <a:tab pos="2244725" algn="l"/>
+                        <a:tab pos="2693988" algn="l"/>
+                        <a:tab pos="3143250" algn="l"/>
+                        <a:tab pos="3592513" algn="l"/>
+                        <a:tab pos="4041775" algn="l"/>
+                        <a:tab pos="4491038" algn="l"/>
+                        <a:tab pos="4940300" algn="l"/>
+                        <a:tab pos="5389563" algn="l"/>
+                        <a:tab pos="5838825" algn="l"/>
+                        <a:tab pos="6288088" algn="l"/>
+                        <a:tab pos="6737350" algn="l"/>
+                        <a:tab pos="7186613" algn="l"/>
+                        <a:tab pos="7635875" algn="l"/>
+                        <a:tab pos="8085138" algn="l"/>
+                        <a:tab pos="8534400" algn="l"/>
+                        <a:tab pos="8983663" algn="l"/>
+                      </a:tabLst>
+                      <a:defRPr sz="2400">
+                        <a:solidFill>
+                          <a:schemeClr val="tx1"/>
+                        </a:solidFill>
+                        <a:latin typeface="Times New Roman" pitchFamily="18" charset="0"/>
+                      </a:defRPr>
+                    </a:lvl9pPr>
+                  </a:lstStyle>
+                  <a:p>
+                    <a:pPr algn="ctr">
+                      <a:lnSpc>
+                        <a:spcPts val="2116"/>
+                      </a:lnSpc>
+                      <a:buClr>
+                        <a:srgbClr val="000000"/>
+                      </a:buClr>
+                    </a:pPr>
+                    <a:r>
+                      <a:rPr lang="en-GB" sz="2100" b="1" dirty="0">
+                        <a:solidFill>
+                          <a:schemeClr val="bg1"/>
+                        </a:solidFill>
+                        <a:latin typeface="Verdana" pitchFamily="34" charset="0"/>
+                        <a:ea typeface="HG Mincho Light J" charset="0"/>
+                        <a:cs typeface="HG Mincho Light J" charset="0"/>
+                      </a:rPr>
+                      <a:t>Apache</a:t>
+                    </a:r>
+                  </a:p>
+                </p:txBody>
+              </p:sp>
+            </p:grpSp>
+          </p:grpSp>
+        </p:grpSp>
+      </p:grpSp>
+    </p:spTree>
+    <p:extLst>
+      <p:ext uri="{BB962C8B-B14F-4D97-AF65-F5344CB8AC3E}">
+        <p14:creationId xmlns:p14="http://schemas.microsoft.com/office/powerpoint/2010/main" val="4286818007"/>
+      </p:ext>
+    </p:extLst>
+  </p:cSld>
+  <p:clrMapOvr>
+    <a:masterClrMapping/>
+  </p:clrMapOvr>
+  <p:transition spd="med"/>
+</p:sld>
+</file>
+
+<file path=ppt/slides/slide12.xml><?xml version="1.0" encoding="utf-8"?>
+<p:sld xmlns:a="http://schemas.openxmlformats.org/drawingml/2006/main" xmlns:r="http://schemas.openxmlformats.org/officeDocument/2006/relationships" xmlns:p="http://schemas.openxmlformats.org/presentationml/2006/main">
+  <p:cSld>
+    <p:spTree>
+      <p:nvGrpSpPr>
+        <p:cNvPr id="1" name=""/>
+        <p:cNvGrpSpPr/>
+        <p:nvPr/>
+      </p:nvGrpSpPr>
+      <p:grpSpPr>
+        <a:xfrm>
+          <a:off x="0" y="0"/>
+          <a:ext cx="0" cy="0"/>
+          <a:chOff x="0" y="0"/>
+          <a:chExt cx="0" cy="0"/>
+        </a:xfrm>
+      </p:grpSpPr>
+      <p:sp>
+        <p:nvSpPr>
+          <p:cNvPr id="9217" name="Rectangle 1"/>
+          <p:cNvSpPr>
+            <a:spLocks noGrp="1" noChangeArrowheads="1"/>
+          </p:cNvSpPr>
+          <p:nvPr>
+            <p:ph type="title"/>
+          </p:nvPr>
+        </p:nvSpPr>
+        <p:spPr>
+          <a:xfrm>
+            <a:off x="1280330" y="887071"/>
+            <a:ext cx="9641297" cy="1018116"/>
+          </a:xfrm>
+          <a:ln/>
+        </p:spPr>
+        <p:txBody>
+          <a:bodyPr/>
+          <a:lstStyle/>
+          <a:p>
+            <a:pPr rtl="0">
+              <a:tabLst>
+                <a:tab pos="0" algn="l"/>
+                <a:tab pos="526376" algn="l"/>
+                <a:tab pos="1054620" algn="l"/>
+                <a:tab pos="1582862" algn="l"/>
+                <a:tab pos="2111105" algn="l"/>
+                <a:tab pos="2639348" algn="l"/>
+                <a:tab pos="3167591" algn="l"/>
+                <a:tab pos="3695833" algn="l"/>
+                <a:tab pos="4224077" algn="l"/>
+                <a:tab pos="4752319" algn="l"/>
+                <a:tab pos="5280562" algn="l"/>
+                <a:tab pos="5808805" algn="l"/>
+                <a:tab pos="6337048" algn="l"/>
+                <a:tab pos="6865290" algn="l"/>
+                <a:tab pos="7393534" algn="l"/>
+                <a:tab pos="7921776" algn="l"/>
+                <a:tab pos="8450020" algn="l"/>
+                <a:tab pos="8978262" algn="l"/>
+                <a:tab pos="9506505" algn="l"/>
+                <a:tab pos="10034748" algn="l"/>
+                <a:tab pos="10562991" algn="l"/>
+              </a:tabLst>
+            </a:pPr>
+            <a:r>
+              <a:rPr lang="en-GB" dirty="0">
+                <a:solidFill>
+                  <a:schemeClr val="bg1"/>
+                </a:solidFill>
+              </a:rPr>
+              <a:t>Hello World! (web oriented)</a:t>
+            </a:r>
+          </a:p>
+        </p:txBody>
+      </p:sp>
+      <p:sp>
+        <p:nvSpPr>
+          <p:cNvPr id="9218" name="Rectangle 2"/>
+          <p:cNvSpPr>
+            <a:spLocks noGrp="1" noChangeArrowheads="1"/>
+          </p:cNvSpPr>
+          <p:nvPr>
+            <p:ph type="subTitle" idx="4294967295"/>
+          </p:nvPr>
+        </p:nvSpPr>
+        <p:spPr bwMode="auto">
+          <a:xfrm>
+            <a:off x="1280330" y="2074874"/>
+            <a:ext cx="9641297" cy="3840614"/>
+          </a:xfrm>
+          <a:prstGeom prst="rect">
+            <a:avLst/>
+          </a:prstGeom>
+          <a:noFill/>
+          <a:ln/>
+          <a:extLst>
+            <a:ext uri="{909E8E84-426E-40DD-AFC4-6F175D3DCCD1}">
+              <a14:hiddenFill xmlns:a14="http://schemas.microsoft.com/office/drawing/2010/main">
+                <a:solidFill>
+                  <a:srgbClr val="008000"/>
+                </a:solidFill>
+              </a14:hiddenFill>
+            </a:ext>
+            <a:ext uri="{91240B29-F687-4F45-9708-019B960494DF}">
+              <a14:hiddenLine xmlns:a14="http://schemas.microsoft.com/office/drawing/2010/main" w="9525">
+                <a:solidFill>
+                  <a:srgbClr val="000000"/>
+                </a:solidFill>
+                <a:miter lim="800000"/>
+                <a:headEnd/>
+                <a:tailEnd/>
+              </a14:hiddenLine>
+            </a:ext>
+          </a:extLst>
+        </p:spPr>
+        <p:txBody>
+          <a:bodyPr lIns="0" tIns="0" rIns="0" bIns="0" anchor="ctr"/>
+          <a:lstStyle/>
+          <a:p>
+            <a:pPr marL="0" indent="0" algn="l" rtl="0">
+              <a:lnSpc>
+                <a:spcPts val="2116"/>
+              </a:lnSpc>
+              <a:spcAft>
+                <a:spcPct val="0"/>
+              </a:spcAft>
+              <a:buSzTx/>
+              <a:buNone/>
+              <a:tabLst>
+                <a:tab pos="123194" algn="l"/>
+                <a:tab pos="651438" algn="l"/>
+                <a:tab pos="1179680" algn="l"/>
+                <a:tab pos="1707924" algn="l"/>
+                <a:tab pos="2236166" algn="l"/>
+                <a:tab pos="2764409" algn="l"/>
+                <a:tab pos="3292652" algn="l"/>
+                <a:tab pos="3820895" algn="l"/>
+                <a:tab pos="4349137" algn="l"/>
+                <a:tab pos="4877381" algn="l"/>
+                <a:tab pos="5405623" algn="l"/>
+                <a:tab pos="5933866" algn="l"/>
+                <a:tab pos="6462109" algn="l"/>
+                <a:tab pos="6990352" algn="l"/>
+                <a:tab pos="7518594" algn="l"/>
+                <a:tab pos="8046838" algn="l"/>
+                <a:tab pos="8575080" algn="l"/>
+                <a:tab pos="9103323" algn="l"/>
+                <a:tab pos="9631566" algn="l"/>
+                <a:tab pos="10159809" algn="l"/>
+              </a:tabLst>
+            </a:pPr>
+            <a:r>
+              <a:rPr lang="en-GB" sz="2100" b="1" dirty="0">
+                <a:solidFill>
+                  <a:schemeClr val="bg1"/>
+                </a:solidFill>
+                <a:latin typeface="Verdana" pitchFamily="34" charset="0"/>
+              </a:rPr>
+              <a:t>&lt;html&gt;</a:t>
+            </a:r>
+          </a:p>
+          <a:p>
+            <a:pPr marL="0" indent="0" algn="l" rtl="0">
+              <a:lnSpc>
+                <a:spcPct val="101000"/>
+              </a:lnSpc>
+              <a:spcAft>
+                <a:spcPct val="0"/>
+              </a:spcAft>
+              <a:buSzTx/>
+              <a:buNone/>
+              <a:tabLst>
+                <a:tab pos="123194" algn="l"/>
+                <a:tab pos="651438" algn="l"/>
+                <a:tab pos="1179680" algn="l"/>
+                <a:tab pos="1707924" algn="l"/>
+                <a:tab pos="2236166" algn="l"/>
+                <a:tab pos="2764409" algn="l"/>
+                <a:tab pos="3292652" algn="l"/>
+                <a:tab pos="3820895" algn="l"/>
+                <a:tab pos="4349137" algn="l"/>
+                <a:tab pos="4877381" algn="l"/>
+                <a:tab pos="5405623" algn="l"/>
+                <a:tab pos="5933866" algn="l"/>
+                <a:tab pos="6462109" algn="l"/>
+                <a:tab pos="6990352" algn="l"/>
+                <a:tab pos="7518594" algn="l"/>
+                <a:tab pos="8046838" algn="l"/>
+                <a:tab pos="8575080" algn="l"/>
+                <a:tab pos="9103323" algn="l"/>
+                <a:tab pos="9631566" algn="l"/>
+                <a:tab pos="10159809" algn="l"/>
+              </a:tabLst>
+            </a:pPr>
+            <a:r>
+              <a:rPr lang="en-GB" sz="2100" b="1" dirty="0">
+                <a:solidFill>
+                  <a:schemeClr val="bg1"/>
+                </a:solidFill>
+                <a:latin typeface="Verdana" pitchFamily="34" charset="0"/>
+              </a:rPr>
+              <a:t>&lt;head&gt;</a:t>
+            </a:r>
+          </a:p>
+          <a:p>
+            <a:pPr marL="0" indent="0" algn="l" rtl="0">
+              <a:lnSpc>
+                <a:spcPct val="101000"/>
+              </a:lnSpc>
+              <a:spcAft>
+                <a:spcPct val="0"/>
+              </a:spcAft>
+              <a:buSzTx/>
+              <a:buNone/>
+              <a:tabLst>
+                <a:tab pos="123194" algn="l"/>
+                <a:tab pos="651438" algn="l"/>
+                <a:tab pos="1179680" algn="l"/>
+                <a:tab pos="1707924" algn="l"/>
+                <a:tab pos="2236166" algn="l"/>
+                <a:tab pos="2764409" algn="l"/>
+                <a:tab pos="3292652" algn="l"/>
+                <a:tab pos="3820895" algn="l"/>
+                <a:tab pos="4349137" algn="l"/>
+                <a:tab pos="4877381" algn="l"/>
+                <a:tab pos="5405623" algn="l"/>
+                <a:tab pos="5933866" algn="l"/>
+                <a:tab pos="6462109" algn="l"/>
+                <a:tab pos="6990352" algn="l"/>
+                <a:tab pos="7518594" algn="l"/>
+                <a:tab pos="8046838" algn="l"/>
+                <a:tab pos="8575080" algn="l"/>
+                <a:tab pos="9103323" algn="l"/>
+                <a:tab pos="9631566" algn="l"/>
+                <a:tab pos="10159809" algn="l"/>
+              </a:tabLst>
+            </a:pPr>
+            <a:r>
+              <a:rPr lang="en-GB" sz="2100" b="1" dirty="0">
+                <a:solidFill>
+                  <a:schemeClr val="bg1"/>
+                </a:solidFill>
+                <a:latin typeface="Verdana" pitchFamily="34" charset="0"/>
+              </a:rPr>
+              <a:t>   &lt;title&gt;My personal Hello World! PHP script&lt;/title&gt;</a:t>
+            </a:r>
+          </a:p>
+          <a:p>
+            <a:pPr marL="0" indent="0" algn="l" rtl="0">
+              <a:lnSpc>
+                <a:spcPct val="101000"/>
+              </a:lnSpc>
+              <a:spcAft>
+                <a:spcPct val="0"/>
+              </a:spcAft>
+              <a:buSzTx/>
+              <a:buNone/>
+              <a:tabLst>
+                <a:tab pos="123194" algn="l"/>
+                <a:tab pos="651438" algn="l"/>
+                <a:tab pos="1179680" algn="l"/>
+                <a:tab pos="1707924" algn="l"/>
+                <a:tab pos="2236166" algn="l"/>
+                <a:tab pos="2764409" algn="l"/>
+                <a:tab pos="3292652" algn="l"/>
+                <a:tab pos="3820895" algn="l"/>
+                <a:tab pos="4349137" algn="l"/>
+                <a:tab pos="4877381" algn="l"/>
+                <a:tab pos="5405623" algn="l"/>
+                <a:tab pos="5933866" algn="l"/>
+                <a:tab pos="6462109" algn="l"/>
+                <a:tab pos="6990352" algn="l"/>
+                <a:tab pos="7518594" algn="l"/>
+                <a:tab pos="8046838" algn="l"/>
+                <a:tab pos="8575080" algn="l"/>
+                <a:tab pos="9103323" algn="l"/>
+                <a:tab pos="9631566" algn="l"/>
+                <a:tab pos="10159809" algn="l"/>
+              </a:tabLst>
+            </a:pPr>
+            <a:r>
+              <a:rPr lang="en-GB" sz="2100" b="1" dirty="0">
+                <a:solidFill>
+                  <a:schemeClr val="bg1"/>
+                </a:solidFill>
+                <a:latin typeface="Verdana" pitchFamily="34" charset="0"/>
+              </a:rPr>
+              <a:t>&lt;/head&gt;</a:t>
+            </a:r>
+          </a:p>
+          <a:p>
+            <a:pPr marL="0" indent="0" algn="l" rtl="0">
+              <a:lnSpc>
+                <a:spcPct val="101000"/>
+              </a:lnSpc>
+              <a:spcAft>
+                <a:spcPct val="0"/>
+              </a:spcAft>
+              <a:buSzTx/>
+              <a:buNone/>
+              <a:tabLst>
+                <a:tab pos="123194" algn="l"/>
+                <a:tab pos="651438" algn="l"/>
+                <a:tab pos="1179680" algn="l"/>
+                <a:tab pos="1707924" algn="l"/>
+                <a:tab pos="2236166" algn="l"/>
+                <a:tab pos="2764409" algn="l"/>
+                <a:tab pos="3292652" algn="l"/>
+                <a:tab pos="3820895" algn="l"/>
+                <a:tab pos="4349137" algn="l"/>
+                <a:tab pos="4877381" algn="l"/>
+                <a:tab pos="5405623" algn="l"/>
+                <a:tab pos="5933866" algn="l"/>
+                <a:tab pos="6462109" algn="l"/>
+                <a:tab pos="6990352" algn="l"/>
+                <a:tab pos="7518594" algn="l"/>
+                <a:tab pos="8046838" algn="l"/>
+                <a:tab pos="8575080" algn="l"/>
+                <a:tab pos="9103323" algn="l"/>
+                <a:tab pos="9631566" algn="l"/>
+                <a:tab pos="10159809" algn="l"/>
+              </a:tabLst>
+            </a:pPr>
+            <a:r>
+              <a:rPr lang="en-GB" sz="2100" b="1" dirty="0">
+                <a:solidFill>
+                  <a:schemeClr val="bg1"/>
+                </a:solidFill>
+                <a:latin typeface="Verdana" pitchFamily="34" charset="0"/>
+              </a:rPr>
+              <a:t>&lt;body&gt;</a:t>
+            </a:r>
+          </a:p>
+          <a:p>
+            <a:pPr marL="0" indent="0" algn="l" rtl="0">
+              <a:lnSpc>
+                <a:spcPct val="101000"/>
+              </a:lnSpc>
+              <a:spcAft>
+                <a:spcPct val="0"/>
+              </a:spcAft>
+              <a:buSzTx/>
+              <a:buNone/>
+              <a:tabLst>
+                <a:tab pos="123194" algn="l"/>
+                <a:tab pos="651438" algn="l"/>
+                <a:tab pos="1179680" algn="l"/>
+                <a:tab pos="1707924" algn="l"/>
+                <a:tab pos="2236166" algn="l"/>
+                <a:tab pos="2764409" algn="l"/>
+                <a:tab pos="3292652" algn="l"/>
+                <a:tab pos="3820895" algn="l"/>
+                <a:tab pos="4349137" algn="l"/>
+                <a:tab pos="4877381" algn="l"/>
+                <a:tab pos="5405623" algn="l"/>
+                <a:tab pos="5933866" algn="l"/>
+                <a:tab pos="6462109" algn="l"/>
+                <a:tab pos="6990352" algn="l"/>
+                <a:tab pos="7518594" algn="l"/>
+                <a:tab pos="8046838" algn="l"/>
+                <a:tab pos="8575080" algn="l"/>
+                <a:tab pos="9103323" algn="l"/>
+                <a:tab pos="9631566" algn="l"/>
+                <a:tab pos="10159809" algn="l"/>
+              </a:tabLst>
+            </a:pPr>
+            <a:r>
+              <a:rPr lang="en-GB" sz="2100" b="1" dirty="0">
+                <a:solidFill>
+                  <a:schemeClr val="bg1"/>
+                </a:solidFill>
+                <a:latin typeface="Verdana" pitchFamily="34" charset="0"/>
+              </a:rPr>
+              <a:t>&lt;?</a:t>
+            </a:r>
+          </a:p>
+          <a:p>
+            <a:pPr marL="0" indent="0" algn="l" rtl="0">
+              <a:lnSpc>
+                <a:spcPct val="101000"/>
+              </a:lnSpc>
+              <a:spcAft>
+                <a:spcPct val="0"/>
+              </a:spcAft>
+              <a:buSzTx/>
+              <a:buNone/>
+              <a:tabLst>
+                <a:tab pos="123194" algn="l"/>
+                <a:tab pos="651438" algn="l"/>
+                <a:tab pos="1179680" algn="l"/>
+                <a:tab pos="1707924" algn="l"/>
+                <a:tab pos="2236166" algn="l"/>
+                <a:tab pos="2764409" algn="l"/>
+                <a:tab pos="3292652" algn="l"/>
+                <a:tab pos="3820895" algn="l"/>
+                <a:tab pos="4349137" algn="l"/>
+                <a:tab pos="4877381" algn="l"/>
+                <a:tab pos="5405623" algn="l"/>
+                <a:tab pos="5933866" algn="l"/>
+                <a:tab pos="6462109" algn="l"/>
+                <a:tab pos="6990352" algn="l"/>
+                <a:tab pos="7518594" algn="l"/>
+                <a:tab pos="8046838" algn="l"/>
+                <a:tab pos="8575080" algn="l"/>
+                <a:tab pos="9103323" algn="l"/>
+                <a:tab pos="9631566" algn="l"/>
+                <a:tab pos="10159809" algn="l"/>
+              </a:tabLst>
+            </a:pPr>
+            <a:r>
+              <a:rPr lang="en-GB" sz="2100" b="1" dirty="0">
+                <a:solidFill>
+                  <a:schemeClr val="bg1"/>
+                </a:solidFill>
+                <a:latin typeface="Verdana" pitchFamily="34" charset="0"/>
+              </a:rPr>
+              <a:t>	echo “Hello World!”;</a:t>
+            </a:r>
+          </a:p>
+          <a:p>
+            <a:pPr marL="0" indent="0" algn="l" rtl="0">
+              <a:lnSpc>
+                <a:spcPct val="101000"/>
+              </a:lnSpc>
+              <a:spcAft>
+                <a:spcPct val="0"/>
+              </a:spcAft>
+              <a:buSzTx/>
+              <a:buNone/>
+              <a:tabLst>
+                <a:tab pos="123194" algn="l"/>
+                <a:tab pos="651438" algn="l"/>
+                <a:tab pos="1179680" algn="l"/>
+                <a:tab pos="1707924" algn="l"/>
+                <a:tab pos="2236166" algn="l"/>
+                <a:tab pos="2764409" algn="l"/>
+                <a:tab pos="3292652" algn="l"/>
+                <a:tab pos="3820895" algn="l"/>
+                <a:tab pos="4349137" algn="l"/>
+                <a:tab pos="4877381" algn="l"/>
+                <a:tab pos="5405623" algn="l"/>
+                <a:tab pos="5933866" algn="l"/>
+                <a:tab pos="6462109" algn="l"/>
+                <a:tab pos="6990352" algn="l"/>
+                <a:tab pos="7518594" algn="l"/>
+                <a:tab pos="8046838" algn="l"/>
+                <a:tab pos="8575080" algn="l"/>
+                <a:tab pos="9103323" algn="l"/>
+                <a:tab pos="9631566" algn="l"/>
+                <a:tab pos="10159809" algn="l"/>
+              </a:tabLst>
+            </a:pPr>
+            <a:r>
+              <a:rPr lang="en-GB" sz="2100" b="1" dirty="0">
+                <a:solidFill>
+                  <a:schemeClr val="bg1"/>
+                </a:solidFill>
+                <a:latin typeface="Verdana" pitchFamily="34" charset="0"/>
+              </a:rPr>
+              <a:t>?&gt;</a:t>
+            </a:r>
+          </a:p>
+          <a:p>
+            <a:pPr marL="0" indent="0" algn="l" rtl="0">
+              <a:lnSpc>
+                <a:spcPct val="101000"/>
+              </a:lnSpc>
+              <a:spcAft>
+                <a:spcPct val="0"/>
+              </a:spcAft>
+              <a:buSzTx/>
+              <a:buNone/>
+              <a:tabLst>
+                <a:tab pos="123194" algn="l"/>
+                <a:tab pos="651438" algn="l"/>
+                <a:tab pos="1179680" algn="l"/>
+                <a:tab pos="1707924" algn="l"/>
+                <a:tab pos="2236166" algn="l"/>
+                <a:tab pos="2764409" algn="l"/>
+                <a:tab pos="3292652" algn="l"/>
+                <a:tab pos="3820895" algn="l"/>
+                <a:tab pos="4349137" algn="l"/>
+                <a:tab pos="4877381" algn="l"/>
+                <a:tab pos="5405623" algn="l"/>
+                <a:tab pos="5933866" algn="l"/>
+                <a:tab pos="6462109" algn="l"/>
+                <a:tab pos="6990352" algn="l"/>
+                <a:tab pos="7518594" algn="l"/>
+                <a:tab pos="8046838" algn="l"/>
+                <a:tab pos="8575080" algn="l"/>
+                <a:tab pos="9103323" algn="l"/>
+                <a:tab pos="9631566" algn="l"/>
+                <a:tab pos="10159809" algn="l"/>
+              </a:tabLst>
+            </a:pPr>
+            <a:r>
+              <a:rPr lang="en-GB" sz="2100" b="1" dirty="0">
+                <a:solidFill>
+                  <a:schemeClr val="bg1"/>
+                </a:solidFill>
+                <a:latin typeface="Verdana" pitchFamily="34" charset="0"/>
+              </a:rPr>
+              <a:t>&lt;/html&gt;</a:t>
+            </a:r>
+          </a:p>
+        </p:txBody>
+      </p:sp>
+    </p:spTree>
+    <p:extLst>
+      <p:ext uri="{BB962C8B-B14F-4D97-AF65-F5344CB8AC3E}">
+        <p14:creationId xmlns:p14="http://schemas.microsoft.com/office/powerpoint/2010/main" val="1522143384"/>
+      </p:ext>
+    </p:extLst>
+  </p:cSld>
+  <p:clrMapOvr>
+    <a:masterClrMapping/>
+  </p:clrMapOvr>
+  <p:transition spd="med"/>
+</p:sld>
+</file>
+
+<file path=ppt/slides/slide13.xml><?xml version="1.0" encoding="utf-8"?>
 <p:sld xmlns:a="http://schemas.openxmlformats.org/drawingml/2006/main" xmlns:r="http://schemas.openxmlformats.org/officeDocument/2006/relationships" xmlns:p="http://schemas.openxmlformats.org/presentationml/2006/main">
   <p:cSld>
     <p:spTree>
@@ -6728,7 +11152,7 @@
           <p:cNvPr id="11" name="Group 10">
             <a:extLst>
               <a:ext uri="{FF2B5EF4-FFF2-40B4-BE49-F238E27FC236}">
-                <a16:creationId xmlns:a16="http://schemas.microsoft.com/office/drawing/2014/main" id="{F4D7BA76-647D-D5D2-A219-CA9A9EDF7E3D}"/>
+                <a16:creationId xmlns:a16="http://schemas.microsoft.com/office/drawing/2014/main" xmlns="" id="{F4D7BA76-647D-D5D2-A219-CA9A9EDF7E3D}"/>
               </a:ext>
             </a:extLst>
           </p:cNvPr>
@@ -6868,7 +11292,7 @@
               <a:blip r:embed="rId3">
                 <a:extLst>
                   <a:ext uri="{96DAC541-7B7A-43D3-8B79-37D633B846F1}">
-                    <asvg:svgBlip xmlns:asvg="http://schemas.microsoft.com/office/drawing/2016/SVG/main" r:embed="rId4"/>
+                    <asvg:svgBlip xmlns:asvg="http://schemas.microsoft.com/office/drawing/2016/SVG/main" xmlns="" r:embed="rId4"/>
                   </a:ext>
                 </a:extLst>
               </a:blip>
@@ -6921,7 +11345,7 @@
           <p:cNvPr id="12" name="Picture 11">
             <a:extLst>
               <a:ext uri="{FF2B5EF4-FFF2-40B4-BE49-F238E27FC236}">
-                <a16:creationId xmlns:a16="http://schemas.microsoft.com/office/drawing/2014/main" id="{1746299F-7940-CB32-D028-8752FF269AB5}"/>
+                <a16:creationId xmlns:a16="http://schemas.microsoft.com/office/drawing/2014/main" xmlns="" id="{1746299F-7940-CB32-D028-8752FF269AB5}"/>
               </a:ext>
             </a:extLst>
           </p:cNvPr>
@@ -6951,7 +11375,7 @@
           <p:cNvPr id="2" name="Rectangle 1">
             <a:extLst>
               <a:ext uri="{FF2B5EF4-FFF2-40B4-BE49-F238E27FC236}">
-                <a16:creationId xmlns:a16="http://schemas.microsoft.com/office/drawing/2014/main" id="{4FD554C0-858E-5437-E570-A8D9D2169CB8}"/>
+                <a16:creationId xmlns:a16="http://schemas.microsoft.com/office/drawing/2014/main" xmlns="" id="{4FD554C0-858E-5437-E570-A8D9D2169CB8}"/>
               </a:ext>
             </a:extLst>
           </p:cNvPr>
@@ -7066,7 +11490,7 @@
           <p:cNvPr id="6" name="Rectangle: Rounded Corners 5">
             <a:extLst>
               <a:ext uri="{FF2B5EF4-FFF2-40B4-BE49-F238E27FC236}">
-                <a16:creationId xmlns:a16="http://schemas.microsoft.com/office/drawing/2014/main" id="{722EAAB6-B335-BB67-7973-75A39F82B769}"/>
+                <a16:creationId xmlns:a16="http://schemas.microsoft.com/office/drawing/2014/main" xmlns="" id="{722EAAB6-B335-BB67-7973-75A39F82B769}"/>
               </a:ext>
             </a:extLst>
           </p:cNvPr>
@@ -7120,7 +11544,7 @@
               <a:defRPr/>
             </a:pPr>
             <a:r>
-              <a:rPr kumimoji="0" lang="en-US" sz="2800" b="0" i="0" u="none" strike="noStrike" kern="1200" cap="none" spc="0" normalizeH="0" baseline="0" noProof="0" dirty="0">
+              <a:rPr kumimoji="0" lang="en-US" sz="2800" b="0" i="0" u="none" strike="noStrike" kern="1200" cap="none" spc="0" normalizeH="0" baseline="0" noProof="0" dirty="0" smtClean="0">
                 <a:ln>
                   <a:noFill/>
                 </a:ln>
@@ -7134,8 +11558,71 @@
                 <a:ea typeface="+mn-ea"/>
                 <a:cs typeface="+mn-cs"/>
               </a:rPr>
-              <a:t>Create our first form with access</a:t>
-            </a:r>
+              <a:t>Lets create our first task </a:t>
+            </a:r>
+            <a:br>
+              <a:rPr kumimoji="0" lang="en-US" sz="2800" b="0" i="0" u="none" strike="noStrike" kern="1200" cap="none" spc="0" normalizeH="0" baseline="0" noProof="0" dirty="0" smtClean="0">
+                <a:ln>
+                  <a:noFill/>
+                </a:ln>
+                <a:solidFill>
+                  <a:srgbClr val="000000"/>
+                </a:solidFill>
+                <a:effectLst/>
+                <a:uLnTx/>
+                <a:uFillTx/>
+                <a:latin typeface="Dekko"/>
+                <a:ea typeface="+mn-ea"/>
+                <a:cs typeface="+mn-cs"/>
+              </a:rPr>
+            </a:br>
+            <a:r>
+              <a:rPr kumimoji="0" lang="en-US" sz="2800" b="0" i="0" u="none" strike="noStrike" kern="1200" cap="none" spc="0" normalizeH="0" baseline="0" noProof="0" dirty="0" smtClean="0">
+                <a:ln>
+                  <a:noFill/>
+                </a:ln>
+                <a:solidFill>
+                  <a:srgbClr val="000000"/>
+                </a:solidFill>
+                <a:effectLst/>
+                <a:uLnTx/>
+                <a:uFillTx/>
+                <a:latin typeface="Dekko"/>
+                <a:ea typeface="+mn-ea"/>
+                <a:cs typeface="+mn-cs"/>
+              </a:rPr>
+              <a:t/>
+            </a:r>
+            <a:br>
+              <a:rPr kumimoji="0" lang="en-US" sz="2800" b="0" i="0" u="none" strike="noStrike" kern="1200" cap="none" spc="0" normalizeH="0" baseline="0" noProof="0" dirty="0" smtClean="0">
+                <a:ln>
+                  <a:noFill/>
+                </a:ln>
+                <a:solidFill>
+                  <a:srgbClr val="000000"/>
+                </a:solidFill>
+                <a:effectLst/>
+                <a:uLnTx/>
+                <a:uFillTx/>
+                <a:latin typeface="Dekko"/>
+                <a:ea typeface="+mn-ea"/>
+                <a:cs typeface="+mn-cs"/>
+              </a:rPr>
+            </a:br>
+            <a:endParaRPr kumimoji="0" lang="en-US" sz="2800" b="0" i="0" u="none" strike="noStrike" kern="1200" cap="none" spc="0" normalizeH="0" baseline="0" noProof="0" dirty="0">
+              <a:ln>
+                <a:noFill/>
+              </a:ln>
+              <a:solidFill>
+                <a:srgbClr val="000000"/>
+              </a:solidFill>
+              <a:effectLst/>
+              <a:uLnTx/>
+              <a:uFillTx/>
+              <a:latin typeface="Dekko"/>
+              <a:ea typeface="+mn-ea"/>
+              <a:cs typeface="+mn-cs"/>
+            </a:endParaRPr>
           </a:p>
         </p:txBody>
       </p:sp>
@@ -7155,7 +11642,7 @@
 </p:sld>
 </file>
 
-<file path=ppt/slides/slide9.xml><?xml version="1.0" encoding="utf-8"?>
+<file path=ppt/slides/slide14.xml><?xml version="1.0" encoding="utf-8"?>
 <p:sld xmlns:a="http://schemas.openxmlformats.org/drawingml/2006/main" xmlns:r="http://schemas.openxmlformats.org/officeDocument/2006/relationships" xmlns:p="http://schemas.openxmlformats.org/presentationml/2006/main">
   <p:cSld>
     <p:spTree>
@@ -7177,7 +11664,7 @@
           <p:cNvPr id="2" name="Title 1">
             <a:extLst>
               <a:ext uri="{FF2B5EF4-FFF2-40B4-BE49-F238E27FC236}">
-                <a16:creationId xmlns:a16="http://schemas.microsoft.com/office/drawing/2014/main" id="{12BCCE3A-5785-426C-AB32-3F601A2B2699}"/>
+                <a16:creationId xmlns:a16="http://schemas.microsoft.com/office/drawing/2014/main" xmlns="" id="{12BCCE3A-5785-426C-AB32-3F601A2B2699}"/>
               </a:ext>
             </a:extLst>
           </p:cNvPr>
@@ -7212,7 +11699,7 @@
           <p:cNvPr id="7" name="TextBox 6">
             <a:extLst>
               <a:ext uri="{FF2B5EF4-FFF2-40B4-BE49-F238E27FC236}">
-                <a16:creationId xmlns:a16="http://schemas.microsoft.com/office/drawing/2014/main" id="{4DDA9555-72D3-F9DF-3FC3-E5E93E2BAF86}"/>
+                <a16:creationId xmlns:a16="http://schemas.microsoft.com/office/drawing/2014/main" xmlns="" id="{4DDA9555-72D3-F9DF-3FC3-E5E93E2BAF86}"/>
               </a:ext>
             </a:extLst>
           </p:cNvPr>
@@ -7256,7 +11743,7 @@
           <p:cNvPr id="9" name="TextBox 8">
             <a:extLst>
               <a:ext uri="{FF2B5EF4-FFF2-40B4-BE49-F238E27FC236}">
-                <a16:creationId xmlns:a16="http://schemas.microsoft.com/office/drawing/2014/main" id="{33A6FA61-E3A5-5C1B-8A13-C36D5DE1425F}"/>
+                <a16:creationId xmlns:a16="http://schemas.microsoft.com/office/drawing/2014/main" xmlns="" id="{33A6FA61-E3A5-5C1B-8A13-C36D5DE1425F}"/>
               </a:ext>
             </a:extLst>
           </p:cNvPr>
@@ -7289,7 +11776,7 @@
                 <a:hlinkClick r:id="rId2">
                   <a:extLst>
                     <a:ext uri="{A12FA001-AC4F-418D-AE19-62706E023703}">
-                      <ahyp:hlinkClr xmlns:ahyp="http://schemas.microsoft.com/office/drawing/2018/hyperlinkcolor" val="tx"/>
+                      <ahyp:hlinkClr xmlns:ahyp="http://schemas.microsoft.com/office/drawing/2018/hyperlinkcolor" xmlns="" val="tx"/>
                     </a:ext>
                   </a:extLst>
                 </a:hlinkClick>
@@ -7311,7 +11798,7 @@
           <p:cNvPr id="17" name="Picture 16">
             <a:extLst>
               <a:ext uri="{FF2B5EF4-FFF2-40B4-BE49-F238E27FC236}">
-                <a16:creationId xmlns:a16="http://schemas.microsoft.com/office/drawing/2014/main" id="{AD5388BC-4B3C-F6A3-CC25-E3D2E183EDA4}"/>
+                <a16:creationId xmlns:a16="http://schemas.microsoft.com/office/drawing/2014/main" xmlns="" id="{AD5388BC-4B3C-F6A3-CC25-E3D2E183EDA4}"/>
               </a:ext>
             </a:extLst>
           </p:cNvPr>
@@ -7347,7 +11834,7 @@
           <p:cNvPr id="19" name="Picture 18">
             <a:extLst>
               <a:ext uri="{FF2B5EF4-FFF2-40B4-BE49-F238E27FC236}">
-                <a16:creationId xmlns:a16="http://schemas.microsoft.com/office/drawing/2014/main" id="{F8BDD4BF-2D53-6D1E-BBE4-2F7D234BDA65}"/>
+                <a16:creationId xmlns:a16="http://schemas.microsoft.com/office/drawing/2014/main" xmlns="" id="{F8BDD4BF-2D53-6D1E-BBE4-2F7D234BDA65}"/>
               </a:ext>
             </a:extLst>
           </p:cNvPr>
@@ -7383,7 +11870,7 @@
           <p:cNvPr id="21" name="TextBox 20">
             <a:extLst>
               <a:ext uri="{FF2B5EF4-FFF2-40B4-BE49-F238E27FC236}">
-                <a16:creationId xmlns:a16="http://schemas.microsoft.com/office/drawing/2014/main" id="{B2FC02C1-C499-A67E-826C-79EB1128F33C}"/>
+                <a16:creationId xmlns:a16="http://schemas.microsoft.com/office/drawing/2014/main" xmlns="" id="{B2FC02C1-C499-A67E-826C-79EB1128F33C}"/>
               </a:ext>
             </a:extLst>
           </p:cNvPr>
@@ -7460,6 +11947,1660 @@
       </p:transition>
     </mc:Fallback>
   </mc:AlternateContent>
+</p:sld>
+</file>
+
+<file path=ppt/slides/slide2.xml><?xml version="1.0" encoding="utf-8"?>
+<p:sld xmlns:a="http://schemas.openxmlformats.org/drawingml/2006/main" xmlns:r="http://schemas.openxmlformats.org/officeDocument/2006/relationships" xmlns:p="http://schemas.openxmlformats.org/presentationml/2006/main">
+  <p:cSld>
+    <p:spTree>
+      <p:nvGrpSpPr>
+        <p:cNvPr id="1" name=""/>
+        <p:cNvGrpSpPr/>
+        <p:nvPr/>
+      </p:nvGrpSpPr>
+      <p:grpSpPr>
+        <a:xfrm>
+          <a:off x="0" y="0"/>
+          <a:ext cx="0" cy="0"/>
+          <a:chOff x="0" y="0"/>
+          <a:chExt cx="0" cy="0"/>
+        </a:xfrm>
+      </p:grpSpPr>
+      <p:sp>
+        <p:nvSpPr>
+          <p:cNvPr id="4" name="Title 3">
+            <a:extLst>
+              <a:ext uri="{FF2B5EF4-FFF2-40B4-BE49-F238E27FC236}">
+                <a16:creationId xmlns:a16="http://schemas.microsoft.com/office/drawing/2014/main" xmlns="" id="{AE9794BF-1A72-B6EB-E63E-C5DE312EA0A0}"/>
+              </a:ext>
+            </a:extLst>
+          </p:cNvPr>
+          <p:cNvSpPr>
+            <a:spLocks noGrp="1"/>
+          </p:cNvSpPr>
+          <p:nvPr>
+            <p:ph type="title"/>
+          </p:nvPr>
+        </p:nvSpPr>
+        <p:spPr>
+          <a:xfrm>
+            <a:off x="1220325" y="1133655"/>
+            <a:ext cx="6241816" cy="622885"/>
+          </a:xfrm>
+        </p:spPr>
+        <p:txBody>
+          <a:bodyPr>
+            <a:normAutofit/>
+          </a:bodyPr>
+          <a:lstStyle/>
+          <a:p>
+            <a:pPr algn="ctr"/>
+            <a:r>
+              <a:rPr lang="en-US" sz="3200" b="1" dirty="0">
+                <a:solidFill>
+                  <a:schemeClr val="accent2"/>
+                </a:solidFill>
+              </a:rPr>
+              <a:t>Made By</a:t>
+            </a:r>
+            <a:endParaRPr lang="ar-EG" sz="3200" b="1" dirty="0">
+              <a:solidFill>
+                <a:schemeClr val="accent2"/>
+              </a:solidFill>
+            </a:endParaRPr>
+          </a:p>
+        </p:txBody>
+      </p:sp>
+      <p:sp>
+        <p:nvSpPr>
+          <p:cNvPr id="5" name="Text Placeholder 4">
+            <a:extLst>
+              <a:ext uri="{FF2B5EF4-FFF2-40B4-BE49-F238E27FC236}">
+                <a16:creationId xmlns:a16="http://schemas.microsoft.com/office/drawing/2014/main" xmlns="" id="{AFEE3058-E5FF-CB8A-D7A3-6A30BCECB56D}"/>
+              </a:ext>
+            </a:extLst>
+          </p:cNvPr>
+          <p:cNvSpPr>
+            <a:spLocks noGrp="1"/>
+          </p:cNvSpPr>
+          <p:nvPr>
+            <p:ph type="body" sz="half" idx="2"/>
+          </p:nvPr>
+        </p:nvSpPr>
+        <p:spPr>
+          <a:xfrm>
+            <a:off x="1295399" y="1989444"/>
+            <a:ext cx="6241816" cy="622885"/>
+          </a:xfrm>
+        </p:spPr>
+        <p:txBody>
+          <a:bodyPr>
+            <a:normAutofit/>
+          </a:bodyPr>
+          <a:lstStyle/>
+          <a:p>
+            <a:r>
+              <a:rPr lang="en-US" sz="2800" dirty="0">
+                <a:solidFill>
+                  <a:schemeClr val="bg1"/>
+                </a:solidFill>
+                <a:cs typeface="+mj-cs"/>
+              </a:rPr>
+              <a:t>Ahmed Mohamed Abubakr</a:t>
+            </a:r>
+            <a:endParaRPr lang="ar-EG" sz="2800" dirty="0">
+              <a:solidFill>
+                <a:schemeClr val="bg1"/>
+              </a:solidFill>
+              <a:cs typeface="+mj-cs"/>
+            </a:endParaRPr>
+          </a:p>
+        </p:txBody>
+      </p:sp>
+      <p:sp>
+        <p:nvSpPr>
+          <p:cNvPr id="16" name="TextBox 15">
+            <a:extLst>
+              <a:ext uri="{FF2B5EF4-FFF2-40B4-BE49-F238E27FC236}">
+                <a16:creationId xmlns:a16="http://schemas.microsoft.com/office/drawing/2014/main" xmlns="" id="{94FC0E40-657E-71BF-F939-360AFEA6F3EF}"/>
+              </a:ext>
+            </a:extLst>
+          </p:cNvPr>
+          <p:cNvSpPr txBox="1"/>
+          <p:nvPr/>
+        </p:nvSpPr>
+        <p:spPr>
+          <a:xfrm>
+            <a:off x="1370473" y="2785522"/>
+            <a:ext cx="6166742" cy="830997"/>
+          </a:xfrm>
+          <a:prstGeom prst="rect">
+            <a:avLst/>
+          </a:prstGeom>
+          <a:noFill/>
+        </p:spPr>
+        <p:txBody>
+          <a:bodyPr wrap="square" rtlCol="1">
+            <a:spAutoFit/>
+          </a:bodyPr>
+          <a:lstStyle/>
+          <a:p>
+            <a:pPr algn="ctr"/>
+            <a:r>
+              <a:rPr lang="en-US" sz="2400" b="1" dirty="0">
+                <a:solidFill>
+                  <a:schemeClr val="bg1"/>
+                </a:solidFill>
+              </a:rPr>
+              <a:t>Electronics engineer</a:t>
+            </a:r>
+            <a:br>
+              <a:rPr lang="en-US" sz="2400" b="1" dirty="0">
+                <a:solidFill>
+                  <a:schemeClr val="bg1"/>
+                </a:solidFill>
+              </a:rPr>
+            </a:br>
+            <a:r>
+              <a:rPr lang="en-US" sz="2400" b="1" dirty="0">
+                <a:solidFill>
+                  <a:schemeClr val="bg1"/>
+                </a:solidFill>
+              </a:rPr>
+              <a:t>IC designer</a:t>
+            </a:r>
+            <a:endParaRPr lang="ar-EG" sz="2400" dirty="0">
+              <a:solidFill>
+                <a:schemeClr val="bg1"/>
+              </a:solidFill>
+            </a:endParaRPr>
+          </a:p>
+        </p:txBody>
+      </p:sp>
+      <p:sp>
+        <p:nvSpPr>
+          <p:cNvPr id="12" name="TextBox 11">
+            <a:extLst>
+              <a:ext uri="{FF2B5EF4-FFF2-40B4-BE49-F238E27FC236}">
+                <a16:creationId xmlns:a16="http://schemas.microsoft.com/office/drawing/2014/main" xmlns="" id="{6B0E9B61-D4F1-BC89-10DA-7B51A4EF13CC}"/>
+              </a:ext>
+            </a:extLst>
+          </p:cNvPr>
+          <p:cNvSpPr txBox="1"/>
+          <p:nvPr/>
+        </p:nvSpPr>
+        <p:spPr>
+          <a:xfrm>
+            <a:off x="1332936" y="3912820"/>
+            <a:ext cx="6166742" cy="461665"/>
+          </a:xfrm>
+          <a:prstGeom prst="rect">
+            <a:avLst/>
+          </a:prstGeom>
+          <a:noFill/>
+        </p:spPr>
+        <p:txBody>
+          <a:bodyPr wrap="square" rtlCol="1">
+            <a:spAutoFit/>
+          </a:bodyPr>
+          <a:lstStyle/>
+          <a:p>
+            <a:pPr algn="ctr"/>
+            <a:r>
+              <a:rPr lang="en-US" sz="2400" b="1" dirty="0">
+                <a:solidFill>
+                  <a:schemeClr val="bg1"/>
+                </a:solidFill>
+              </a:rPr>
+              <a:t>Full stack web developer </a:t>
+            </a:r>
+            <a:endParaRPr lang="ar-EG" sz="2400" b="1" dirty="0">
+              <a:solidFill>
+                <a:schemeClr val="bg1"/>
+              </a:solidFill>
+            </a:endParaRPr>
+          </a:p>
+        </p:txBody>
+      </p:sp>
+      <p:sp>
+        <p:nvSpPr>
+          <p:cNvPr id="14" name="TextBox 13">
+            <a:extLst>
+              <a:ext uri="{FF2B5EF4-FFF2-40B4-BE49-F238E27FC236}">
+                <a16:creationId xmlns:a16="http://schemas.microsoft.com/office/drawing/2014/main" xmlns="" id="{6F38EAD4-5E1B-223A-71E8-D1FAA8F132D5}"/>
+              </a:ext>
+            </a:extLst>
+          </p:cNvPr>
+          <p:cNvSpPr txBox="1"/>
+          <p:nvPr/>
+        </p:nvSpPr>
+        <p:spPr>
+          <a:xfrm>
+            <a:off x="1295399" y="4670786"/>
+            <a:ext cx="6316890" cy="461665"/>
+          </a:xfrm>
+          <a:prstGeom prst="rect">
+            <a:avLst/>
+          </a:prstGeom>
+          <a:noFill/>
+        </p:spPr>
+        <p:txBody>
+          <a:bodyPr wrap="square" rtlCol="1">
+            <a:spAutoFit/>
+          </a:bodyPr>
+          <a:lstStyle/>
+          <a:p>
+            <a:pPr algn="ctr"/>
+            <a:r>
+              <a:rPr lang="en-US" sz="2400" b="1" dirty="0">
+                <a:solidFill>
+                  <a:schemeClr val="bg1"/>
+                </a:solidFill>
+              </a:rPr>
+              <a:t>Ambassador at TIEC-IA</a:t>
+            </a:r>
+            <a:endParaRPr lang="ar-EG" sz="2400" dirty="0">
+              <a:solidFill>
+                <a:schemeClr val="bg1"/>
+              </a:solidFill>
+            </a:endParaRPr>
+          </a:p>
+        </p:txBody>
+      </p:sp>
+      <p:pic>
+        <p:nvPicPr>
+          <p:cNvPr id="3" name="Picture 2">
+            <a:extLst>
+              <a:ext uri="{FF2B5EF4-FFF2-40B4-BE49-F238E27FC236}">
+                <a16:creationId xmlns:a16="http://schemas.microsoft.com/office/drawing/2014/main" xmlns="" id="{0ECEA4B4-AE97-FAA5-0B28-368BAC53D314}"/>
+              </a:ext>
+            </a:extLst>
+          </p:cNvPr>
+          <p:cNvPicPr>
+            <a:picLocks noChangeAspect="1"/>
+          </p:cNvPicPr>
+          <p:nvPr/>
+        </p:nvPicPr>
+        <p:blipFill>
+          <a:blip r:embed="rId2" cstate="print">
+            <a:extLst>
+              <a:ext uri="{28A0092B-C50C-407E-A947-70E740481C1C}">
+                <a14:useLocalDpi xmlns:a14="http://schemas.microsoft.com/office/drawing/2010/main" val="0"/>
+              </a:ext>
+            </a:extLst>
+          </a:blip>
+          <a:stretch>
+            <a:fillRect/>
+          </a:stretch>
+        </p:blipFill>
+        <p:spPr>
+          <a:xfrm>
+            <a:off x="7612289" y="1646183"/>
+            <a:ext cx="3565634" cy="3565634"/>
+          </a:xfrm>
+          <a:prstGeom prst="rect">
+            <a:avLst/>
+          </a:prstGeom>
+        </p:spPr>
+      </p:pic>
+    </p:spTree>
+    <p:extLst>
+      <p:ext uri="{BB962C8B-B14F-4D97-AF65-F5344CB8AC3E}">
+        <p14:creationId xmlns:p14="http://schemas.microsoft.com/office/powerpoint/2010/main" val="1596828819"/>
+      </p:ext>
+    </p:extLst>
+  </p:cSld>
+  <p:clrMapOvr>
+    <a:masterClrMapping/>
+  </p:clrMapOvr>
+  <p:transition spd="med">
+    <p:pull dir="u"/>
+  </p:transition>
+</p:sld>
+</file>
+
+<file path=ppt/slides/slide3.xml><?xml version="1.0" encoding="utf-8"?>
+<p:sld xmlns:a="http://schemas.openxmlformats.org/drawingml/2006/main" xmlns:r="http://schemas.openxmlformats.org/officeDocument/2006/relationships" xmlns:p="http://schemas.openxmlformats.org/presentationml/2006/main">
+  <p:cSld>
+    <p:spTree>
+      <p:nvGrpSpPr>
+        <p:cNvPr id="1" name=""/>
+        <p:cNvGrpSpPr/>
+        <p:nvPr/>
+      </p:nvGrpSpPr>
+      <p:grpSpPr>
+        <a:xfrm>
+          <a:off x="0" y="0"/>
+          <a:ext cx="0" cy="0"/>
+          <a:chOff x="0" y="0"/>
+          <a:chExt cx="0" cy="0"/>
+        </a:xfrm>
+      </p:grpSpPr>
+      <p:pic>
+        <p:nvPicPr>
+          <p:cNvPr id="4" name="Content Placeholder 3" descr="Modern Web Development - Full stack comic">
+            <a:extLst>
+              <a:ext uri="{FF2B5EF4-FFF2-40B4-BE49-F238E27FC236}">
+                <a16:creationId xmlns:a16="http://schemas.microsoft.com/office/drawing/2014/main" xmlns="" id="{F8989F1C-EC5A-497A-8D8B-C19F565BF189}"/>
+              </a:ext>
+            </a:extLst>
+          </p:cNvPr>
+          <p:cNvPicPr>
+            <a:picLocks noGrp="1"/>
+          </p:cNvPicPr>
+          <p:nvPr>
+            <p:ph idx="1"/>
+          </p:nvPr>
+        </p:nvPicPr>
+        <p:blipFill>
+          <a:blip r:embed="rId2">
+            <a:extLst>
+              <a:ext uri="{28A0092B-C50C-407E-A947-70E740481C1C}">
+                <a14:useLocalDpi xmlns:a14="http://schemas.microsoft.com/office/drawing/2010/main" val="0"/>
+              </a:ext>
+            </a:extLst>
+          </a:blip>
+          <a:srcRect/>
+          <a:stretch>
+            <a:fillRect/>
+          </a:stretch>
+        </p:blipFill>
+        <p:spPr bwMode="auto">
+          <a:xfrm>
+            <a:off x="0" y="0"/>
+            <a:ext cx="12192000" cy="6858000"/>
+          </a:xfrm>
+          <a:prstGeom prst="rect">
+            <a:avLst/>
+          </a:prstGeom>
+          <a:noFill/>
+          <a:ln>
+            <a:noFill/>
+          </a:ln>
+        </p:spPr>
+      </p:pic>
+    </p:spTree>
+    <p:extLst>
+      <p:ext uri="{BB962C8B-B14F-4D97-AF65-F5344CB8AC3E}">
+        <p14:creationId xmlns:p14="http://schemas.microsoft.com/office/powerpoint/2010/main" val="305358935"/>
+      </p:ext>
+    </p:extLst>
+  </p:cSld>
+  <p:clrMapOvr>
+    <a:masterClrMapping/>
+  </p:clrMapOvr>
+  <p:transition spd="med">
+    <p:pull dir="u"/>
+  </p:transition>
+</p:sld>
+</file>
+
+<file path=ppt/slides/slide4.xml><?xml version="1.0" encoding="utf-8"?>
+<p:sld xmlns:a="http://schemas.openxmlformats.org/drawingml/2006/main" xmlns:r="http://schemas.openxmlformats.org/officeDocument/2006/relationships" xmlns:p="http://schemas.openxmlformats.org/presentationml/2006/main">
+  <p:cSld>
+    <p:spTree>
+      <p:nvGrpSpPr>
+        <p:cNvPr id="1" name=""/>
+        <p:cNvGrpSpPr/>
+        <p:nvPr/>
+      </p:nvGrpSpPr>
+      <p:grpSpPr>
+        <a:xfrm>
+          <a:off x="0" y="0"/>
+          <a:ext cx="0" cy="0"/>
+          <a:chOff x="0" y="0"/>
+          <a:chExt cx="0" cy="0"/>
+        </a:xfrm>
+      </p:grpSpPr>
+      <p:pic>
+        <p:nvPicPr>
+          <p:cNvPr id="2050" name="Picture 2" descr="Pin on Inspirational Quotes">
+            <a:extLst>
+              <a:ext uri="{FF2B5EF4-FFF2-40B4-BE49-F238E27FC236}">
+                <a16:creationId xmlns:a16="http://schemas.microsoft.com/office/drawing/2014/main" xmlns="" id="{1BCF02A4-33D3-4D69-ACD1-ECB3106ADBDD}"/>
+              </a:ext>
+            </a:extLst>
+          </p:cNvPr>
+          <p:cNvPicPr>
+            <a:picLocks noChangeAspect="1" noChangeArrowheads="1"/>
+          </p:cNvPicPr>
+          <p:nvPr/>
+        </p:nvPicPr>
+        <p:blipFill>
+          <a:blip r:embed="rId2">
+            <a:extLst>
+              <a:ext uri="{BEBA8EAE-BF5A-486C-A8C5-ECC9F3942E4B}">
+                <a14:imgProps xmlns:a14="http://schemas.microsoft.com/office/drawing/2010/main">
+                  <a14:imgLayer r:embed="rId3">
+                    <a14:imgEffect>
+                      <a14:saturation sat="400000"/>
+                    </a14:imgEffect>
+                  </a14:imgLayer>
+                </a14:imgProps>
+              </a:ext>
+              <a:ext uri="{28A0092B-C50C-407E-A947-70E740481C1C}">
+                <a14:useLocalDpi xmlns:a14="http://schemas.microsoft.com/office/drawing/2010/main" val="0"/>
+              </a:ext>
+            </a:extLst>
+          </a:blip>
+          <a:srcRect/>
+          <a:stretch>
+            <a:fillRect/>
+          </a:stretch>
+        </p:blipFill>
+        <p:spPr bwMode="auto">
+          <a:xfrm>
+            <a:off x="3409950" y="742950"/>
+            <a:ext cx="5372100" cy="5372100"/>
+          </a:xfrm>
+          <a:prstGeom prst="rect">
+            <a:avLst/>
+          </a:prstGeom>
+          <a:noFill/>
+          <a:extLst>
+            <a:ext uri="{909E8E84-426E-40DD-AFC4-6F175D3DCCD1}">
+              <a14:hiddenFill xmlns:a14="http://schemas.microsoft.com/office/drawing/2010/main">
+                <a:solidFill>
+                  <a:srgbClr val="FFFFFF"/>
+                </a:solidFill>
+              </a14:hiddenFill>
+            </a:ext>
+          </a:extLst>
+        </p:spPr>
+      </p:pic>
+    </p:spTree>
+    <p:extLst>
+      <p:ext uri="{BB962C8B-B14F-4D97-AF65-F5344CB8AC3E}">
+        <p14:creationId xmlns:p14="http://schemas.microsoft.com/office/powerpoint/2010/main" val="53194441"/>
+      </p:ext>
+    </p:extLst>
+  </p:cSld>
+  <p:clrMapOvr>
+    <a:masterClrMapping/>
+  </p:clrMapOvr>
+  <p:transition spd="med">
+    <p:pull dir="u"/>
+  </p:transition>
+</p:sld>
+</file>
+
+<file path=ppt/slides/slide5.xml><?xml version="1.0" encoding="utf-8"?>
+<p:sld xmlns:a="http://schemas.openxmlformats.org/drawingml/2006/main" xmlns:r="http://schemas.openxmlformats.org/officeDocument/2006/relationships" xmlns:p="http://schemas.openxmlformats.org/presentationml/2006/main">
+  <p:cSld>
+    <p:spTree>
+      <p:nvGrpSpPr>
+        <p:cNvPr id="1" name=""/>
+        <p:cNvGrpSpPr/>
+        <p:nvPr/>
+      </p:nvGrpSpPr>
+      <p:grpSpPr>
+        <a:xfrm>
+          <a:off x="0" y="0"/>
+          <a:ext cx="0" cy="0"/>
+          <a:chOff x="0" y="0"/>
+          <a:chExt cx="0" cy="0"/>
+        </a:xfrm>
+      </p:grpSpPr>
+      <p:pic>
+        <p:nvPicPr>
+          <p:cNvPr id="5126" name="Picture 6" descr="Network and internet communication concept isolated on white background">
+            <a:extLst>
+              <a:ext uri="{FF2B5EF4-FFF2-40B4-BE49-F238E27FC236}">
+                <a16:creationId xmlns:a16="http://schemas.microsoft.com/office/drawing/2014/main" xmlns="" id="{A3058872-8C74-4045-B3DB-F2B54E191758}"/>
+              </a:ext>
+            </a:extLst>
+          </p:cNvPr>
+          <p:cNvPicPr>
+            <a:picLocks noChangeAspect="1" noChangeArrowheads="1"/>
+          </p:cNvPicPr>
+          <p:nvPr/>
+        </p:nvPicPr>
+        <p:blipFill>
+          <a:blip r:embed="rId2">
+            <a:extLst>
+              <a:ext uri="{28A0092B-C50C-407E-A947-70E740481C1C}">
+                <a14:useLocalDpi xmlns:a14="http://schemas.microsoft.com/office/drawing/2010/main" val="0"/>
+              </a:ext>
+            </a:extLst>
+          </a:blip>
+          <a:srcRect/>
+          <a:stretch>
+            <a:fillRect/>
+          </a:stretch>
+        </p:blipFill>
+        <p:spPr bwMode="auto">
+          <a:xfrm>
+            <a:off x="0" y="0"/>
+            <a:ext cx="12192000" cy="6858000"/>
+          </a:xfrm>
+          <a:prstGeom prst="rect">
+            <a:avLst/>
+          </a:prstGeom>
+          <a:noFill/>
+          <a:extLst>
+            <a:ext uri="{909E8E84-426E-40DD-AFC4-6F175D3DCCD1}">
+              <a14:hiddenFill xmlns:a14="http://schemas.microsoft.com/office/drawing/2010/main">
+                <a:solidFill>
+                  <a:srgbClr val="FFFFFF"/>
+                </a:solidFill>
+              </a14:hiddenFill>
+            </a:ext>
+          </a:extLst>
+        </p:spPr>
+      </p:pic>
+    </p:spTree>
+    <p:extLst>
+      <p:ext uri="{BB962C8B-B14F-4D97-AF65-F5344CB8AC3E}">
+        <p14:creationId xmlns:p14="http://schemas.microsoft.com/office/powerpoint/2010/main" val="2285376846"/>
+      </p:ext>
+    </p:extLst>
+  </p:cSld>
+  <p:clrMapOvr>
+    <a:masterClrMapping/>
+  </p:clrMapOvr>
+  <p:transition spd="med">
+    <p:pull dir="u"/>
+  </p:transition>
+</p:sld>
+</file>
+
+<file path=ppt/slides/slide6.xml><?xml version="1.0" encoding="utf-8"?>
+<p:sld xmlns:a="http://schemas.openxmlformats.org/drawingml/2006/main" xmlns:r="http://schemas.openxmlformats.org/officeDocument/2006/relationships" xmlns:p="http://schemas.openxmlformats.org/presentationml/2006/main">
+  <p:cSld>
+    <p:spTree>
+      <p:nvGrpSpPr>
+        <p:cNvPr id="1" name=""/>
+        <p:cNvGrpSpPr/>
+        <p:nvPr/>
+      </p:nvGrpSpPr>
+      <p:grpSpPr>
+        <a:xfrm>
+          <a:off x="0" y="0"/>
+          <a:ext cx="0" cy="0"/>
+          <a:chOff x="0" y="0"/>
+          <a:chExt cx="0" cy="0"/>
+        </a:xfrm>
+      </p:grpSpPr>
+      <p:sp>
+        <p:nvSpPr>
+          <p:cNvPr id="2" name="Title 1">
+            <a:extLst>
+              <a:ext uri="{FF2B5EF4-FFF2-40B4-BE49-F238E27FC236}">
+                <a16:creationId xmlns:a16="http://schemas.microsoft.com/office/drawing/2014/main" xmlns="" id="{B4C3A4F9-5881-44D3-9C4B-BF3E8A2BCDC6}"/>
+              </a:ext>
+            </a:extLst>
+          </p:cNvPr>
+          <p:cNvSpPr>
+            <a:spLocks noGrp="1"/>
+          </p:cNvSpPr>
+          <p:nvPr>
+            <p:ph type="title"/>
+          </p:nvPr>
+        </p:nvSpPr>
+        <p:spPr>
+          <a:xfrm>
+            <a:off x="1797666" y="1679904"/>
+            <a:ext cx="8596668" cy="660400"/>
+          </a:xfrm>
+        </p:spPr>
+        <p:txBody>
+          <a:bodyPr>
+            <a:noAutofit/>
+          </a:bodyPr>
+          <a:lstStyle/>
+          <a:p>
+            <a:pPr marL="0" marR="0" algn="ctr" rtl="1">
+              <a:lnSpc>
+                <a:spcPct val="107000"/>
+              </a:lnSpc>
+              <a:spcBef>
+                <a:spcPts val="0"/>
+              </a:spcBef>
+              <a:spcAft>
+                <a:spcPts val="800"/>
+              </a:spcAft>
+            </a:pPr>
+            <a:r>
+              <a:rPr lang="en-US" b="1" dirty="0">
+                <a:solidFill>
+                  <a:schemeClr val="accent2"/>
+                </a:solidFill>
+                <a:effectLst/>
+                <a:latin typeface="Calibri" panose="020F0502020204030204" pitchFamily="34" charset="0"/>
+                <a:ea typeface="Calibri" panose="020F0502020204030204" pitchFamily="34" charset="0"/>
+                <a:cs typeface="Calibri" panose="020F0502020204030204" pitchFamily="34" charset="0"/>
+              </a:rPr>
+              <a:t>Back-end ?</a:t>
+            </a:r>
+          </a:p>
+        </p:txBody>
+      </p:sp>
+      <p:sp>
+        <p:nvSpPr>
+          <p:cNvPr id="5" name="TextBox 4">
+            <a:extLst>
+              <a:ext uri="{FF2B5EF4-FFF2-40B4-BE49-F238E27FC236}">
+                <a16:creationId xmlns:a16="http://schemas.microsoft.com/office/drawing/2014/main" xmlns="" id="{5CDC8DC8-2B01-FF21-E538-4DDB318B087A}"/>
+              </a:ext>
+            </a:extLst>
+          </p:cNvPr>
+          <p:cNvSpPr txBox="1"/>
+          <p:nvPr/>
+        </p:nvSpPr>
+        <p:spPr>
+          <a:xfrm>
+            <a:off x="1797666" y="3087076"/>
+            <a:ext cx="8596668" cy="1970539"/>
+          </a:xfrm>
+          <a:prstGeom prst="rect">
+            <a:avLst/>
+          </a:prstGeom>
+          <a:noFill/>
+        </p:spPr>
+        <p:txBody>
+          <a:bodyPr wrap="square" rtlCol="1">
+            <a:spAutoFit/>
+          </a:bodyPr>
+          <a:lstStyle/>
+          <a:p>
+            <a:pPr marL="457200" indent="-457200" algn="l">
+              <a:lnSpc>
+                <a:spcPct val="150000"/>
+              </a:lnSpc>
+              <a:buFont typeface="Wingdings" panose="05000000000000000000" pitchFamily="2" charset="2"/>
+              <a:buChar char="ü"/>
+            </a:pPr>
+            <a:r>
+              <a:rPr lang="en-US" sz="2800" dirty="0">
+                <a:solidFill>
+                  <a:schemeClr val="bg1"/>
+                </a:solidFill>
+              </a:rPr>
+              <a:t>What is </a:t>
+            </a:r>
+            <a:r>
+              <a:rPr lang="en-US" sz="2800" dirty="0" smtClean="0">
+                <a:solidFill>
+                  <a:schemeClr val="bg1"/>
+                </a:solidFill>
+              </a:rPr>
+              <a:t>use of back end </a:t>
+            </a:r>
+            <a:r>
+              <a:rPr lang="en-US" sz="2800" dirty="0">
+                <a:solidFill>
+                  <a:schemeClr val="bg1"/>
+                </a:solidFill>
+              </a:rPr>
+              <a:t>? </a:t>
+            </a:r>
+          </a:p>
+          <a:p>
+            <a:pPr marL="457200" indent="-457200">
+              <a:lnSpc>
+                <a:spcPct val="150000"/>
+              </a:lnSpc>
+              <a:buFont typeface="Wingdings" panose="05000000000000000000" pitchFamily="2" charset="2"/>
+              <a:buChar char="ü"/>
+            </a:pPr>
+            <a:r>
+              <a:rPr lang="en-US" sz="2800" dirty="0" smtClean="0">
+                <a:solidFill>
+                  <a:schemeClr val="bg1"/>
+                </a:solidFill>
+              </a:rPr>
+              <a:t>What I need to run the code </a:t>
+            </a:r>
+            <a:r>
+              <a:rPr lang="en-US" sz="2800" dirty="0">
+                <a:solidFill>
+                  <a:schemeClr val="bg1"/>
+                </a:solidFill>
+              </a:rPr>
+              <a:t>?</a:t>
+            </a:r>
+          </a:p>
+          <a:p>
+            <a:pPr marL="457200" indent="-457200" algn="l">
+              <a:lnSpc>
+                <a:spcPct val="150000"/>
+              </a:lnSpc>
+              <a:buFont typeface="Wingdings" panose="05000000000000000000" pitchFamily="2" charset="2"/>
+              <a:buChar char="ü"/>
+            </a:pPr>
+            <a:r>
+              <a:rPr lang="en-US" sz="2800" dirty="0" smtClean="0">
+                <a:solidFill>
+                  <a:schemeClr val="bg1"/>
+                </a:solidFill>
+              </a:rPr>
+              <a:t>Is there any other languages like </a:t>
+            </a:r>
+            <a:r>
+              <a:rPr lang="en-US" sz="2800" dirty="0" err="1" smtClean="0">
+                <a:solidFill>
+                  <a:schemeClr val="bg1"/>
+                </a:solidFill>
+              </a:rPr>
+              <a:t>php</a:t>
+            </a:r>
+            <a:r>
+              <a:rPr lang="en-US" sz="2800" dirty="0" smtClean="0">
+                <a:solidFill>
+                  <a:schemeClr val="bg1"/>
+                </a:solidFill>
+              </a:rPr>
+              <a:t> </a:t>
+            </a:r>
+            <a:r>
+              <a:rPr lang="en-US" sz="2800" dirty="0">
+                <a:solidFill>
+                  <a:schemeClr val="bg1"/>
+                </a:solidFill>
+              </a:rPr>
+              <a:t>?</a:t>
+            </a:r>
+          </a:p>
+        </p:txBody>
+      </p:sp>
+    </p:spTree>
+    <p:extLst>
+      <p:ext uri="{BB962C8B-B14F-4D97-AF65-F5344CB8AC3E}">
+        <p14:creationId xmlns:p14="http://schemas.microsoft.com/office/powerpoint/2010/main" val="3639109122"/>
+      </p:ext>
+    </p:extLst>
+  </p:cSld>
+  <p:clrMapOvr>
+    <a:masterClrMapping/>
+  </p:clrMapOvr>
+  <p:transition spd="med">
+    <p:pull dir="u"/>
+  </p:transition>
+</p:sld>
+</file>
+
+<file path=ppt/slides/slide7.xml><?xml version="1.0" encoding="utf-8"?>
+<p:sld xmlns:a="http://schemas.openxmlformats.org/drawingml/2006/main" xmlns:r="http://schemas.openxmlformats.org/officeDocument/2006/relationships" xmlns:p="http://schemas.openxmlformats.org/presentationml/2006/main">
+  <p:cSld>
+    <p:spTree>
+      <p:nvGrpSpPr>
+        <p:cNvPr id="1" name=""/>
+        <p:cNvGrpSpPr/>
+        <p:nvPr/>
+      </p:nvGrpSpPr>
+      <p:grpSpPr>
+        <a:xfrm>
+          <a:off x="0" y="0"/>
+          <a:ext cx="0" cy="0"/>
+          <a:chOff x="0" y="0"/>
+          <a:chExt cx="0" cy="0"/>
+        </a:xfrm>
+      </p:grpSpPr>
+      <p:sp>
+        <p:nvSpPr>
+          <p:cNvPr id="4097" name="Rectangle 1"/>
+          <p:cNvSpPr>
+            <a:spLocks noGrp="1" noChangeArrowheads="1"/>
+          </p:cNvSpPr>
+          <p:nvPr>
+            <p:ph type="title"/>
+          </p:nvPr>
+        </p:nvSpPr>
+        <p:spPr>
+          <a:ln/>
+        </p:spPr>
+        <p:txBody>
+          <a:bodyPr/>
+          <a:lstStyle/>
+          <a:p>
+            <a:pPr rtl="0">
+              <a:tabLst>
+                <a:tab pos="0" algn="l"/>
+                <a:tab pos="526376" algn="l"/>
+                <a:tab pos="1054620" algn="l"/>
+                <a:tab pos="1582862" algn="l"/>
+                <a:tab pos="2111105" algn="l"/>
+                <a:tab pos="2639348" algn="l"/>
+                <a:tab pos="3167591" algn="l"/>
+                <a:tab pos="3695833" algn="l"/>
+                <a:tab pos="4224077" algn="l"/>
+                <a:tab pos="4752319" algn="l"/>
+                <a:tab pos="5280562" algn="l"/>
+                <a:tab pos="5808805" algn="l"/>
+                <a:tab pos="6337048" algn="l"/>
+                <a:tab pos="6865290" algn="l"/>
+                <a:tab pos="7393534" algn="l"/>
+                <a:tab pos="7921776" algn="l"/>
+                <a:tab pos="8450020" algn="l"/>
+                <a:tab pos="8978262" algn="l"/>
+                <a:tab pos="9506505" algn="l"/>
+                <a:tab pos="10034748" algn="l"/>
+                <a:tab pos="10562991" algn="l"/>
+              </a:tabLst>
+            </a:pPr>
+            <a:r>
+              <a:rPr lang="en-GB" dirty="0">
+                <a:solidFill>
+                  <a:schemeClr val="bg1"/>
+                </a:solidFill>
+              </a:rPr>
+              <a:t>PHP History</a:t>
+            </a:r>
+          </a:p>
+        </p:txBody>
+      </p:sp>
+      <p:sp>
+        <p:nvSpPr>
+          <p:cNvPr id="4098" name="Rectangle 2"/>
+          <p:cNvSpPr>
+            <a:spLocks noGrp="1" noChangeArrowheads="1"/>
+          </p:cNvSpPr>
+          <p:nvPr>
+            <p:ph type="body" idx="4294967295"/>
+          </p:nvPr>
+        </p:nvSpPr>
+        <p:spPr>
+          <a:xfrm>
+            <a:off x="1074006" y="2672862"/>
+            <a:ext cx="10039472" cy="3565722"/>
+          </a:xfrm>
+          <a:ln/>
+        </p:spPr>
+        <p:txBody>
+          <a:bodyPr>
+            <a:normAutofit/>
+          </a:bodyPr>
+          <a:lstStyle/>
+          <a:p>
+            <a:pPr algn="l" rtl="0">
+              <a:buSzTx/>
+              <a:tabLst>
+                <a:tab pos="524510" algn="l"/>
+                <a:tab pos="1052753" algn="l"/>
+                <a:tab pos="1580996" algn="l"/>
+                <a:tab pos="2109238" algn="l"/>
+                <a:tab pos="2637482" algn="l"/>
+                <a:tab pos="3165724" algn="l"/>
+                <a:tab pos="3693967" algn="l"/>
+                <a:tab pos="4222210" algn="l"/>
+                <a:tab pos="4750453" algn="l"/>
+                <a:tab pos="5278695" algn="l"/>
+                <a:tab pos="5806939" algn="l"/>
+                <a:tab pos="6335181" algn="l"/>
+                <a:tab pos="6863424" algn="l"/>
+                <a:tab pos="7391667" algn="l"/>
+                <a:tab pos="7919910" algn="l"/>
+                <a:tab pos="8450020" algn="l"/>
+                <a:tab pos="8976396" algn="l"/>
+                <a:tab pos="9504638" algn="l"/>
+                <a:tab pos="10032882" algn="l"/>
+                <a:tab pos="10561124" algn="l"/>
+              </a:tabLst>
+            </a:pPr>
+            <a:r>
+              <a:rPr lang="en-GB" dirty="0">
+                <a:solidFill>
+                  <a:schemeClr val="bg1"/>
+                </a:solidFill>
+              </a:rPr>
+              <a:t>1994: Created by </a:t>
+            </a:r>
+            <a:r>
+              <a:rPr lang="en-GB" dirty="0" err="1">
+                <a:solidFill>
+                  <a:schemeClr val="bg1"/>
+                </a:solidFill>
+              </a:rPr>
+              <a:t>Rasmis</a:t>
+            </a:r>
+            <a:r>
+              <a:rPr lang="en-GB" dirty="0">
+                <a:solidFill>
+                  <a:schemeClr val="bg1"/>
+                </a:solidFill>
+              </a:rPr>
+              <a:t> </a:t>
+            </a:r>
+            <a:r>
+              <a:rPr lang="en-GB" dirty="0" err="1">
+                <a:solidFill>
+                  <a:schemeClr val="bg1"/>
+                </a:solidFill>
+              </a:rPr>
+              <a:t>Lesdorf</a:t>
+            </a:r>
+            <a:r>
+              <a:rPr lang="en-GB" dirty="0">
+                <a:solidFill>
+                  <a:schemeClr val="bg1"/>
+                </a:solidFill>
+              </a:rPr>
+              <a:t>, software engineer (part of Apache Team)</a:t>
+            </a:r>
+          </a:p>
+          <a:p>
+            <a:pPr algn="l" rtl="0">
+              <a:buSzTx/>
+              <a:tabLst>
+                <a:tab pos="524510" algn="l"/>
+                <a:tab pos="1052753" algn="l"/>
+                <a:tab pos="1580996" algn="l"/>
+                <a:tab pos="2109238" algn="l"/>
+                <a:tab pos="2637482" algn="l"/>
+                <a:tab pos="3165724" algn="l"/>
+                <a:tab pos="3693967" algn="l"/>
+                <a:tab pos="4222210" algn="l"/>
+                <a:tab pos="4750453" algn="l"/>
+                <a:tab pos="5278695" algn="l"/>
+                <a:tab pos="5806939" algn="l"/>
+                <a:tab pos="6335181" algn="l"/>
+                <a:tab pos="6863424" algn="l"/>
+                <a:tab pos="7391667" algn="l"/>
+                <a:tab pos="7919910" algn="l"/>
+                <a:tab pos="8450020" algn="l"/>
+                <a:tab pos="8976396" algn="l"/>
+                <a:tab pos="9504638" algn="l"/>
+                <a:tab pos="10032882" algn="l"/>
+                <a:tab pos="10561124" algn="l"/>
+              </a:tabLst>
+            </a:pPr>
+            <a:r>
+              <a:rPr lang="en-GB" dirty="0">
+                <a:solidFill>
+                  <a:schemeClr val="bg1"/>
+                </a:solidFill>
+              </a:rPr>
+              <a:t>1995: Called Personal Home Page Tool, then released as version 2 with name PHP/FI (Form Interpreter, to </a:t>
+            </a:r>
+            <a:r>
+              <a:rPr lang="en-GB" dirty="0" smtClean="0">
+                <a:solidFill>
+                  <a:schemeClr val="bg1"/>
+                </a:solidFill>
+              </a:rPr>
+              <a:t>analyse </a:t>
+            </a:r>
+            <a:r>
+              <a:rPr lang="en-GB" dirty="0">
+                <a:solidFill>
+                  <a:schemeClr val="bg1"/>
+                </a:solidFill>
+              </a:rPr>
+              <a:t>SQL queries)</a:t>
+            </a:r>
+          </a:p>
+          <a:p>
+            <a:pPr algn="l" rtl="0">
+              <a:buSzTx/>
+              <a:tabLst>
+                <a:tab pos="524510" algn="l"/>
+                <a:tab pos="1052753" algn="l"/>
+                <a:tab pos="1580996" algn="l"/>
+                <a:tab pos="2109238" algn="l"/>
+                <a:tab pos="2637482" algn="l"/>
+                <a:tab pos="3165724" algn="l"/>
+                <a:tab pos="3693967" algn="l"/>
+                <a:tab pos="4222210" algn="l"/>
+                <a:tab pos="4750453" algn="l"/>
+                <a:tab pos="5278695" algn="l"/>
+                <a:tab pos="5806939" algn="l"/>
+                <a:tab pos="6335181" algn="l"/>
+                <a:tab pos="6863424" algn="l"/>
+                <a:tab pos="7391667" algn="l"/>
+                <a:tab pos="7919910" algn="l"/>
+                <a:tab pos="8450020" algn="l"/>
+                <a:tab pos="8976396" algn="l"/>
+                <a:tab pos="9504638" algn="l"/>
+                <a:tab pos="10032882" algn="l"/>
+                <a:tab pos="10561124" algn="l"/>
+              </a:tabLst>
+            </a:pPr>
+            <a:r>
+              <a:rPr lang="en-GB" dirty="0">
+                <a:solidFill>
+                  <a:schemeClr val="bg1"/>
+                </a:solidFill>
+              </a:rPr>
+              <a:t>Half 1997: used by 50,000 web sites</a:t>
+            </a:r>
+          </a:p>
+          <a:p>
+            <a:pPr algn="l" rtl="0">
+              <a:buSzTx/>
+              <a:tabLst>
+                <a:tab pos="524510" algn="l"/>
+                <a:tab pos="1052753" algn="l"/>
+                <a:tab pos="1580996" algn="l"/>
+                <a:tab pos="2109238" algn="l"/>
+                <a:tab pos="2637482" algn="l"/>
+                <a:tab pos="3165724" algn="l"/>
+                <a:tab pos="3693967" algn="l"/>
+                <a:tab pos="4222210" algn="l"/>
+                <a:tab pos="4750453" algn="l"/>
+                <a:tab pos="5278695" algn="l"/>
+                <a:tab pos="5806939" algn="l"/>
+                <a:tab pos="6335181" algn="l"/>
+                <a:tab pos="6863424" algn="l"/>
+                <a:tab pos="7391667" algn="l"/>
+                <a:tab pos="7919910" algn="l"/>
+                <a:tab pos="8450020" algn="l"/>
+                <a:tab pos="8976396" algn="l"/>
+                <a:tab pos="9504638" algn="l"/>
+                <a:tab pos="10032882" algn="l"/>
+                <a:tab pos="10561124" algn="l"/>
+              </a:tabLst>
+            </a:pPr>
+            <a:r>
+              <a:rPr lang="en-GB" dirty="0">
+                <a:solidFill>
+                  <a:schemeClr val="bg1"/>
+                </a:solidFill>
+              </a:rPr>
+              <a:t>October 1998: used by 100,000 websites</a:t>
+            </a:r>
+          </a:p>
+          <a:p>
+            <a:pPr algn="l" rtl="0">
+              <a:buSzTx/>
+              <a:tabLst>
+                <a:tab pos="524510" algn="l"/>
+                <a:tab pos="1052753" algn="l"/>
+                <a:tab pos="1580996" algn="l"/>
+                <a:tab pos="2109238" algn="l"/>
+                <a:tab pos="2637482" algn="l"/>
+                <a:tab pos="3165724" algn="l"/>
+                <a:tab pos="3693967" algn="l"/>
+                <a:tab pos="4222210" algn="l"/>
+                <a:tab pos="4750453" algn="l"/>
+                <a:tab pos="5278695" algn="l"/>
+                <a:tab pos="5806939" algn="l"/>
+                <a:tab pos="6335181" algn="l"/>
+                <a:tab pos="6863424" algn="l"/>
+                <a:tab pos="7391667" algn="l"/>
+                <a:tab pos="7919910" algn="l"/>
+                <a:tab pos="8450020" algn="l"/>
+                <a:tab pos="8976396" algn="l"/>
+                <a:tab pos="9504638" algn="l"/>
+                <a:tab pos="10032882" algn="l"/>
+                <a:tab pos="10561124" algn="l"/>
+              </a:tabLst>
+            </a:pPr>
+            <a:r>
+              <a:rPr lang="en-GB" dirty="0">
+                <a:solidFill>
+                  <a:schemeClr val="bg1"/>
+                </a:solidFill>
+              </a:rPr>
+              <a:t>End 1999: used by 1,000,000 websites</a:t>
+            </a:r>
+          </a:p>
+        </p:txBody>
+      </p:sp>
+    </p:spTree>
+    <p:extLst>
+      <p:ext uri="{BB962C8B-B14F-4D97-AF65-F5344CB8AC3E}">
+        <p14:creationId xmlns:p14="http://schemas.microsoft.com/office/powerpoint/2010/main" val="1812855973"/>
+      </p:ext>
+    </p:extLst>
+  </p:cSld>
+  <p:clrMapOvr>
+    <a:masterClrMapping/>
+  </p:clrMapOvr>
+  <p:transition spd="med"/>
+</p:sld>
+</file>
+
+<file path=ppt/slides/slide8.xml><?xml version="1.0" encoding="utf-8"?>
+<p:sld xmlns:a="http://schemas.openxmlformats.org/drawingml/2006/main" xmlns:r="http://schemas.openxmlformats.org/officeDocument/2006/relationships" xmlns:p="http://schemas.openxmlformats.org/presentationml/2006/main">
+  <p:cSld>
+    <p:spTree>
+      <p:nvGrpSpPr>
+        <p:cNvPr id="1" name=""/>
+        <p:cNvGrpSpPr/>
+        <p:nvPr/>
+      </p:nvGrpSpPr>
+      <p:grpSpPr>
+        <a:xfrm>
+          <a:off x="0" y="0"/>
+          <a:ext cx="0" cy="0"/>
+          <a:chOff x="0" y="0"/>
+          <a:chExt cx="0" cy="0"/>
+        </a:xfrm>
+      </p:grpSpPr>
+      <p:sp>
+        <p:nvSpPr>
+          <p:cNvPr id="5121" name="Rectangle 1"/>
+          <p:cNvSpPr>
+            <a:spLocks noGrp="1" noChangeArrowheads="1"/>
+          </p:cNvSpPr>
+          <p:nvPr>
+            <p:ph type="title"/>
+          </p:nvPr>
+        </p:nvSpPr>
+        <p:spPr>
+          <a:xfrm>
+            <a:off x="1308466" y="1182493"/>
+            <a:ext cx="9641297" cy="1018116"/>
+          </a:xfrm>
+          <a:ln/>
+        </p:spPr>
+        <p:txBody>
+          <a:bodyPr>
+            <a:normAutofit/>
+          </a:bodyPr>
+          <a:lstStyle/>
+          <a:p>
+            <a:pPr rtl="0">
+              <a:tabLst>
+                <a:tab pos="0" algn="l"/>
+                <a:tab pos="526376" algn="l"/>
+                <a:tab pos="1054620" algn="l"/>
+                <a:tab pos="1582862" algn="l"/>
+                <a:tab pos="2111105" algn="l"/>
+                <a:tab pos="2639348" algn="l"/>
+                <a:tab pos="3167591" algn="l"/>
+                <a:tab pos="3695833" algn="l"/>
+                <a:tab pos="4224077" algn="l"/>
+                <a:tab pos="4752319" algn="l"/>
+                <a:tab pos="5280562" algn="l"/>
+                <a:tab pos="5808805" algn="l"/>
+                <a:tab pos="6337048" algn="l"/>
+                <a:tab pos="6865290" algn="l"/>
+                <a:tab pos="7393534" algn="l"/>
+                <a:tab pos="7921776" algn="l"/>
+                <a:tab pos="8450020" algn="l"/>
+                <a:tab pos="8978262" algn="l"/>
+                <a:tab pos="9506505" algn="l"/>
+                <a:tab pos="10034748" algn="l"/>
+                <a:tab pos="10562991" algn="l"/>
+              </a:tabLst>
+            </a:pPr>
+            <a:r>
+              <a:rPr lang="en-GB" b="1" dirty="0">
+                <a:solidFill>
+                  <a:schemeClr val="accent2"/>
+                </a:solidFill>
+              </a:rPr>
+              <a:t>Alternatives to PHP</a:t>
+            </a:r>
+          </a:p>
+        </p:txBody>
+      </p:sp>
+      <p:sp>
+        <p:nvSpPr>
+          <p:cNvPr id="5122" name="Rectangle 2"/>
+          <p:cNvSpPr>
+            <a:spLocks noGrp="1" noChangeArrowheads="1"/>
+          </p:cNvSpPr>
+          <p:nvPr>
+            <p:ph type="body" idx="1"/>
+          </p:nvPr>
+        </p:nvSpPr>
+        <p:spPr>
+          <a:xfrm>
+            <a:off x="1350668" y="2630657"/>
+            <a:ext cx="9641297" cy="2982351"/>
+          </a:xfrm>
+          <a:ln/>
+        </p:spPr>
+        <p:txBody>
+          <a:bodyPr>
+            <a:noAutofit/>
+          </a:bodyPr>
+          <a:lstStyle/>
+          <a:p>
+            <a:pPr algn="l" rtl="0">
+              <a:buFont typeface="Wingdings" pitchFamily="2" charset="2"/>
+              <a:buChar char="Ø"/>
+            </a:pPr>
+            <a:r>
+              <a:rPr lang="it-IT" sz="2800" dirty="0">
+                <a:solidFill>
+                  <a:schemeClr val="bg1"/>
+                </a:solidFill>
+              </a:rPr>
+              <a:t>Practical extraction and Report Language (Perl)</a:t>
+            </a:r>
+          </a:p>
+          <a:p>
+            <a:pPr algn="l" rtl="0">
+              <a:buFont typeface="Wingdings" pitchFamily="2" charset="2"/>
+              <a:buChar char="Ø"/>
+            </a:pPr>
+            <a:r>
+              <a:rPr lang="it-IT" sz="2800" dirty="0">
+                <a:solidFill>
+                  <a:schemeClr val="bg1"/>
+                </a:solidFill>
+              </a:rPr>
+              <a:t>Active Server Pages (ASP)</a:t>
+            </a:r>
+          </a:p>
+          <a:p>
+            <a:pPr algn="l" rtl="0">
+              <a:buFont typeface="Wingdings" pitchFamily="2" charset="2"/>
+              <a:buChar char="Ø"/>
+            </a:pPr>
+            <a:r>
+              <a:rPr lang="it-IT" sz="2800" dirty="0">
+                <a:solidFill>
+                  <a:schemeClr val="bg1"/>
+                </a:solidFill>
+              </a:rPr>
+              <a:t>Java server pages (JSP)</a:t>
+            </a:r>
+          </a:p>
+          <a:p>
+            <a:pPr algn="l" rtl="0">
+              <a:buFont typeface="Wingdings" pitchFamily="2" charset="2"/>
+              <a:buChar char="Ø"/>
+            </a:pPr>
+            <a:r>
+              <a:rPr lang="it-IT" sz="2800" dirty="0">
+                <a:solidFill>
+                  <a:schemeClr val="bg1"/>
+                </a:solidFill>
+              </a:rPr>
+              <a:t>Ruby </a:t>
+            </a:r>
+            <a:endParaRPr lang="it-IT" sz="2800" dirty="0" smtClean="0">
+              <a:solidFill>
+                <a:schemeClr val="bg1"/>
+              </a:solidFill>
+            </a:endParaRPr>
+          </a:p>
+          <a:p>
+            <a:pPr algn="l" rtl="0">
+              <a:buFont typeface="Wingdings" pitchFamily="2" charset="2"/>
+              <a:buChar char="Ø"/>
+            </a:pPr>
+            <a:r>
+              <a:rPr lang="it-IT" sz="2800" dirty="0" smtClean="0">
+                <a:solidFill>
+                  <a:schemeClr val="bg1"/>
+                </a:solidFill>
+              </a:rPr>
+              <a:t>Django</a:t>
+            </a:r>
+            <a:endParaRPr lang="it-IT" sz="2800" dirty="0">
+              <a:solidFill>
+                <a:schemeClr val="bg1"/>
+              </a:solidFill>
+            </a:endParaRPr>
+          </a:p>
+        </p:txBody>
+      </p:sp>
+    </p:spTree>
+    <p:extLst>
+      <p:ext uri="{BB962C8B-B14F-4D97-AF65-F5344CB8AC3E}">
+        <p14:creationId xmlns:p14="http://schemas.microsoft.com/office/powerpoint/2010/main" val="560293004"/>
+      </p:ext>
+    </p:extLst>
+  </p:cSld>
+  <p:clrMapOvr>
+    <a:masterClrMapping/>
+  </p:clrMapOvr>
+  <p:transition spd="med"/>
+</p:sld>
+</file>
+
+<file path=ppt/slides/slide9.xml><?xml version="1.0" encoding="utf-8"?>
+<p:sld xmlns:a="http://schemas.openxmlformats.org/drawingml/2006/main" xmlns:r="http://schemas.openxmlformats.org/officeDocument/2006/relationships" xmlns:p="http://schemas.openxmlformats.org/presentationml/2006/main">
+  <p:cSld>
+    <p:spTree>
+      <p:nvGrpSpPr>
+        <p:cNvPr id="1" name=""/>
+        <p:cNvGrpSpPr/>
+        <p:nvPr/>
+      </p:nvGrpSpPr>
+      <p:grpSpPr>
+        <a:xfrm>
+          <a:off x="0" y="0"/>
+          <a:ext cx="0" cy="0"/>
+          <a:chOff x="0" y="0"/>
+          <a:chExt cx="0" cy="0"/>
+        </a:xfrm>
+      </p:grpSpPr>
+      <p:sp>
+        <p:nvSpPr>
+          <p:cNvPr id="7169" name="Rectangle 1"/>
+          <p:cNvSpPr>
+            <a:spLocks noGrp="1" noChangeArrowheads="1"/>
+          </p:cNvSpPr>
+          <p:nvPr>
+            <p:ph type="title"/>
+          </p:nvPr>
+        </p:nvSpPr>
+        <p:spPr>
+          <a:xfrm>
+            <a:off x="1322663" y="1233883"/>
+            <a:ext cx="9641297" cy="1018116"/>
+          </a:xfrm>
+          <a:ln/>
+        </p:spPr>
+        <p:txBody>
+          <a:bodyPr>
+            <a:normAutofit/>
+          </a:bodyPr>
+          <a:lstStyle/>
+          <a:p>
+            <a:pPr rtl="0">
+              <a:tabLst>
+                <a:tab pos="0" algn="l"/>
+                <a:tab pos="526376" algn="l"/>
+                <a:tab pos="1054620" algn="l"/>
+                <a:tab pos="1582862" algn="l"/>
+                <a:tab pos="2111105" algn="l"/>
+                <a:tab pos="2639348" algn="l"/>
+                <a:tab pos="3167591" algn="l"/>
+                <a:tab pos="3695833" algn="l"/>
+                <a:tab pos="4224077" algn="l"/>
+                <a:tab pos="4752319" algn="l"/>
+                <a:tab pos="5280562" algn="l"/>
+                <a:tab pos="5808805" algn="l"/>
+                <a:tab pos="6337048" algn="l"/>
+                <a:tab pos="6865290" algn="l"/>
+                <a:tab pos="7393534" algn="l"/>
+                <a:tab pos="7921776" algn="l"/>
+                <a:tab pos="8450020" algn="l"/>
+                <a:tab pos="8978262" algn="l"/>
+                <a:tab pos="9506505" algn="l"/>
+                <a:tab pos="10034748" algn="l"/>
+                <a:tab pos="10562991" algn="l"/>
+              </a:tabLst>
+            </a:pPr>
+            <a:r>
+              <a:rPr lang="en-GB" b="1" dirty="0">
+                <a:solidFill>
+                  <a:schemeClr val="accent2"/>
+                </a:solidFill>
+              </a:rPr>
+              <a:t>(Good) Topics about PHP</a:t>
+            </a:r>
+          </a:p>
+        </p:txBody>
+      </p:sp>
+      <p:sp>
+        <p:nvSpPr>
+          <p:cNvPr id="7170" name="Rectangle 2"/>
+          <p:cNvSpPr>
+            <a:spLocks noGrp="1" noChangeArrowheads="1"/>
+          </p:cNvSpPr>
+          <p:nvPr>
+            <p:ph type="body" idx="1"/>
+          </p:nvPr>
+        </p:nvSpPr>
+        <p:spPr>
+          <a:xfrm>
+            <a:off x="1280330" y="2518117"/>
+            <a:ext cx="9641297" cy="3397371"/>
+          </a:xfrm>
+          <a:ln/>
+        </p:spPr>
+        <p:txBody>
+          <a:bodyPr>
+            <a:normAutofit lnSpcReduction="10000"/>
+          </a:bodyPr>
+          <a:lstStyle/>
+          <a:p>
+            <a:pPr algn="l" rtl="0">
+              <a:buSzPct val="25000"/>
+              <a:tabLst>
+                <a:tab pos="524510" algn="l"/>
+                <a:tab pos="1052753" algn="l"/>
+                <a:tab pos="1580996" algn="l"/>
+                <a:tab pos="2109238" algn="l"/>
+                <a:tab pos="2637482" algn="l"/>
+                <a:tab pos="3165724" algn="l"/>
+                <a:tab pos="3693967" algn="l"/>
+                <a:tab pos="4222210" algn="l"/>
+                <a:tab pos="4750453" algn="l"/>
+                <a:tab pos="5278695" algn="l"/>
+                <a:tab pos="5806939" algn="l"/>
+                <a:tab pos="6335181" algn="l"/>
+                <a:tab pos="6863424" algn="l"/>
+                <a:tab pos="7391667" algn="l"/>
+                <a:tab pos="7919910" algn="l"/>
+                <a:tab pos="8450020" algn="l"/>
+                <a:tab pos="8976396" algn="l"/>
+                <a:tab pos="9504638" algn="l"/>
+                <a:tab pos="10032882" algn="l"/>
+                <a:tab pos="10561124" algn="l"/>
+              </a:tabLst>
+            </a:pPr>
+            <a:r>
+              <a:rPr lang="en-GB" dirty="0">
+                <a:solidFill>
+                  <a:schemeClr val="bg1"/>
+                </a:solidFill>
+              </a:rPr>
+              <a:t>Open-source</a:t>
+            </a:r>
+          </a:p>
+          <a:p>
+            <a:pPr algn="l" rtl="0">
+              <a:buSzPct val="25000"/>
+              <a:tabLst>
+                <a:tab pos="524510" algn="l"/>
+                <a:tab pos="1052753" algn="l"/>
+                <a:tab pos="1580996" algn="l"/>
+                <a:tab pos="2109238" algn="l"/>
+                <a:tab pos="2637482" algn="l"/>
+                <a:tab pos="3165724" algn="l"/>
+                <a:tab pos="3693967" algn="l"/>
+                <a:tab pos="4222210" algn="l"/>
+                <a:tab pos="4750453" algn="l"/>
+                <a:tab pos="5278695" algn="l"/>
+                <a:tab pos="5806939" algn="l"/>
+                <a:tab pos="6335181" algn="l"/>
+                <a:tab pos="6863424" algn="l"/>
+                <a:tab pos="7391667" algn="l"/>
+                <a:tab pos="7919910" algn="l"/>
+                <a:tab pos="8450020" algn="l"/>
+                <a:tab pos="8976396" algn="l"/>
+                <a:tab pos="9504638" algn="l"/>
+                <a:tab pos="10032882" algn="l"/>
+                <a:tab pos="10561124" algn="l"/>
+              </a:tabLst>
+            </a:pPr>
+            <a:r>
+              <a:rPr lang="en-GB" dirty="0">
+                <a:solidFill>
+                  <a:schemeClr val="bg1"/>
+                </a:solidFill>
+              </a:rPr>
+              <a:t>Easy to use ( C-like and Perl-like syntax)</a:t>
+            </a:r>
+          </a:p>
+          <a:p>
+            <a:pPr algn="l" rtl="0">
+              <a:buSzPct val="25000"/>
+              <a:tabLst>
+                <a:tab pos="524510" algn="l"/>
+                <a:tab pos="1052753" algn="l"/>
+                <a:tab pos="1580996" algn="l"/>
+                <a:tab pos="2109238" algn="l"/>
+                <a:tab pos="2637482" algn="l"/>
+                <a:tab pos="3165724" algn="l"/>
+                <a:tab pos="3693967" algn="l"/>
+                <a:tab pos="4222210" algn="l"/>
+                <a:tab pos="4750453" algn="l"/>
+                <a:tab pos="5278695" algn="l"/>
+                <a:tab pos="5806939" algn="l"/>
+                <a:tab pos="6335181" algn="l"/>
+                <a:tab pos="6863424" algn="l"/>
+                <a:tab pos="7391667" algn="l"/>
+                <a:tab pos="7919910" algn="l"/>
+                <a:tab pos="8450020" algn="l"/>
+                <a:tab pos="8976396" algn="l"/>
+                <a:tab pos="9504638" algn="l"/>
+                <a:tab pos="10032882" algn="l"/>
+                <a:tab pos="10561124" algn="l"/>
+              </a:tabLst>
+            </a:pPr>
+            <a:r>
+              <a:rPr lang="en-GB" dirty="0">
+                <a:solidFill>
+                  <a:schemeClr val="bg1"/>
+                </a:solidFill>
+              </a:rPr>
+              <a:t>Stable and fast</a:t>
+            </a:r>
+          </a:p>
+          <a:p>
+            <a:pPr algn="l" rtl="0">
+              <a:buSzPct val="25000"/>
+              <a:tabLst>
+                <a:tab pos="524510" algn="l"/>
+                <a:tab pos="1052753" algn="l"/>
+                <a:tab pos="1580996" algn="l"/>
+                <a:tab pos="2109238" algn="l"/>
+                <a:tab pos="2637482" algn="l"/>
+                <a:tab pos="3165724" algn="l"/>
+                <a:tab pos="3693967" algn="l"/>
+                <a:tab pos="4222210" algn="l"/>
+                <a:tab pos="4750453" algn="l"/>
+                <a:tab pos="5278695" algn="l"/>
+                <a:tab pos="5806939" algn="l"/>
+                <a:tab pos="6335181" algn="l"/>
+                <a:tab pos="6863424" algn="l"/>
+                <a:tab pos="7391667" algn="l"/>
+                <a:tab pos="7919910" algn="l"/>
+                <a:tab pos="8450020" algn="l"/>
+                <a:tab pos="8976396" algn="l"/>
+                <a:tab pos="9504638" algn="l"/>
+                <a:tab pos="10032882" algn="l"/>
+                <a:tab pos="10561124" algn="l"/>
+              </a:tabLst>
+            </a:pPr>
+            <a:r>
+              <a:rPr lang="en-GB" dirty="0">
+                <a:solidFill>
+                  <a:schemeClr val="bg1"/>
+                </a:solidFill>
+              </a:rPr>
+              <a:t>Multiplatform</a:t>
+            </a:r>
+          </a:p>
+          <a:p>
+            <a:pPr algn="l" rtl="0">
+              <a:buSzPct val="25000"/>
+              <a:tabLst>
+                <a:tab pos="524510" algn="l"/>
+                <a:tab pos="1052753" algn="l"/>
+                <a:tab pos="1580996" algn="l"/>
+                <a:tab pos="2109238" algn="l"/>
+                <a:tab pos="2637482" algn="l"/>
+                <a:tab pos="3165724" algn="l"/>
+                <a:tab pos="3693967" algn="l"/>
+                <a:tab pos="4222210" algn="l"/>
+                <a:tab pos="4750453" algn="l"/>
+                <a:tab pos="5278695" algn="l"/>
+                <a:tab pos="5806939" algn="l"/>
+                <a:tab pos="6335181" algn="l"/>
+                <a:tab pos="6863424" algn="l"/>
+                <a:tab pos="7391667" algn="l"/>
+                <a:tab pos="7919910" algn="l"/>
+                <a:tab pos="8450020" algn="l"/>
+                <a:tab pos="8976396" algn="l"/>
+                <a:tab pos="9504638" algn="l"/>
+                <a:tab pos="10032882" algn="l"/>
+                <a:tab pos="10561124" algn="l"/>
+              </a:tabLst>
+            </a:pPr>
+            <a:r>
+              <a:rPr lang="en-GB" dirty="0">
+                <a:solidFill>
+                  <a:schemeClr val="bg1"/>
+                </a:solidFill>
+              </a:rPr>
+              <a:t>Many databases support</a:t>
+            </a:r>
+          </a:p>
+          <a:p>
+            <a:pPr algn="l" rtl="0">
+              <a:buSzPct val="25000"/>
+              <a:tabLst>
+                <a:tab pos="524510" algn="l"/>
+                <a:tab pos="1052753" algn="l"/>
+                <a:tab pos="1580996" algn="l"/>
+                <a:tab pos="2109238" algn="l"/>
+                <a:tab pos="2637482" algn="l"/>
+                <a:tab pos="3165724" algn="l"/>
+                <a:tab pos="3693967" algn="l"/>
+                <a:tab pos="4222210" algn="l"/>
+                <a:tab pos="4750453" algn="l"/>
+                <a:tab pos="5278695" algn="l"/>
+                <a:tab pos="5806939" algn="l"/>
+                <a:tab pos="6335181" algn="l"/>
+                <a:tab pos="6863424" algn="l"/>
+                <a:tab pos="7391667" algn="l"/>
+                <a:tab pos="7919910" algn="l"/>
+                <a:tab pos="8450020" algn="l"/>
+                <a:tab pos="8976396" algn="l"/>
+                <a:tab pos="9504638" algn="l"/>
+                <a:tab pos="10032882" algn="l"/>
+                <a:tab pos="10561124" algn="l"/>
+              </a:tabLst>
+            </a:pPr>
+            <a:r>
+              <a:rPr lang="en-GB" dirty="0">
+                <a:solidFill>
+                  <a:schemeClr val="bg1"/>
+                </a:solidFill>
+              </a:rPr>
+              <a:t>Many common built-in libraries</a:t>
+            </a:r>
+          </a:p>
+          <a:p>
+            <a:pPr algn="l" rtl="0">
+              <a:buSzPct val="25000"/>
+              <a:tabLst>
+                <a:tab pos="524510" algn="l"/>
+                <a:tab pos="1052753" algn="l"/>
+                <a:tab pos="1580996" algn="l"/>
+                <a:tab pos="2109238" algn="l"/>
+                <a:tab pos="2637482" algn="l"/>
+                <a:tab pos="3165724" algn="l"/>
+                <a:tab pos="3693967" algn="l"/>
+                <a:tab pos="4222210" algn="l"/>
+                <a:tab pos="4750453" algn="l"/>
+                <a:tab pos="5278695" algn="l"/>
+                <a:tab pos="5806939" algn="l"/>
+                <a:tab pos="6335181" algn="l"/>
+                <a:tab pos="6863424" algn="l"/>
+                <a:tab pos="7391667" algn="l"/>
+                <a:tab pos="7919910" algn="l"/>
+                <a:tab pos="8450020" algn="l"/>
+                <a:tab pos="8976396" algn="l"/>
+                <a:tab pos="9504638" algn="l"/>
+                <a:tab pos="10032882" algn="l"/>
+                <a:tab pos="10561124" algn="l"/>
+              </a:tabLst>
+            </a:pPr>
+            <a:r>
+              <a:rPr lang="en-GB" dirty="0">
+                <a:solidFill>
+                  <a:schemeClr val="bg1"/>
+                </a:solidFill>
+              </a:rPr>
+              <a:t>Pre-installed in Linux distributions</a:t>
+            </a:r>
+          </a:p>
+        </p:txBody>
+      </p:sp>
+    </p:spTree>
+    <p:extLst>
+      <p:ext uri="{BB962C8B-B14F-4D97-AF65-F5344CB8AC3E}">
+        <p14:creationId xmlns:p14="http://schemas.microsoft.com/office/powerpoint/2010/main" val="2945432710"/>
+      </p:ext>
+    </p:extLst>
+  </p:cSld>
+  <p:clrMapOvr>
+    <a:masterClrMapping/>
+  </p:clrMapOvr>
+  <p:transition spd="med"/>
 </p:sld>
 </file>
 
@@ -7506,7 +13647,7 @@
     </a:clrScheme>
     <a:fontScheme name="Organic">
       <a:majorFont>
-        <a:latin typeface="Garamond" panose="02020404030301010803"/>
+        <a:latin typeface="Garamond"/>
         <a:ea typeface=""/>
         <a:cs typeface=""/>
         <a:font script="Jpan" typeface="ＭＳ Ｐゴシック"/>
@@ -7541,7 +13682,7 @@
         <a:font script="Geor" typeface="Sylfaen"/>
       </a:majorFont>
       <a:minorFont>
-        <a:latin typeface="Garamond" panose="02020404030301010803"/>
+        <a:latin typeface="Garamond"/>
         <a:ea typeface=""/>
         <a:cs typeface=""/>
         <a:font script="Jpan" typeface="ＭＳ Ｐ明朝"/>
@@ -7690,8 +13831,293 @@
   <a:extraClrSchemeLst/>
   <a:extLst>
     <a:ext uri="{05A4C25C-085E-4340-85A3-A5531E510DB2}">
-      <thm15:themeFamily xmlns:thm15="http://schemas.microsoft.com/office/thememl/2012/main" name="Organic" id="{28CDC826-8792-45C0-861B-85EB3ADEDA33}" vid="{A2BEDC8B-F191-493B-BA33-0F4F800A89D3}"/>
+      <thm15:themeFamily xmlns:thm15="http://schemas.microsoft.com/office/thememl/2012/main" xmlns="" name="Organic" id="{28CDC826-8792-45C0-861B-85EB3ADEDA33}" vid="{A2BEDC8B-F191-493B-BA33-0F4F800A89D3}"/>
     </a:ext>
   </a:extLst>
 </a:theme>
+</file>
+
+<file path=ppt/theme/theme2.xml><?xml version="1.0" encoding="utf-8"?>
+<a:theme xmlns:a="http://schemas.openxmlformats.org/drawingml/2006/main" name="Office Theme">
+  <a:themeElements>
+    <a:clrScheme name="Office">
+      <a:dk1>
+        <a:sysClr val="windowText" lastClr="000000"/>
+      </a:dk1>
+      <a:lt1>
+        <a:sysClr val="window" lastClr="FFFFFF"/>
+      </a:lt1>
+      <a:dk2>
+        <a:srgbClr val="1F497D"/>
+      </a:dk2>
+      <a:lt2>
+        <a:srgbClr val="EEECE1"/>
+      </a:lt2>
+      <a:accent1>
+        <a:srgbClr val="4F81BD"/>
+      </a:accent1>
+      <a:accent2>
+        <a:srgbClr val="C0504D"/>
+      </a:accent2>
+      <a:accent3>
+        <a:srgbClr val="9BBB59"/>
+      </a:accent3>
+      <a:accent4>
+        <a:srgbClr val="8064A2"/>
+      </a:accent4>
+      <a:accent5>
+        <a:srgbClr val="4BACC6"/>
+      </a:accent5>
+      <a:accent6>
+        <a:srgbClr val="F79646"/>
+      </a:accent6>
+      <a:hlink>
+        <a:srgbClr val="0000FF"/>
+      </a:hlink>
+      <a:folHlink>
+        <a:srgbClr val="800080"/>
+      </a:folHlink>
+    </a:clrScheme>
+    <a:fontScheme name="Office">
+      <a:majorFont>
+        <a:latin typeface="Calibri"/>
+        <a:ea typeface=""/>
+        <a:cs typeface=""/>
+        <a:font script="Jpan" typeface="ＭＳ Ｐゴシック"/>
+        <a:font script="Hang" typeface="맑은 고딕"/>
+        <a:font script="Hans" typeface="宋体"/>
+        <a:font script="Hant" typeface="新細明體"/>
+        <a:font script="Arab" typeface="Times New Roman"/>
+        <a:font script="Hebr" typeface="Times New Roman"/>
+        <a:font script="Thai" typeface="Angsana New"/>
+        <a:font script="Ethi" typeface="Nyala"/>
+        <a:font script="Beng" typeface="Vrinda"/>
+        <a:font script="Gujr" typeface="Shruti"/>
+        <a:font script="Khmr" typeface="MoolBoran"/>
+        <a:font script="Knda" typeface="Tunga"/>
+        <a:font script="Guru" typeface="Raavi"/>
+        <a:font script="Cans" typeface="Euphemia"/>
+        <a:font script="Cher" typeface="Plantagenet Cherokee"/>
+        <a:font script="Yiii" typeface="Microsoft Yi Baiti"/>
+        <a:font script="Tibt" typeface="Microsoft Himalaya"/>
+        <a:font script="Thaa" typeface="MV Boli"/>
+        <a:font script="Deva" typeface="Mangal"/>
+        <a:font script="Telu" typeface="Gautami"/>
+        <a:font script="Taml" typeface="Latha"/>
+        <a:font script="Syrc" typeface="Estrangelo Edessa"/>
+        <a:font script="Orya" typeface="Kalinga"/>
+        <a:font script="Mlym" typeface="Kartika"/>
+        <a:font script="Laoo" typeface="DokChampa"/>
+        <a:font script="Sinh" typeface="Iskoola Pota"/>
+        <a:font script="Mong" typeface="Mongolian Baiti"/>
+        <a:font script="Viet" typeface="Times New Roman"/>
+        <a:font script="Uigh" typeface="Microsoft Uighur"/>
+        <a:font script="Geor" typeface="Sylfaen"/>
+      </a:majorFont>
+      <a:minorFont>
+        <a:latin typeface="Calibri"/>
+        <a:ea typeface=""/>
+        <a:cs typeface=""/>
+        <a:font script="Jpan" typeface="ＭＳ Ｐゴシック"/>
+        <a:font script="Hang" typeface="맑은 고딕"/>
+        <a:font script="Hans" typeface="宋体"/>
+        <a:font script="Hant" typeface="新細明體"/>
+        <a:font script="Arab" typeface="Arial"/>
+        <a:font script="Hebr" typeface="Arial"/>
+        <a:font script="Thai" typeface="Cordia New"/>
+        <a:font script="Ethi" typeface="Nyala"/>
+        <a:font script="Beng" typeface="Vrinda"/>
+        <a:font script="Gujr" typeface="Shruti"/>
+        <a:font script="Khmr" typeface="DaunPenh"/>
+        <a:font script="Knda" typeface="Tunga"/>
+        <a:font script="Guru" typeface="Raavi"/>
+        <a:font script="Cans" typeface="Euphemia"/>
+        <a:font script="Cher" typeface="Plantagenet Cherokee"/>
+        <a:font script="Yiii" typeface="Microsoft Yi Baiti"/>
+        <a:font script="Tibt" typeface="Microsoft Himalaya"/>
+        <a:font script="Thaa" typeface="MV Boli"/>
+        <a:font script="Deva" typeface="Mangal"/>
+        <a:font script="Telu" typeface="Gautami"/>
+        <a:font script="Taml" typeface="Latha"/>
+        <a:font script="Syrc" typeface="Estrangelo Edessa"/>
+        <a:font script="Orya" typeface="Kalinga"/>
+        <a:font script="Mlym" typeface="Kartika"/>
+        <a:font script="Laoo" typeface="DokChampa"/>
+        <a:font script="Sinh" typeface="Iskoola Pota"/>
+        <a:font script="Mong" typeface="Mongolian Baiti"/>
+        <a:font script="Viet" typeface="Arial"/>
+        <a:font script="Uigh" typeface="Microsoft Uighur"/>
+        <a:font script="Geor" typeface="Sylfaen"/>
+      </a:minorFont>
+    </a:fontScheme>
+    <a:fmtScheme name="Office">
+      <a:fillStyleLst>
+        <a:solidFill>
+          <a:schemeClr val="phClr"/>
+        </a:solidFill>
+        <a:gradFill rotWithShape="1">
+          <a:gsLst>
+            <a:gs pos="0">
+              <a:schemeClr val="phClr">
+                <a:tint val="50000"/>
+                <a:satMod val="300000"/>
+              </a:schemeClr>
+            </a:gs>
+            <a:gs pos="35000">
+              <a:schemeClr val="phClr">
+                <a:tint val="37000"/>
+                <a:satMod val="300000"/>
+              </a:schemeClr>
+            </a:gs>
+            <a:gs pos="100000">
+              <a:schemeClr val="phClr">
+                <a:tint val="15000"/>
+                <a:satMod val="350000"/>
+              </a:schemeClr>
+            </a:gs>
+          </a:gsLst>
+          <a:lin ang="16200000" scaled="1"/>
+        </a:gradFill>
+        <a:gradFill rotWithShape="1">
+          <a:gsLst>
+            <a:gs pos="0">
+              <a:schemeClr val="phClr">
+                <a:shade val="51000"/>
+                <a:satMod val="130000"/>
+              </a:schemeClr>
+            </a:gs>
+            <a:gs pos="80000">
+              <a:schemeClr val="phClr">
+                <a:shade val="93000"/>
+                <a:satMod val="130000"/>
+              </a:schemeClr>
+            </a:gs>
+            <a:gs pos="100000">
+              <a:schemeClr val="phClr">
+                <a:shade val="94000"/>
+                <a:satMod val="135000"/>
+              </a:schemeClr>
+            </a:gs>
+          </a:gsLst>
+          <a:lin ang="16200000" scaled="0"/>
+        </a:gradFill>
+      </a:fillStyleLst>
+      <a:lnStyleLst>
+        <a:ln w="9525" cap="flat" cmpd="sng" algn="ctr">
+          <a:solidFill>
+            <a:schemeClr val="phClr">
+              <a:shade val="95000"/>
+              <a:satMod val="105000"/>
+            </a:schemeClr>
+          </a:solidFill>
+          <a:prstDash val="solid"/>
+        </a:ln>
+        <a:ln w="25400" cap="flat" cmpd="sng" algn="ctr">
+          <a:solidFill>
+            <a:schemeClr val="phClr"/>
+          </a:solidFill>
+          <a:prstDash val="solid"/>
+        </a:ln>
+        <a:ln w="38100" cap="flat" cmpd="sng" algn="ctr">
+          <a:solidFill>
+            <a:schemeClr val="phClr"/>
+          </a:solidFill>
+          <a:prstDash val="solid"/>
+        </a:ln>
+      </a:lnStyleLst>
+      <a:effectStyleLst>
+        <a:effectStyle>
+          <a:effectLst>
+            <a:outerShdw blurRad="40000" dist="20000" dir="5400000" rotWithShape="0">
+              <a:srgbClr val="000000">
+                <a:alpha val="38000"/>
+              </a:srgbClr>
+            </a:outerShdw>
+          </a:effectLst>
+        </a:effectStyle>
+        <a:effectStyle>
+          <a:effectLst>
+            <a:outerShdw blurRad="40000" dist="23000" dir="5400000" rotWithShape="0">
+              <a:srgbClr val="000000">
+                <a:alpha val="35000"/>
+              </a:srgbClr>
+            </a:outerShdw>
+          </a:effectLst>
+        </a:effectStyle>
+        <a:effectStyle>
+          <a:effectLst>
+            <a:outerShdw blurRad="40000" dist="23000" dir="5400000" rotWithShape="0">
+              <a:srgbClr val="000000">
+                <a:alpha val="35000"/>
+              </a:srgbClr>
+            </a:outerShdw>
+          </a:effectLst>
+          <a:scene3d>
+            <a:camera prst="orthographicFront">
+              <a:rot lat="0" lon="0" rev="0"/>
+            </a:camera>
+            <a:lightRig rig="threePt" dir="t">
+              <a:rot lat="0" lon="0" rev="1200000"/>
+            </a:lightRig>
+          </a:scene3d>
+          <a:sp3d>
+            <a:bevelT w="63500" h="25400"/>
+          </a:sp3d>
+        </a:effectStyle>
+      </a:effectStyleLst>
+      <a:bgFillStyleLst>
+        <a:solidFill>
+          <a:schemeClr val="phClr"/>
+        </a:solidFill>
+        <a:gradFill rotWithShape="1">
+          <a:gsLst>
+            <a:gs pos="0">
+              <a:schemeClr val="phClr">
+                <a:tint val="40000"/>
+                <a:satMod val="350000"/>
+              </a:schemeClr>
+            </a:gs>
+            <a:gs pos="40000">
+              <a:schemeClr val="phClr">
+                <a:tint val="45000"/>
+                <a:shade val="99000"/>
+                <a:satMod val="350000"/>
+              </a:schemeClr>
+            </a:gs>
+            <a:gs pos="100000">
+              <a:schemeClr val="phClr">
+                <a:shade val="20000"/>
+                <a:satMod val="255000"/>
+              </a:schemeClr>
+            </a:gs>
+          </a:gsLst>
+          <a:path path="circle">
+            <a:fillToRect l="50000" t="-80000" r="50000" b="180000"/>
+          </a:path>
+        </a:gradFill>
+        <a:gradFill rotWithShape="1">
+          <a:gsLst>
+            <a:gs pos="0">
+              <a:schemeClr val="phClr">
+                <a:tint val="80000"/>
+                <a:satMod val="300000"/>
+              </a:schemeClr>
+            </a:gs>
+            <a:gs pos="100000">
+              <a:schemeClr val="phClr">
+                <a:shade val="30000"/>
+                <a:satMod val="200000"/>
+              </a:schemeClr>
+            </a:gs>
+          </a:gsLst>
+          <a:path path="circle">
+            <a:fillToRect l="50000" t="50000" r="50000" b="50000"/>
+          </a:path>
+        </a:gradFill>
+      </a:bgFillStyleLst>
+    </a:fmtScheme>
+  </a:themeElements>
+  <a:objectDefaults/>
+  <a:extraClrSchemeLst/>
+</a:theme>
 </file>